--- a/Text Summarization.pptx
+++ b/Text Summarization.pptx
@@ -2,27 +2,27 @@
 <file path=ppt/presentation.xml><?xml version="1.0" encoding="utf-8"?>
 <p:presentation xmlns:a="http://schemas.openxmlformats.org/drawingml/2006/main" xmlns:r="http://schemas.openxmlformats.org/officeDocument/2006/relationships" xmlns:p="http://schemas.openxmlformats.org/presentationml/2006/main" saveSubsetFonts="1">
   <p:sldMasterIdLst>
-    <p:sldMasterId id="2147483648" r:id="rId1"/>
+    <p:sldMasterId id="2147483701" r:id="rId1"/>
   </p:sldMasterIdLst>
   <p:sldIdLst>
     <p:sldId id="256" r:id="rId2"/>
     <p:sldId id="257" r:id="rId3"/>
-    <p:sldId id="258" r:id="rId4"/>
-    <p:sldId id="259" r:id="rId5"/>
-    <p:sldId id="260" r:id="rId6"/>
-    <p:sldId id="261" r:id="rId7"/>
-    <p:sldId id="262" r:id="rId8"/>
-    <p:sldId id="263" r:id="rId9"/>
-    <p:sldId id="264" r:id="rId10"/>
-    <p:sldId id="271" r:id="rId11"/>
-    <p:sldId id="265" r:id="rId12"/>
-    <p:sldId id="266" r:id="rId13"/>
-    <p:sldId id="267" r:id="rId14"/>
-    <p:sldId id="272" r:id="rId15"/>
-    <p:sldId id="268" r:id="rId16"/>
-    <p:sldId id="269" r:id="rId17"/>
-    <p:sldId id="270" r:id="rId18"/>
-    <p:sldId id="273" r:id="rId19"/>
+    <p:sldId id="259" r:id="rId4"/>
+    <p:sldId id="260" r:id="rId5"/>
+    <p:sldId id="261" r:id="rId6"/>
+    <p:sldId id="262" r:id="rId7"/>
+    <p:sldId id="264" r:id="rId8"/>
+    <p:sldId id="275" r:id="rId9"/>
+    <p:sldId id="265" r:id="rId10"/>
+    <p:sldId id="272" r:id="rId11"/>
+    <p:sldId id="268" r:id="rId12"/>
+    <p:sldId id="269" r:id="rId13"/>
+    <p:sldId id="270" r:id="rId14"/>
+    <p:sldId id="276" r:id="rId15"/>
+    <p:sldId id="277" r:id="rId16"/>
+    <p:sldId id="278" r:id="rId17"/>
+    <p:sldId id="279" r:id="rId18"/>
+    <p:sldId id="280" r:id="rId19"/>
     <p:sldId id="274" r:id="rId20"/>
   </p:sldIdLst>
   <p:sldSz cx="12192000" cy="6858000"/>
@@ -31,7 +31,7 @@
     <a:defPPr>
       <a:defRPr lang="en-US"/>
     </a:defPPr>
-    <a:lvl1pPr marL="0" algn="l" defTabSz="914400" rtl="0" eaLnBrk="1" latinLnBrk="0" hangingPunct="1">
+    <a:lvl1pPr marL="0" algn="l" defTabSz="457200" rtl="0" eaLnBrk="1" latinLnBrk="0" hangingPunct="1">
       <a:defRPr sz="1800" kern="1200">
         <a:solidFill>
           <a:schemeClr val="tx1"/>
@@ -41,7 +41,7 @@
         <a:cs typeface="+mn-cs"/>
       </a:defRPr>
     </a:lvl1pPr>
-    <a:lvl2pPr marL="457200" algn="l" defTabSz="914400" rtl="0" eaLnBrk="1" latinLnBrk="0" hangingPunct="1">
+    <a:lvl2pPr marL="457200" algn="l" defTabSz="457200" rtl="0" eaLnBrk="1" latinLnBrk="0" hangingPunct="1">
       <a:defRPr sz="1800" kern="1200">
         <a:solidFill>
           <a:schemeClr val="tx1"/>
@@ -51,7 +51,7 @@
         <a:cs typeface="+mn-cs"/>
       </a:defRPr>
     </a:lvl2pPr>
-    <a:lvl3pPr marL="914400" algn="l" defTabSz="914400" rtl="0" eaLnBrk="1" latinLnBrk="0" hangingPunct="1">
+    <a:lvl3pPr marL="914400" algn="l" defTabSz="457200" rtl="0" eaLnBrk="1" latinLnBrk="0" hangingPunct="1">
       <a:defRPr sz="1800" kern="1200">
         <a:solidFill>
           <a:schemeClr val="tx1"/>
@@ -61,7 +61,7 @@
         <a:cs typeface="+mn-cs"/>
       </a:defRPr>
     </a:lvl3pPr>
-    <a:lvl4pPr marL="1371600" algn="l" defTabSz="914400" rtl="0" eaLnBrk="1" latinLnBrk="0" hangingPunct="1">
+    <a:lvl4pPr marL="1371600" algn="l" defTabSz="457200" rtl="0" eaLnBrk="1" latinLnBrk="0" hangingPunct="1">
       <a:defRPr sz="1800" kern="1200">
         <a:solidFill>
           <a:schemeClr val="tx1"/>
@@ -71,7 +71,7 @@
         <a:cs typeface="+mn-cs"/>
       </a:defRPr>
     </a:lvl4pPr>
-    <a:lvl5pPr marL="1828800" algn="l" defTabSz="914400" rtl="0" eaLnBrk="1" latinLnBrk="0" hangingPunct="1">
+    <a:lvl5pPr marL="1828800" algn="l" defTabSz="457200" rtl="0" eaLnBrk="1" latinLnBrk="0" hangingPunct="1">
       <a:defRPr sz="1800" kern="1200">
         <a:solidFill>
           <a:schemeClr val="tx1"/>
@@ -81,7 +81,7 @@
         <a:cs typeface="+mn-cs"/>
       </a:defRPr>
     </a:lvl5pPr>
-    <a:lvl6pPr marL="2286000" algn="l" defTabSz="914400" rtl="0" eaLnBrk="1" latinLnBrk="0" hangingPunct="1">
+    <a:lvl6pPr marL="2286000" algn="l" defTabSz="457200" rtl="0" eaLnBrk="1" latinLnBrk="0" hangingPunct="1">
       <a:defRPr sz="1800" kern="1200">
         <a:solidFill>
           <a:schemeClr val="tx1"/>
@@ -91,7 +91,7 @@
         <a:cs typeface="+mn-cs"/>
       </a:defRPr>
     </a:lvl6pPr>
-    <a:lvl7pPr marL="2743200" algn="l" defTabSz="914400" rtl="0" eaLnBrk="1" latinLnBrk="0" hangingPunct="1">
+    <a:lvl7pPr marL="2743200" algn="l" defTabSz="457200" rtl="0" eaLnBrk="1" latinLnBrk="0" hangingPunct="1">
       <a:defRPr sz="1800" kern="1200">
         <a:solidFill>
           <a:schemeClr val="tx1"/>
@@ -101,7 +101,7 @@
         <a:cs typeface="+mn-cs"/>
       </a:defRPr>
     </a:lvl7pPr>
-    <a:lvl8pPr marL="3200400" algn="l" defTabSz="914400" rtl="0" eaLnBrk="1" latinLnBrk="0" hangingPunct="1">
+    <a:lvl8pPr marL="3200400" algn="l" defTabSz="457200" rtl="0" eaLnBrk="1" latinLnBrk="0" hangingPunct="1">
       <a:defRPr sz="1800" kern="1200">
         <a:solidFill>
           <a:schemeClr val="tx1"/>
@@ -111,7 +111,7 @@
         <a:cs typeface="+mn-cs"/>
       </a:defRPr>
     </a:lvl8pPr>
-    <a:lvl9pPr marL="3657600" algn="l" defTabSz="914400" rtl="0" eaLnBrk="1" latinLnBrk="0" hangingPunct="1">
+    <a:lvl9pPr marL="3657600" algn="l" defTabSz="457200" rtl="0" eaLnBrk="1" latinLnBrk="0" hangingPunct="1">
       <a:defRPr sz="1800" kern="1200">
         <a:solidFill>
           <a:schemeClr val="tx1"/>
@@ -122,6 +122,11 @@
       </a:defRPr>
     </a:lvl9pPr>
   </p:defaultTextStyle>
+  <p:extLst>
+    <p:ext uri="{EFAFB233-063F-42B5-8137-9DF3F51BA10A}">
+      <p15:sldGuideLst xmlns:p15="http://schemas.microsoft.com/office/powerpoint/2012/main"/>
+    </p:ext>
+  </p:extLst>
 </p:presentation>
 </file>
 
@@ -142,33 +147,59 @@
           <a:chExt cx="0" cy="0"/>
         </a:xfrm>
       </p:grpSpPr>
-      <p:sp>
-        <p:nvSpPr>
-          <p:cNvPr id="2" name="Title 1">
+      <p:pic>
+        <p:nvPicPr>
+          <p:cNvPr id="7" name="Picture 6" descr="Droplets-HD-Title-R1d.png"/>
+          <p:cNvPicPr>
+            <a:picLocks noChangeAspect="1"/>
+          </p:cNvPicPr>
+          <p:nvPr/>
+        </p:nvPicPr>
+        <p:blipFill>
+          <a:blip r:embed="rId2">
             <a:extLst>
-              <a:ext uri="{FF2B5EF4-FFF2-40B4-BE49-F238E27FC236}">
-                <a16:creationId xmlns:a16="http://schemas.microsoft.com/office/drawing/2014/main" id="{6D3C3D9C-0FDB-4353-A964-E0EA6CEEF38D}"/>
+              <a:ext uri="{28A0092B-C50C-407E-A947-70E740481C1C}">
+                <a14:useLocalDpi xmlns:a14="http://schemas.microsoft.com/office/drawing/2010/main" val="0"/>
               </a:ext>
             </a:extLst>
-          </p:cNvPr>
-          <p:cNvSpPr>
-            <a:spLocks noGrp="1"/>
-          </p:cNvSpPr>
-          <p:nvPr>
-            <p:ph type="ctrTitle"/>
-          </p:nvPr>
-        </p:nvSpPr>
+          </a:blip>
+          <a:stretch>
+            <a:fillRect/>
+          </a:stretch>
+        </p:blipFill>
         <p:spPr>
           <a:xfrm>
-            <a:off x="1524000" y="1122363"/>
-            <a:ext cx="9144000" cy="2387600"/>
+            <a:off x="0" y="0"/>
+            <a:ext cx="12192000" cy="6858000"/>
+          </a:xfrm>
+          <a:prstGeom prst="rect">
+            <a:avLst/>
+          </a:prstGeom>
+        </p:spPr>
+      </p:pic>
+      <p:sp>
+        <p:nvSpPr>
+          <p:cNvPr id="2" name="Title 1"/>
+          <p:cNvSpPr>
+            <a:spLocks noGrp="1"/>
+          </p:cNvSpPr>
+          <p:nvPr>
+            <p:ph type="ctrTitle"/>
+          </p:nvPr>
+        </p:nvSpPr>
+        <p:spPr>
+          <a:xfrm>
+            <a:off x="1751012" y="1300785"/>
+            <a:ext cx="8689976" cy="2509213"/>
           </a:xfrm>
         </p:spPr>
         <p:txBody>
-          <a:bodyPr anchor="b"/>
+          <a:bodyPr anchor="b">
+            <a:normAutofit/>
+          </a:bodyPr>
           <a:lstStyle>
             <a:lvl1pPr algn="ctr">
-              <a:defRPr sz="6000"/>
+              <a:defRPr sz="4800"/>
             </a:lvl1pPr>
           </a:lstStyle>
           <a:p>
@@ -176,18 +207,13 @@
               <a:rPr lang="en-US"/>
               <a:t>Click to edit Master title style</a:t>
             </a:r>
-          </a:p>
-        </p:txBody>
-      </p:sp>
-      <p:sp>
-        <p:nvSpPr>
-          <p:cNvPr id="3" name="Subtitle 2">
-            <a:extLst>
-              <a:ext uri="{FF2B5EF4-FFF2-40B4-BE49-F238E27FC236}">
-                <a16:creationId xmlns:a16="http://schemas.microsoft.com/office/drawing/2014/main" id="{314B51FD-4481-4F93-BCAC-D9CC30BE999F}"/>
-              </a:ext>
-            </a:extLst>
-          </p:cNvPr>
+            <a:endParaRPr lang="en-US" dirty="0"/>
+          </a:p>
+        </p:txBody>
+      </p:sp>
+      <p:sp>
+        <p:nvSpPr>
+          <p:cNvPr id="3" name="Subtitle 2"/>
           <p:cNvSpPr>
             <a:spLocks noGrp="1"/>
           </p:cNvSpPr>
@@ -197,16 +223,24 @@
         </p:nvSpPr>
         <p:spPr>
           <a:xfrm>
-            <a:off x="1524000" y="3602038"/>
-            <a:ext cx="9144000" cy="1655762"/>
+            <a:off x="1751012" y="3886200"/>
+            <a:ext cx="8689976" cy="1371599"/>
           </a:xfrm>
         </p:spPr>
         <p:txBody>
-          <a:bodyPr/>
+          <a:bodyPr>
+            <a:normAutofit/>
+          </a:bodyPr>
           <a:lstStyle>
             <a:lvl1pPr marL="0" indent="0" algn="ctr">
               <a:buNone/>
-              <a:defRPr sz="2400"/>
+              <a:defRPr sz="2200">
+                <a:solidFill>
+                  <a:schemeClr val="bg1">
+                    <a:lumMod val="50000"/>
+                  </a:schemeClr>
+                </a:solidFill>
+              </a:defRPr>
             </a:lvl1pPr>
             <a:lvl2pPr marL="457200" indent="0" algn="ctr">
               <a:buNone/>
@@ -246,18 +280,13 @@
               <a:rPr lang="en-US"/>
               <a:t>Click to edit Master subtitle style</a:t>
             </a:r>
-          </a:p>
-        </p:txBody>
-      </p:sp>
-      <p:sp>
-        <p:nvSpPr>
-          <p:cNvPr id="4" name="Date Placeholder 3">
-            <a:extLst>
-              <a:ext uri="{FF2B5EF4-FFF2-40B4-BE49-F238E27FC236}">
-                <a16:creationId xmlns:a16="http://schemas.microsoft.com/office/drawing/2014/main" id="{EE9B3797-F4E4-4C90-8755-993FE46CB6AD}"/>
-              </a:ext>
-            </a:extLst>
-          </p:cNvPr>
+            <a:endParaRPr lang="en-US" dirty="0"/>
+          </a:p>
+        </p:txBody>
+      </p:sp>
+      <p:sp>
+        <p:nvSpPr>
+          <p:cNvPr id="4" name="Date Placeholder 3"/>
           <p:cNvSpPr>
             <a:spLocks noGrp="1"/>
           </p:cNvSpPr>
@@ -272,7 +301,7 @@
           <a:p>
             <a:fld id="{C38E463A-FA1D-459A-8470-3C19B0DC4D67}" type="datetimeFigureOut">
               <a:rPr lang="en-US" smtClean="0"/>
-              <a:t>12/10/2021</a:t>
+              <a:t>12/16/2021</a:t>
             </a:fld>
             <a:endParaRPr lang="en-US"/>
           </a:p>
@@ -280,13 +309,7 @@
       </p:sp>
       <p:sp>
         <p:nvSpPr>
-          <p:cNvPr id="5" name="Footer Placeholder 4">
-            <a:extLst>
-              <a:ext uri="{FF2B5EF4-FFF2-40B4-BE49-F238E27FC236}">
-                <a16:creationId xmlns:a16="http://schemas.microsoft.com/office/drawing/2014/main" id="{B068F87E-17F8-4DC0-8012-DCBE967B773F}"/>
-              </a:ext>
-            </a:extLst>
-          </p:cNvPr>
+          <p:cNvPr id="5" name="Footer Placeholder 4"/>
           <p:cNvSpPr>
             <a:spLocks noGrp="1"/>
           </p:cNvSpPr>
@@ -305,13 +328,7 @@
       </p:sp>
       <p:sp>
         <p:nvSpPr>
-          <p:cNvPr id="6" name="Slide Number Placeholder 5">
-            <a:extLst>
-              <a:ext uri="{FF2B5EF4-FFF2-40B4-BE49-F238E27FC236}">
-                <a16:creationId xmlns:a16="http://schemas.microsoft.com/office/drawing/2014/main" id="{F0FFDB13-ADD1-481A-A710-697AB2A291B7}"/>
-              </a:ext>
-            </a:extLst>
-          </p:cNvPr>
+          <p:cNvPr id="6" name="Slide Number Placeholder 5"/>
           <p:cNvSpPr>
             <a:spLocks noGrp="1"/>
           </p:cNvSpPr>
@@ -335,7 +352,7 @@
     </p:spTree>
     <p:extLst>
       <p:ext uri="{BB962C8B-B14F-4D97-AF65-F5344CB8AC3E}">
-        <p14:creationId xmlns:p14="http://schemas.microsoft.com/office/powerpoint/2010/main" val="2818745478"/>
+        <p14:creationId xmlns:p14="http://schemas.microsoft.com/office/powerpoint/2010/main" val="1820928439"/>
       </p:ext>
     </p:extLst>
   </p:cSld>
@@ -346,6 +363,2713 @@
 </file>
 
 <file path=ppt/slideLayouts/slideLayout10.xml><?xml version="1.0" encoding="utf-8"?>
+<p:sldLayout xmlns:a="http://schemas.openxmlformats.org/drawingml/2006/main" xmlns:r="http://schemas.openxmlformats.org/officeDocument/2006/relationships" xmlns:p="http://schemas.openxmlformats.org/presentationml/2006/main" preserve="1">
+  <p:cSld name="Panoramic Picture with Caption">
+    <p:spTree>
+      <p:nvGrpSpPr>
+        <p:cNvPr id="1" name=""/>
+        <p:cNvGrpSpPr/>
+        <p:nvPr/>
+      </p:nvGrpSpPr>
+      <p:grpSpPr>
+        <a:xfrm>
+          <a:off x="0" y="0"/>
+          <a:ext cx="0" cy="0"/>
+          <a:chOff x="0" y="0"/>
+          <a:chExt cx="0" cy="0"/>
+        </a:xfrm>
+      </p:grpSpPr>
+      <p:pic>
+        <p:nvPicPr>
+          <p:cNvPr id="10" name="Picture 9" descr="Droplets-HD-Content-R1d.png"/>
+          <p:cNvPicPr>
+            <a:picLocks noChangeAspect="1"/>
+          </p:cNvPicPr>
+          <p:nvPr/>
+        </p:nvPicPr>
+        <p:blipFill>
+          <a:blip r:embed="rId2">
+            <a:extLst>
+              <a:ext uri="{28A0092B-C50C-407E-A947-70E740481C1C}">
+                <a14:useLocalDpi xmlns:a14="http://schemas.microsoft.com/office/drawing/2010/main" val="0"/>
+              </a:ext>
+            </a:extLst>
+          </a:blip>
+          <a:stretch>
+            <a:fillRect/>
+          </a:stretch>
+        </p:blipFill>
+        <p:spPr>
+          <a:xfrm>
+            <a:off x="0" y="0"/>
+            <a:ext cx="12192000" cy="6858000"/>
+          </a:xfrm>
+          <a:prstGeom prst="rect">
+            <a:avLst/>
+          </a:prstGeom>
+        </p:spPr>
+      </p:pic>
+      <p:sp>
+        <p:nvSpPr>
+          <p:cNvPr id="2" name="Title 1"/>
+          <p:cNvSpPr>
+            <a:spLocks noGrp="1"/>
+          </p:cNvSpPr>
+          <p:nvPr>
+            <p:ph type="title"/>
+          </p:nvPr>
+        </p:nvSpPr>
+        <p:spPr>
+          <a:xfrm>
+            <a:off x="913794" y="4289374"/>
+            <a:ext cx="10364432" cy="811610"/>
+          </a:xfrm>
+        </p:spPr>
+        <p:txBody>
+          <a:bodyPr anchor="b"/>
+          <a:lstStyle>
+            <a:lvl1pPr>
+              <a:defRPr sz="3200"/>
+            </a:lvl1pPr>
+          </a:lstStyle>
+          <a:p>
+            <a:r>
+              <a:rPr lang="en-US"/>
+              <a:t>Click to edit Master title style</a:t>
+            </a:r>
+            <a:endParaRPr lang="en-US" dirty="0"/>
+          </a:p>
+        </p:txBody>
+      </p:sp>
+      <p:sp>
+        <p:nvSpPr>
+          <p:cNvPr id="3" name="Picture Placeholder 2"/>
+          <p:cNvSpPr>
+            <a:spLocks noGrp="1" noChangeAspect="1"/>
+          </p:cNvSpPr>
+          <p:nvPr>
+            <p:ph type="pic" idx="1"/>
+          </p:nvPr>
+        </p:nvSpPr>
+        <p:spPr>
+          <a:xfrm>
+            <a:off x="1184744" y="698261"/>
+            <a:ext cx="9822532" cy="3214136"/>
+          </a:xfrm>
+          <a:prstGeom prst="roundRect">
+            <a:avLst>
+              <a:gd name="adj" fmla="val 4944"/>
+            </a:avLst>
+          </a:prstGeom>
+          <a:noFill/>
+          <a:ln w="82550" cap="sq">
+            <a:solidFill>
+              <a:srgbClr val="EAEAEA"/>
+            </a:solidFill>
+            <a:miter lim="800000"/>
+          </a:ln>
+          <a:effectLst/>
+          <a:scene3d>
+            <a:camera prst="orthographicFront"/>
+            <a:lightRig rig="threePt" dir="t">
+              <a:rot lat="0" lon="0" rev="2700000"/>
+            </a:lightRig>
+          </a:scene3d>
+          <a:sp3d contourW="6350">
+            <a:bevelT h="38100"/>
+            <a:contourClr>
+              <a:srgbClr val="C0C0C0"/>
+            </a:contourClr>
+          </a:sp3d>
+        </p:spPr>
+        <p:txBody>
+          <a:bodyPr anchor="t"/>
+          <a:lstStyle>
+            <a:lvl1pPr marL="0" indent="0" algn="ctr">
+              <a:buNone/>
+              <a:defRPr sz="3200"/>
+            </a:lvl1pPr>
+            <a:lvl2pPr marL="457200" indent="0">
+              <a:buNone/>
+              <a:defRPr sz="2800"/>
+            </a:lvl2pPr>
+            <a:lvl3pPr marL="914400" indent="0">
+              <a:buNone/>
+              <a:defRPr sz="2400"/>
+            </a:lvl3pPr>
+            <a:lvl4pPr marL="1371600" indent="0">
+              <a:buNone/>
+              <a:defRPr sz="2000"/>
+            </a:lvl4pPr>
+            <a:lvl5pPr marL="1828800" indent="0">
+              <a:buNone/>
+              <a:defRPr sz="2000"/>
+            </a:lvl5pPr>
+            <a:lvl6pPr marL="2286000" indent="0">
+              <a:buNone/>
+              <a:defRPr sz="2000"/>
+            </a:lvl6pPr>
+            <a:lvl7pPr marL="2743200" indent="0">
+              <a:buNone/>
+              <a:defRPr sz="2000"/>
+            </a:lvl7pPr>
+            <a:lvl8pPr marL="3200400" indent="0">
+              <a:buNone/>
+              <a:defRPr sz="2000"/>
+            </a:lvl8pPr>
+            <a:lvl9pPr marL="3657600" indent="0">
+              <a:buNone/>
+              <a:defRPr sz="2000"/>
+            </a:lvl9pPr>
+          </a:lstStyle>
+          <a:p>
+            <a:r>
+              <a:rPr lang="en-US"/>
+              <a:t>Click icon to add picture</a:t>
+            </a:r>
+            <a:endParaRPr lang="en-US" dirty="0"/>
+          </a:p>
+        </p:txBody>
+      </p:sp>
+      <p:sp>
+        <p:nvSpPr>
+          <p:cNvPr id="4" name="Text Placeholder 3"/>
+          <p:cNvSpPr>
+            <a:spLocks noGrp="1"/>
+          </p:cNvSpPr>
+          <p:nvPr>
+            <p:ph type="body" sz="half" idx="2"/>
+          </p:nvPr>
+        </p:nvSpPr>
+        <p:spPr>
+          <a:xfrm>
+            <a:off x="913774" y="5108728"/>
+            <a:ext cx="10364452" cy="682472"/>
+          </a:xfrm>
+        </p:spPr>
+        <p:txBody>
+          <a:bodyPr/>
+          <a:lstStyle>
+            <a:lvl1pPr marL="0" indent="0" algn="ctr">
+              <a:buNone/>
+              <a:defRPr sz="1600"/>
+            </a:lvl1pPr>
+            <a:lvl2pPr marL="457200" indent="0">
+              <a:buNone/>
+              <a:defRPr sz="1400"/>
+            </a:lvl2pPr>
+            <a:lvl3pPr marL="914400" indent="0">
+              <a:buNone/>
+              <a:defRPr sz="1200"/>
+            </a:lvl3pPr>
+            <a:lvl4pPr marL="1371600" indent="0">
+              <a:buNone/>
+              <a:defRPr sz="1000"/>
+            </a:lvl4pPr>
+            <a:lvl5pPr marL="1828800" indent="0">
+              <a:buNone/>
+              <a:defRPr sz="1000"/>
+            </a:lvl5pPr>
+            <a:lvl6pPr marL="2286000" indent="0">
+              <a:buNone/>
+              <a:defRPr sz="1000"/>
+            </a:lvl6pPr>
+            <a:lvl7pPr marL="2743200" indent="0">
+              <a:buNone/>
+              <a:defRPr sz="1000"/>
+            </a:lvl7pPr>
+            <a:lvl8pPr marL="3200400" indent="0">
+              <a:buNone/>
+              <a:defRPr sz="1000"/>
+            </a:lvl8pPr>
+            <a:lvl9pPr marL="3657600" indent="0">
+              <a:buNone/>
+              <a:defRPr sz="1000"/>
+            </a:lvl9pPr>
+          </a:lstStyle>
+          <a:p>
+            <a:pPr lvl="0"/>
+            <a:r>
+              <a:rPr lang="en-US"/>
+              <a:t>Click to edit Master text styles</a:t>
+            </a:r>
+          </a:p>
+        </p:txBody>
+      </p:sp>
+      <p:sp>
+        <p:nvSpPr>
+          <p:cNvPr id="5" name="Date Placeholder 4"/>
+          <p:cNvSpPr>
+            <a:spLocks noGrp="1"/>
+          </p:cNvSpPr>
+          <p:nvPr>
+            <p:ph type="dt" sz="half" idx="10"/>
+          </p:nvPr>
+        </p:nvSpPr>
+        <p:spPr/>
+        <p:txBody>
+          <a:bodyPr/>
+          <a:lstStyle/>
+          <a:p>
+            <a:fld id="{C38E463A-FA1D-459A-8470-3C19B0DC4D67}" type="datetimeFigureOut">
+              <a:rPr lang="en-US" smtClean="0"/>
+              <a:t>12/16/2021</a:t>
+            </a:fld>
+            <a:endParaRPr lang="en-US"/>
+          </a:p>
+        </p:txBody>
+      </p:sp>
+      <p:sp>
+        <p:nvSpPr>
+          <p:cNvPr id="6" name="Footer Placeholder 5"/>
+          <p:cNvSpPr>
+            <a:spLocks noGrp="1"/>
+          </p:cNvSpPr>
+          <p:nvPr>
+            <p:ph type="ftr" sz="quarter" idx="11"/>
+          </p:nvPr>
+        </p:nvSpPr>
+        <p:spPr/>
+        <p:txBody>
+          <a:bodyPr/>
+          <a:lstStyle/>
+          <a:p>
+            <a:endParaRPr lang="en-US"/>
+          </a:p>
+        </p:txBody>
+      </p:sp>
+      <p:sp>
+        <p:nvSpPr>
+          <p:cNvPr id="7" name="Slide Number Placeholder 6"/>
+          <p:cNvSpPr>
+            <a:spLocks noGrp="1"/>
+          </p:cNvSpPr>
+          <p:nvPr>
+            <p:ph type="sldNum" sz="quarter" idx="12"/>
+          </p:nvPr>
+        </p:nvSpPr>
+        <p:spPr/>
+        <p:txBody>
+          <a:bodyPr/>
+          <a:lstStyle/>
+          <a:p>
+            <a:fld id="{5876A3A3-3F41-4B68-A46B-88627D1938CE}" type="slidenum">
+              <a:rPr lang="en-US" smtClean="0"/>
+              <a:t>‹#›</a:t>
+            </a:fld>
+            <a:endParaRPr lang="en-US"/>
+          </a:p>
+        </p:txBody>
+      </p:sp>
+    </p:spTree>
+    <p:extLst>
+      <p:ext uri="{BB962C8B-B14F-4D97-AF65-F5344CB8AC3E}">
+        <p14:creationId xmlns:p14="http://schemas.microsoft.com/office/powerpoint/2010/main" val="3393645615"/>
+      </p:ext>
+    </p:extLst>
+  </p:cSld>
+  <p:clrMapOvr>
+    <a:masterClrMapping/>
+  </p:clrMapOvr>
+</p:sldLayout>
+</file>
+
+<file path=ppt/slideLayouts/slideLayout11.xml><?xml version="1.0" encoding="utf-8"?>
+<p:sldLayout xmlns:a="http://schemas.openxmlformats.org/drawingml/2006/main" xmlns:r="http://schemas.openxmlformats.org/officeDocument/2006/relationships" xmlns:p="http://schemas.openxmlformats.org/presentationml/2006/main" preserve="1">
+  <p:cSld name="Title and Caption">
+    <p:spTree>
+      <p:nvGrpSpPr>
+        <p:cNvPr id="1" name=""/>
+        <p:cNvGrpSpPr/>
+        <p:nvPr/>
+      </p:nvGrpSpPr>
+      <p:grpSpPr>
+        <a:xfrm>
+          <a:off x="0" y="0"/>
+          <a:ext cx="0" cy="0"/>
+          <a:chOff x="0" y="0"/>
+          <a:chExt cx="0" cy="0"/>
+        </a:xfrm>
+      </p:grpSpPr>
+      <p:pic>
+        <p:nvPicPr>
+          <p:cNvPr id="8" name="Picture 7" descr="Droplets-HD-Content-R1d.png"/>
+          <p:cNvPicPr>
+            <a:picLocks noChangeAspect="1"/>
+          </p:cNvPicPr>
+          <p:nvPr/>
+        </p:nvPicPr>
+        <p:blipFill>
+          <a:blip r:embed="rId2">
+            <a:extLst>
+              <a:ext uri="{28A0092B-C50C-407E-A947-70E740481C1C}">
+                <a14:useLocalDpi xmlns:a14="http://schemas.microsoft.com/office/drawing/2010/main" val="0"/>
+              </a:ext>
+            </a:extLst>
+          </a:blip>
+          <a:stretch>
+            <a:fillRect/>
+          </a:stretch>
+        </p:blipFill>
+        <p:spPr>
+          <a:xfrm>
+            <a:off x="0" y="0"/>
+            <a:ext cx="12192000" cy="6858000"/>
+          </a:xfrm>
+          <a:prstGeom prst="rect">
+            <a:avLst/>
+          </a:prstGeom>
+        </p:spPr>
+      </p:pic>
+      <p:sp>
+        <p:nvSpPr>
+          <p:cNvPr id="2" name="Title 1"/>
+          <p:cNvSpPr>
+            <a:spLocks noGrp="1"/>
+          </p:cNvSpPr>
+          <p:nvPr>
+            <p:ph type="title"/>
+          </p:nvPr>
+        </p:nvSpPr>
+        <p:spPr>
+          <a:xfrm>
+            <a:off x="913774" y="609599"/>
+            <a:ext cx="10364452" cy="3427245"/>
+          </a:xfrm>
+        </p:spPr>
+        <p:txBody>
+          <a:bodyPr anchor="ctr"/>
+          <a:lstStyle>
+            <a:lvl1pPr algn="ctr">
+              <a:defRPr sz="3200"/>
+            </a:lvl1pPr>
+          </a:lstStyle>
+          <a:p>
+            <a:r>
+              <a:rPr lang="en-US"/>
+              <a:t>Click to edit Master title style</a:t>
+            </a:r>
+            <a:endParaRPr lang="en-US" dirty="0"/>
+          </a:p>
+        </p:txBody>
+      </p:sp>
+      <p:sp>
+        <p:nvSpPr>
+          <p:cNvPr id="4" name="Text Placeholder 3"/>
+          <p:cNvSpPr>
+            <a:spLocks noGrp="1"/>
+          </p:cNvSpPr>
+          <p:nvPr>
+            <p:ph type="body" sz="half" idx="2"/>
+          </p:nvPr>
+        </p:nvSpPr>
+        <p:spPr>
+          <a:xfrm>
+            <a:off x="913775" y="4204821"/>
+            <a:ext cx="10364452" cy="1586380"/>
+          </a:xfrm>
+        </p:spPr>
+        <p:txBody>
+          <a:bodyPr anchor="ctr"/>
+          <a:lstStyle>
+            <a:lvl1pPr marL="0" indent="0" algn="ctr">
+              <a:buNone/>
+              <a:defRPr sz="1600"/>
+            </a:lvl1pPr>
+            <a:lvl2pPr marL="457200" indent="0">
+              <a:buNone/>
+              <a:defRPr sz="1400"/>
+            </a:lvl2pPr>
+            <a:lvl3pPr marL="914400" indent="0">
+              <a:buNone/>
+              <a:defRPr sz="1200"/>
+            </a:lvl3pPr>
+            <a:lvl4pPr marL="1371600" indent="0">
+              <a:buNone/>
+              <a:defRPr sz="1000"/>
+            </a:lvl4pPr>
+            <a:lvl5pPr marL="1828800" indent="0">
+              <a:buNone/>
+              <a:defRPr sz="1000"/>
+            </a:lvl5pPr>
+            <a:lvl6pPr marL="2286000" indent="0">
+              <a:buNone/>
+              <a:defRPr sz="1000"/>
+            </a:lvl6pPr>
+            <a:lvl7pPr marL="2743200" indent="0">
+              <a:buNone/>
+              <a:defRPr sz="1000"/>
+            </a:lvl7pPr>
+            <a:lvl8pPr marL="3200400" indent="0">
+              <a:buNone/>
+              <a:defRPr sz="1000"/>
+            </a:lvl8pPr>
+            <a:lvl9pPr marL="3657600" indent="0">
+              <a:buNone/>
+              <a:defRPr sz="1000"/>
+            </a:lvl9pPr>
+          </a:lstStyle>
+          <a:p>
+            <a:pPr lvl="0"/>
+            <a:r>
+              <a:rPr lang="en-US"/>
+              <a:t>Click to edit Master text styles</a:t>
+            </a:r>
+          </a:p>
+        </p:txBody>
+      </p:sp>
+      <p:sp>
+        <p:nvSpPr>
+          <p:cNvPr id="5" name="Date Placeholder 4"/>
+          <p:cNvSpPr>
+            <a:spLocks noGrp="1"/>
+          </p:cNvSpPr>
+          <p:nvPr>
+            <p:ph type="dt" sz="half" idx="10"/>
+          </p:nvPr>
+        </p:nvSpPr>
+        <p:spPr/>
+        <p:txBody>
+          <a:bodyPr/>
+          <a:lstStyle/>
+          <a:p>
+            <a:fld id="{C38E463A-FA1D-459A-8470-3C19B0DC4D67}" type="datetimeFigureOut">
+              <a:rPr lang="en-US" smtClean="0"/>
+              <a:t>12/16/2021</a:t>
+            </a:fld>
+            <a:endParaRPr lang="en-US"/>
+          </a:p>
+        </p:txBody>
+      </p:sp>
+      <p:sp>
+        <p:nvSpPr>
+          <p:cNvPr id="6" name="Footer Placeholder 5"/>
+          <p:cNvSpPr>
+            <a:spLocks noGrp="1"/>
+          </p:cNvSpPr>
+          <p:nvPr>
+            <p:ph type="ftr" sz="quarter" idx="11"/>
+          </p:nvPr>
+        </p:nvSpPr>
+        <p:spPr/>
+        <p:txBody>
+          <a:bodyPr/>
+          <a:lstStyle/>
+          <a:p>
+            <a:endParaRPr lang="en-US"/>
+          </a:p>
+        </p:txBody>
+      </p:sp>
+      <p:sp>
+        <p:nvSpPr>
+          <p:cNvPr id="7" name="Slide Number Placeholder 6"/>
+          <p:cNvSpPr>
+            <a:spLocks noGrp="1"/>
+          </p:cNvSpPr>
+          <p:nvPr>
+            <p:ph type="sldNum" sz="quarter" idx="12"/>
+          </p:nvPr>
+        </p:nvSpPr>
+        <p:spPr/>
+        <p:txBody>
+          <a:bodyPr/>
+          <a:lstStyle/>
+          <a:p>
+            <a:fld id="{5876A3A3-3F41-4B68-A46B-88627D1938CE}" type="slidenum">
+              <a:rPr lang="en-US" smtClean="0"/>
+              <a:t>‹#›</a:t>
+            </a:fld>
+            <a:endParaRPr lang="en-US"/>
+          </a:p>
+        </p:txBody>
+      </p:sp>
+    </p:spTree>
+    <p:extLst>
+      <p:ext uri="{BB962C8B-B14F-4D97-AF65-F5344CB8AC3E}">
+        <p14:creationId xmlns:p14="http://schemas.microsoft.com/office/powerpoint/2010/main" val="3694084826"/>
+      </p:ext>
+    </p:extLst>
+  </p:cSld>
+  <p:clrMapOvr>
+    <a:masterClrMapping/>
+  </p:clrMapOvr>
+</p:sldLayout>
+</file>
+
+<file path=ppt/slideLayouts/slideLayout12.xml><?xml version="1.0" encoding="utf-8"?>
+<p:sldLayout xmlns:a="http://schemas.openxmlformats.org/drawingml/2006/main" xmlns:r="http://schemas.openxmlformats.org/officeDocument/2006/relationships" xmlns:p="http://schemas.openxmlformats.org/presentationml/2006/main" preserve="1">
+  <p:cSld name="Quote with Caption">
+    <p:spTree>
+      <p:nvGrpSpPr>
+        <p:cNvPr id="1" name=""/>
+        <p:cNvGrpSpPr/>
+        <p:nvPr/>
+      </p:nvGrpSpPr>
+      <p:grpSpPr>
+        <a:xfrm>
+          <a:off x="0" y="0"/>
+          <a:ext cx="0" cy="0"/>
+          <a:chOff x="0" y="0"/>
+          <a:chExt cx="0" cy="0"/>
+        </a:xfrm>
+      </p:grpSpPr>
+      <p:pic>
+        <p:nvPicPr>
+          <p:cNvPr id="11" name="Picture 10" descr="Droplets-HD-Content-R1d.png"/>
+          <p:cNvPicPr>
+            <a:picLocks noChangeAspect="1"/>
+          </p:cNvPicPr>
+          <p:nvPr/>
+        </p:nvPicPr>
+        <p:blipFill>
+          <a:blip r:embed="rId2">
+            <a:extLst>
+              <a:ext uri="{28A0092B-C50C-407E-A947-70E740481C1C}">
+                <a14:useLocalDpi xmlns:a14="http://schemas.microsoft.com/office/drawing/2010/main" val="0"/>
+              </a:ext>
+            </a:extLst>
+          </a:blip>
+          <a:stretch>
+            <a:fillRect/>
+          </a:stretch>
+        </p:blipFill>
+        <p:spPr>
+          <a:xfrm>
+            <a:off x="0" y="0"/>
+            <a:ext cx="12192000" cy="6858000"/>
+          </a:xfrm>
+          <a:prstGeom prst="rect">
+            <a:avLst/>
+          </a:prstGeom>
+        </p:spPr>
+      </p:pic>
+      <p:sp>
+        <p:nvSpPr>
+          <p:cNvPr id="2" name="Title 1"/>
+          <p:cNvSpPr>
+            <a:spLocks noGrp="1"/>
+          </p:cNvSpPr>
+          <p:nvPr>
+            <p:ph type="title"/>
+          </p:nvPr>
+        </p:nvSpPr>
+        <p:spPr>
+          <a:xfrm>
+            <a:off x="1446212" y="609600"/>
+            <a:ext cx="9302752" cy="2992904"/>
+          </a:xfrm>
+        </p:spPr>
+        <p:txBody>
+          <a:bodyPr anchor="ctr"/>
+          <a:lstStyle>
+            <a:lvl1pPr>
+              <a:defRPr sz="3200"/>
+            </a:lvl1pPr>
+          </a:lstStyle>
+          <a:p>
+            <a:r>
+              <a:rPr lang="en-US"/>
+              <a:t>Click to edit Master title style</a:t>
+            </a:r>
+            <a:endParaRPr lang="en-US" dirty="0"/>
+          </a:p>
+        </p:txBody>
+      </p:sp>
+      <p:sp>
+        <p:nvSpPr>
+          <p:cNvPr id="12" name="Text Placeholder 3"/>
+          <p:cNvSpPr>
+            <a:spLocks noGrp="1"/>
+          </p:cNvSpPr>
+          <p:nvPr>
+            <p:ph type="body" sz="half" idx="13"/>
+          </p:nvPr>
+        </p:nvSpPr>
+        <p:spPr>
+          <a:xfrm>
+            <a:off x="1720644" y="3610032"/>
+            <a:ext cx="8752299" cy="594788"/>
+          </a:xfrm>
+        </p:spPr>
+        <p:txBody>
+          <a:bodyPr anchor="t">
+            <a:normAutofit/>
+          </a:bodyPr>
+          <a:lstStyle>
+            <a:lvl1pPr marL="0" indent="0">
+              <a:buNone/>
+              <a:defRPr sz="1400"/>
+            </a:lvl1pPr>
+            <a:lvl2pPr marL="457200" indent="0">
+              <a:buNone/>
+              <a:defRPr sz="1400"/>
+            </a:lvl2pPr>
+            <a:lvl3pPr marL="914400" indent="0">
+              <a:buNone/>
+              <a:defRPr sz="1200"/>
+            </a:lvl3pPr>
+            <a:lvl4pPr marL="1371600" indent="0">
+              <a:buNone/>
+              <a:defRPr sz="1000"/>
+            </a:lvl4pPr>
+            <a:lvl5pPr marL="1828800" indent="0">
+              <a:buNone/>
+              <a:defRPr sz="1000"/>
+            </a:lvl5pPr>
+            <a:lvl6pPr marL="2286000" indent="0">
+              <a:buNone/>
+              <a:defRPr sz="1000"/>
+            </a:lvl6pPr>
+            <a:lvl7pPr marL="2743200" indent="0">
+              <a:buNone/>
+              <a:defRPr sz="1000"/>
+            </a:lvl7pPr>
+            <a:lvl8pPr marL="3200400" indent="0">
+              <a:buNone/>
+              <a:defRPr sz="1000"/>
+            </a:lvl8pPr>
+            <a:lvl9pPr marL="3657600" indent="0">
+              <a:buNone/>
+              <a:defRPr sz="1000"/>
+            </a:lvl9pPr>
+          </a:lstStyle>
+          <a:p>
+            <a:pPr lvl="0"/>
+            <a:r>
+              <a:rPr lang="en-US"/>
+              <a:t>Click to edit Master text styles</a:t>
+            </a:r>
+          </a:p>
+        </p:txBody>
+      </p:sp>
+      <p:sp>
+        <p:nvSpPr>
+          <p:cNvPr id="4" name="Text Placeholder 3"/>
+          <p:cNvSpPr>
+            <a:spLocks noGrp="1"/>
+          </p:cNvSpPr>
+          <p:nvPr>
+            <p:ph type="body" sz="half" idx="2"/>
+          </p:nvPr>
+        </p:nvSpPr>
+        <p:spPr>
+          <a:xfrm>
+            <a:off x="913774" y="4372796"/>
+            <a:ext cx="10364452" cy="1421053"/>
+          </a:xfrm>
+        </p:spPr>
+        <p:txBody>
+          <a:bodyPr anchor="ctr">
+            <a:normAutofit/>
+          </a:bodyPr>
+          <a:lstStyle>
+            <a:lvl1pPr marL="0" indent="0" algn="ctr">
+              <a:buNone/>
+              <a:defRPr sz="1600"/>
+            </a:lvl1pPr>
+            <a:lvl2pPr marL="457200" indent="0">
+              <a:buNone/>
+              <a:defRPr sz="1400"/>
+            </a:lvl2pPr>
+            <a:lvl3pPr marL="914400" indent="0">
+              <a:buNone/>
+              <a:defRPr sz="1200"/>
+            </a:lvl3pPr>
+            <a:lvl4pPr marL="1371600" indent="0">
+              <a:buNone/>
+              <a:defRPr sz="1000"/>
+            </a:lvl4pPr>
+            <a:lvl5pPr marL="1828800" indent="0">
+              <a:buNone/>
+              <a:defRPr sz="1000"/>
+            </a:lvl5pPr>
+            <a:lvl6pPr marL="2286000" indent="0">
+              <a:buNone/>
+              <a:defRPr sz="1000"/>
+            </a:lvl6pPr>
+            <a:lvl7pPr marL="2743200" indent="0">
+              <a:buNone/>
+              <a:defRPr sz="1000"/>
+            </a:lvl7pPr>
+            <a:lvl8pPr marL="3200400" indent="0">
+              <a:buNone/>
+              <a:defRPr sz="1000"/>
+            </a:lvl8pPr>
+            <a:lvl9pPr marL="3657600" indent="0">
+              <a:buNone/>
+              <a:defRPr sz="1000"/>
+            </a:lvl9pPr>
+          </a:lstStyle>
+          <a:p>
+            <a:pPr lvl="0"/>
+            <a:r>
+              <a:rPr lang="en-US"/>
+              <a:t>Click to edit Master text styles</a:t>
+            </a:r>
+          </a:p>
+        </p:txBody>
+      </p:sp>
+      <p:sp>
+        <p:nvSpPr>
+          <p:cNvPr id="5" name="Date Placeholder 4"/>
+          <p:cNvSpPr>
+            <a:spLocks noGrp="1"/>
+          </p:cNvSpPr>
+          <p:nvPr>
+            <p:ph type="dt" sz="half" idx="10"/>
+          </p:nvPr>
+        </p:nvSpPr>
+        <p:spPr/>
+        <p:txBody>
+          <a:bodyPr/>
+          <a:lstStyle/>
+          <a:p>
+            <a:fld id="{C38E463A-FA1D-459A-8470-3C19B0DC4D67}" type="datetimeFigureOut">
+              <a:rPr lang="en-US" smtClean="0"/>
+              <a:t>12/16/2021</a:t>
+            </a:fld>
+            <a:endParaRPr lang="en-US"/>
+          </a:p>
+        </p:txBody>
+      </p:sp>
+      <p:sp>
+        <p:nvSpPr>
+          <p:cNvPr id="6" name="Footer Placeholder 5"/>
+          <p:cNvSpPr>
+            <a:spLocks noGrp="1"/>
+          </p:cNvSpPr>
+          <p:nvPr>
+            <p:ph type="ftr" sz="quarter" idx="11"/>
+          </p:nvPr>
+        </p:nvSpPr>
+        <p:spPr/>
+        <p:txBody>
+          <a:bodyPr/>
+          <a:lstStyle/>
+          <a:p>
+            <a:endParaRPr lang="en-US"/>
+          </a:p>
+        </p:txBody>
+      </p:sp>
+      <p:sp>
+        <p:nvSpPr>
+          <p:cNvPr id="7" name="Slide Number Placeholder 6"/>
+          <p:cNvSpPr>
+            <a:spLocks noGrp="1"/>
+          </p:cNvSpPr>
+          <p:nvPr>
+            <p:ph type="sldNum" sz="quarter" idx="12"/>
+          </p:nvPr>
+        </p:nvSpPr>
+        <p:spPr/>
+        <p:txBody>
+          <a:bodyPr/>
+          <a:lstStyle/>
+          <a:p>
+            <a:fld id="{5876A3A3-3F41-4B68-A46B-88627D1938CE}" type="slidenum">
+              <a:rPr lang="en-US" smtClean="0"/>
+              <a:t>‹#›</a:t>
+            </a:fld>
+            <a:endParaRPr lang="en-US"/>
+          </a:p>
+        </p:txBody>
+      </p:sp>
+      <p:sp>
+        <p:nvSpPr>
+          <p:cNvPr id="13" name="TextBox 12"/>
+          <p:cNvSpPr txBox="1"/>
+          <p:nvPr/>
+        </p:nvSpPr>
+        <p:spPr>
+          <a:xfrm>
+            <a:off x="1001488" y="754166"/>
+            <a:ext cx="609600" cy="584776"/>
+          </a:xfrm>
+          <a:prstGeom prst="rect">
+            <a:avLst/>
+          </a:prstGeom>
+        </p:spPr>
+        <p:txBody>
+          <a:bodyPr vert="horz" lIns="91440" tIns="45720" rIns="91440" bIns="45720" rtlCol="0" anchor="ctr">
+            <a:noAutofit/>
+          </a:bodyPr>
+          <a:lstStyle>
+            <a:lvl1pPr>
+              <a:spcBef>
+                <a:spcPct val="0"/>
+              </a:spcBef>
+              <a:buNone/>
+              <a:defRPr sz="3200" b="0" cap="all">
+                <a:ln w="3175" cmpd="sng">
+                  <a:noFill/>
+                </a:ln>
+                <a:effectLst>
+                  <a:glow rad="38100">
+                    <a:schemeClr val="bg1">
+                      <a:lumMod val="65000"/>
+                      <a:lumOff val="35000"/>
+                      <a:alpha val="40000"/>
+                    </a:schemeClr>
+                  </a:glow>
+                  <a:outerShdw blurRad="28575" dist="38100" dir="14040000" algn="tl" rotWithShape="0">
+                    <a:srgbClr val="000000">
+                      <a:alpha val="25000"/>
+                    </a:srgbClr>
+                  </a:outerShdw>
+                </a:effectLst>
+              </a:defRPr>
+            </a:lvl1pPr>
+            <a:lvl2pPr>
+              <a:defRPr>
+                <a:solidFill>
+                  <a:schemeClr val="tx2"/>
+                </a:solidFill>
+              </a:defRPr>
+            </a:lvl2pPr>
+            <a:lvl3pPr>
+              <a:defRPr>
+                <a:solidFill>
+                  <a:schemeClr val="tx2"/>
+                </a:solidFill>
+              </a:defRPr>
+            </a:lvl3pPr>
+            <a:lvl4pPr>
+              <a:defRPr>
+                <a:solidFill>
+                  <a:schemeClr val="tx2"/>
+                </a:solidFill>
+              </a:defRPr>
+            </a:lvl4pPr>
+            <a:lvl5pPr>
+              <a:defRPr>
+                <a:solidFill>
+                  <a:schemeClr val="tx2"/>
+                </a:solidFill>
+              </a:defRPr>
+            </a:lvl5pPr>
+            <a:lvl6pPr>
+              <a:defRPr>
+                <a:solidFill>
+                  <a:schemeClr val="tx2"/>
+                </a:solidFill>
+              </a:defRPr>
+            </a:lvl6pPr>
+            <a:lvl7pPr>
+              <a:defRPr>
+                <a:solidFill>
+                  <a:schemeClr val="tx2"/>
+                </a:solidFill>
+              </a:defRPr>
+            </a:lvl7pPr>
+            <a:lvl8pPr>
+              <a:defRPr>
+                <a:solidFill>
+                  <a:schemeClr val="tx2"/>
+                </a:solidFill>
+              </a:defRPr>
+            </a:lvl8pPr>
+            <a:lvl9pPr>
+              <a:defRPr>
+                <a:solidFill>
+                  <a:schemeClr val="tx2"/>
+                </a:solidFill>
+              </a:defRPr>
+            </a:lvl9pPr>
+          </a:lstStyle>
+          <a:p>
+            <a:pPr lvl="0"/>
+            <a:r>
+              <a:rPr lang="en-US" sz="8000" dirty="0">
+                <a:solidFill>
+                  <a:schemeClr val="tx1"/>
+                </a:solidFill>
+                <a:effectLst/>
+              </a:rPr>
+              <a:t>“</a:t>
+            </a:r>
+          </a:p>
+        </p:txBody>
+      </p:sp>
+      <p:sp>
+        <p:nvSpPr>
+          <p:cNvPr id="14" name="TextBox 13"/>
+          <p:cNvSpPr txBox="1"/>
+          <p:nvPr/>
+        </p:nvSpPr>
+        <p:spPr>
+          <a:xfrm>
+            <a:off x="10557558" y="2993578"/>
+            <a:ext cx="609600" cy="584776"/>
+          </a:xfrm>
+          <a:prstGeom prst="rect">
+            <a:avLst/>
+          </a:prstGeom>
+        </p:spPr>
+        <p:txBody>
+          <a:bodyPr vert="horz" lIns="91440" tIns="45720" rIns="91440" bIns="45720" rtlCol="0" anchor="ctr">
+            <a:noAutofit/>
+          </a:bodyPr>
+          <a:lstStyle>
+            <a:lvl1pPr>
+              <a:spcBef>
+                <a:spcPct val="0"/>
+              </a:spcBef>
+              <a:buNone/>
+              <a:defRPr sz="3200" b="0" cap="all">
+                <a:ln w="3175" cmpd="sng">
+                  <a:noFill/>
+                </a:ln>
+                <a:effectLst>
+                  <a:glow rad="38100">
+                    <a:schemeClr val="bg1">
+                      <a:lumMod val="65000"/>
+                      <a:lumOff val="35000"/>
+                      <a:alpha val="40000"/>
+                    </a:schemeClr>
+                  </a:glow>
+                  <a:outerShdw blurRad="28575" dist="38100" dir="14040000" algn="tl" rotWithShape="0">
+                    <a:srgbClr val="000000">
+                      <a:alpha val="25000"/>
+                    </a:srgbClr>
+                  </a:outerShdw>
+                </a:effectLst>
+              </a:defRPr>
+            </a:lvl1pPr>
+            <a:lvl2pPr>
+              <a:defRPr>
+                <a:solidFill>
+                  <a:schemeClr val="tx2"/>
+                </a:solidFill>
+              </a:defRPr>
+            </a:lvl2pPr>
+            <a:lvl3pPr>
+              <a:defRPr>
+                <a:solidFill>
+                  <a:schemeClr val="tx2"/>
+                </a:solidFill>
+              </a:defRPr>
+            </a:lvl3pPr>
+            <a:lvl4pPr>
+              <a:defRPr>
+                <a:solidFill>
+                  <a:schemeClr val="tx2"/>
+                </a:solidFill>
+              </a:defRPr>
+            </a:lvl4pPr>
+            <a:lvl5pPr>
+              <a:defRPr>
+                <a:solidFill>
+                  <a:schemeClr val="tx2"/>
+                </a:solidFill>
+              </a:defRPr>
+            </a:lvl5pPr>
+            <a:lvl6pPr>
+              <a:defRPr>
+                <a:solidFill>
+                  <a:schemeClr val="tx2"/>
+                </a:solidFill>
+              </a:defRPr>
+            </a:lvl6pPr>
+            <a:lvl7pPr>
+              <a:defRPr>
+                <a:solidFill>
+                  <a:schemeClr val="tx2"/>
+                </a:solidFill>
+              </a:defRPr>
+            </a:lvl7pPr>
+            <a:lvl8pPr>
+              <a:defRPr>
+                <a:solidFill>
+                  <a:schemeClr val="tx2"/>
+                </a:solidFill>
+              </a:defRPr>
+            </a:lvl8pPr>
+            <a:lvl9pPr>
+              <a:defRPr>
+                <a:solidFill>
+                  <a:schemeClr val="tx2"/>
+                </a:solidFill>
+              </a:defRPr>
+            </a:lvl9pPr>
+          </a:lstStyle>
+          <a:p>
+            <a:pPr lvl="0" algn="r"/>
+            <a:r>
+              <a:rPr lang="en-US" sz="8000" dirty="0">
+                <a:solidFill>
+                  <a:schemeClr val="tx1"/>
+                </a:solidFill>
+                <a:effectLst/>
+              </a:rPr>
+              <a:t>”</a:t>
+            </a:r>
+          </a:p>
+        </p:txBody>
+      </p:sp>
+    </p:spTree>
+    <p:extLst>
+      <p:ext uri="{BB962C8B-B14F-4D97-AF65-F5344CB8AC3E}">
+        <p14:creationId xmlns:p14="http://schemas.microsoft.com/office/powerpoint/2010/main" val="2148258786"/>
+      </p:ext>
+    </p:extLst>
+  </p:cSld>
+  <p:clrMapOvr>
+    <a:masterClrMapping/>
+  </p:clrMapOvr>
+</p:sldLayout>
+</file>
+
+<file path=ppt/slideLayouts/slideLayout13.xml><?xml version="1.0" encoding="utf-8"?>
+<p:sldLayout xmlns:a="http://schemas.openxmlformats.org/drawingml/2006/main" xmlns:r="http://schemas.openxmlformats.org/officeDocument/2006/relationships" xmlns:p="http://schemas.openxmlformats.org/presentationml/2006/main" preserve="1">
+  <p:cSld name="Name Card">
+    <p:spTree>
+      <p:nvGrpSpPr>
+        <p:cNvPr id="1" name=""/>
+        <p:cNvGrpSpPr/>
+        <p:nvPr/>
+      </p:nvGrpSpPr>
+      <p:grpSpPr>
+        <a:xfrm>
+          <a:off x="0" y="0"/>
+          <a:ext cx="0" cy="0"/>
+          <a:chOff x="0" y="0"/>
+          <a:chExt cx="0" cy="0"/>
+        </a:xfrm>
+      </p:grpSpPr>
+      <p:pic>
+        <p:nvPicPr>
+          <p:cNvPr id="8" name="Picture 7" descr="Droplets-HD-Content-R1d.png"/>
+          <p:cNvPicPr>
+            <a:picLocks noChangeAspect="1"/>
+          </p:cNvPicPr>
+          <p:nvPr/>
+        </p:nvPicPr>
+        <p:blipFill>
+          <a:blip r:embed="rId2">
+            <a:extLst>
+              <a:ext uri="{28A0092B-C50C-407E-A947-70E740481C1C}">
+                <a14:useLocalDpi xmlns:a14="http://schemas.microsoft.com/office/drawing/2010/main" val="0"/>
+              </a:ext>
+            </a:extLst>
+          </a:blip>
+          <a:stretch>
+            <a:fillRect/>
+          </a:stretch>
+        </p:blipFill>
+        <p:spPr>
+          <a:xfrm>
+            <a:off x="0" y="0"/>
+            <a:ext cx="12192000" cy="6858000"/>
+          </a:xfrm>
+          <a:prstGeom prst="rect">
+            <a:avLst/>
+          </a:prstGeom>
+        </p:spPr>
+      </p:pic>
+      <p:sp>
+        <p:nvSpPr>
+          <p:cNvPr id="2" name="Title 1"/>
+          <p:cNvSpPr>
+            <a:spLocks noGrp="1"/>
+          </p:cNvSpPr>
+          <p:nvPr>
+            <p:ph type="title"/>
+          </p:nvPr>
+        </p:nvSpPr>
+        <p:spPr>
+          <a:xfrm>
+            <a:off x="913775" y="2138721"/>
+            <a:ext cx="10364452" cy="2511835"/>
+          </a:xfrm>
+        </p:spPr>
+        <p:txBody>
+          <a:bodyPr anchor="b"/>
+          <a:lstStyle>
+            <a:lvl1pPr algn="ctr">
+              <a:defRPr sz="3200"/>
+            </a:lvl1pPr>
+          </a:lstStyle>
+          <a:p>
+            <a:r>
+              <a:rPr lang="en-US"/>
+              <a:t>Click to edit Master title style</a:t>
+            </a:r>
+            <a:endParaRPr lang="en-US" dirty="0"/>
+          </a:p>
+        </p:txBody>
+      </p:sp>
+      <p:sp>
+        <p:nvSpPr>
+          <p:cNvPr id="4" name="Text Placeholder 3"/>
+          <p:cNvSpPr>
+            <a:spLocks noGrp="1"/>
+          </p:cNvSpPr>
+          <p:nvPr>
+            <p:ph type="body" sz="half" idx="2"/>
+          </p:nvPr>
+        </p:nvSpPr>
+        <p:spPr>
+          <a:xfrm>
+            <a:off x="913775" y="4662335"/>
+            <a:ext cx="10364452" cy="1140644"/>
+          </a:xfrm>
+        </p:spPr>
+        <p:txBody>
+          <a:bodyPr anchor="t"/>
+          <a:lstStyle>
+            <a:lvl1pPr marL="0" indent="0" algn="ctr">
+              <a:buNone/>
+              <a:defRPr sz="1600"/>
+            </a:lvl1pPr>
+            <a:lvl2pPr marL="457200" indent="0">
+              <a:buNone/>
+              <a:defRPr sz="1400"/>
+            </a:lvl2pPr>
+            <a:lvl3pPr marL="914400" indent="0">
+              <a:buNone/>
+              <a:defRPr sz="1200"/>
+            </a:lvl3pPr>
+            <a:lvl4pPr marL="1371600" indent="0">
+              <a:buNone/>
+              <a:defRPr sz="1000"/>
+            </a:lvl4pPr>
+            <a:lvl5pPr marL="1828800" indent="0">
+              <a:buNone/>
+              <a:defRPr sz="1000"/>
+            </a:lvl5pPr>
+            <a:lvl6pPr marL="2286000" indent="0">
+              <a:buNone/>
+              <a:defRPr sz="1000"/>
+            </a:lvl6pPr>
+            <a:lvl7pPr marL="2743200" indent="0">
+              <a:buNone/>
+              <a:defRPr sz="1000"/>
+            </a:lvl7pPr>
+            <a:lvl8pPr marL="3200400" indent="0">
+              <a:buNone/>
+              <a:defRPr sz="1000"/>
+            </a:lvl8pPr>
+            <a:lvl9pPr marL="3657600" indent="0">
+              <a:buNone/>
+              <a:defRPr sz="1000"/>
+            </a:lvl9pPr>
+          </a:lstStyle>
+          <a:p>
+            <a:pPr lvl="0"/>
+            <a:r>
+              <a:rPr lang="en-US"/>
+              <a:t>Click to edit Master text styles</a:t>
+            </a:r>
+          </a:p>
+        </p:txBody>
+      </p:sp>
+      <p:sp>
+        <p:nvSpPr>
+          <p:cNvPr id="5" name="Date Placeholder 4"/>
+          <p:cNvSpPr>
+            <a:spLocks noGrp="1"/>
+          </p:cNvSpPr>
+          <p:nvPr>
+            <p:ph type="dt" sz="half" idx="10"/>
+          </p:nvPr>
+        </p:nvSpPr>
+        <p:spPr/>
+        <p:txBody>
+          <a:bodyPr/>
+          <a:lstStyle/>
+          <a:p>
+            <a:fld id="{C38E463A-FA1D-459A-8470-3C19B0DC4D67}" type="datetimeFigureOut">
+              <a:rPr lang="en-US" smtClean="0"/>
+              <a:t>12/16/2021</a:t>
+            </a:fld>
+            <a:endParaRPr lang="en-US"/>
+          </a:p>
+        </p:txBody>
+      </p:sp>
+      <p:sp>
+        <p:nvSpPr>
+          <p:cNvPr id="6" name="Footer Placeholder 5"/>
+          <p:cNvSpPr>
+            <a:spLocks noGrp="1"/>
+          </p:cNvSpPr>
+          <p:nvPr>
+            <p:ph type="ftr" sz="quarter" idx="11"/>
+          </p:nvPr>
+        </p:nvSpPr>
+        <p:spPr/>
+        <p:txBody>
+          <a:bodyPr/>
+          <a:lstStyle/>
+          <a:p>
+            <a:endParaRPr lang="en-US"/>
+          </a:p>
+        </p:txBody>
+      </p:sp>
+      <p:sp>
+        <p:nvSpPr>
+          <p:cNvPr id="7" name="Slide Number Placeholder 6"/>
+          <p:cNvSpPr>
+            <a:spLocks noGrp="1"/>
+          </p:cNvSpPr>
+          <p:nvPr>
+            <p:ph type="sldNum" sz="quarter" idx="12"/>
+          </p:nvPr>
+        </p:nvSpPr>
+        <p:spPr/>
+        <p:txBody>
+          <a:bodyPr/>
+          <a:lstStyle/>
+          <a:p>
+            <a:fld id="{5876A3A3-3F41-4B68-A46B-88627D1938CE}" type="slidenum">
+              <a:rPr lang="en-US" smtClean="0"/>
+              <a:t>‹#›</a:t>
+            </a:fld>
+            <a:endParaRPr lang="en-US"/>
+          </a:p>
+        </p:txBody>
+      </p:sp>
+    </p:spTree>
+    <p:extLst>
+      <p:ext uri="{BB962C8B-B14F-4D97-AF65-F5344CB8AC3E}">
+        <p14:creationId xmlns:p14="http://schemas.microsoft.com/office/powerpoint/2010/main" val="2047336773"/>
+      </p:ext>
+    </p:extLst>
+  </p:cSld>
+  <p:clrMapOvr>
+    <a:masterClrMapping/>
+  </p:clrMapOvr>
+</p:sldLayout>
+</file>
+
+<file path=ppt/slideLayouts/slideLayout14.xml><?xml version="1.0" encoding="utf-8"?>
+<p:sldLayout xmlns:a="http://schemas.openxmlformats.org/drawingml/2006/main" xmlns:r="http://schemas.openxmlformats.org/officeDocument/2006/relationships" xmlns:p="http://schemas.openxmlformats.org/presentationml/2006/main" preserve="1">
+  <p:cSld name="3 Column">
+    <p:spTree>
+      <p:nvGrpSpPr>
+        <p:cNvPr id="1" name=""/>
+        <p:cNvGrpSpPr/>
+        <p:nvPr/>
+      </p:nvGrpSpPr>
+      <p:grpSpPr>
+        <a:xfrm>
+          <a:off x="0" y="0"/>
+          <a:ext cx="0" cy="0"/>
+          <a:chOff x="0" y="0"/>
+          <a:chExt cx="0" cy="0"/>
+        </a:xfrm>
+      </p:grpSpPr>
+      <p:pic>
+        <p:nvPicPr>
+          <p:cNvPr id="13" name="Picture 12" descr="Droplets-HD-Content-R1d.png"/>
+          <p:cNvPicPr>
+            <a:picLocks noChangeAspect="1"/>
+          </p:cNvPicPr>
+          <p:nvPr/>
+        </p:nvPicPr>
+        <p:blipFill>
+          <a:blip r:embed="rId2">
+            <a:extLst>
+              <a:ext uri="{28A0092B-C50C-407E-A947-70E740481C1C}">
+                <a14:useLocalDpi xmlns:a14="http://schemas.microsoft.com/office/drawing/2010/main" val="0"/>
+              </a:ext>
+            </a:extLst>
+          </a:blip>
+          <a:stretch>
+            <a:fillRect/>
+          </a:stretch>
+        </p:blipFill>
+        <p:spPr>
+          <a:xfrm>
+            <a:off x="0" y="0"/>
+            <a:ext cx="12192000" cy="6858000"/>
+          </a:xfrm>
+          <a:prstGeom prst="rect">
+            <a:avLst/>
+          </a:prstGeom>
+        </p:spPr>
+      </p:pic>
+      <p:sp>
+        <p:nvSpPr>
+          <p:cNvPr id="15" name="Title 1"/>
+          <p:cNvSpPr>
+            <a:spLocks noGrp="1"/>
+          </p:cNvSpPr>
+          <p:nvPr>
+            <p:ph type="title"/>
+          </p:nvPr>
+        </p:nvSpPr>
+        <p:spPr>
+          <a:xfrm>
+            <a:off x="913774" y="609600"/>
+            <a:ext cx="10364452" cy="1605094"/>
+          </a:xfrm>
+        </p:spPr>
+        <p:txBody>
+          <a:bodyPr/>
+          <a:lstStyle/>
+          <a:p>
+            <a:r>
+              <a:rPr lang="en-US"/>
+              <a:t>Click to edit Master title style</a:t>
+            </a:r>
+            <a:endParaRPr lang="en-US" dirty="0"/>
+          </a:p>
+        </p:txBody>
+      </p:sp>
+      <p:sp>
+        <p:nvSpPr>
+          <p:cNvPr id="7" name="Text Placeholder 2"/>
+          <p:cNvSpPr>
+            <a:spLocks noGrp="1"/>
+          </p:cNvSpPr>
+          <p:nvPr>
+            <p:ph type="body" idx="1"/>
+          </p:nvPr>
+        </p:nvSpPr>
+        <p:spPr>
+          <a:xfrm>
+            <a:off x="913774" y="2367093"/>
+            <a:ext cx="3298976" cy="576262"/>
+          </a:xfrm>
+        </p:spPr>
+        <p:txBody>
+          <a:bodyPr anchor="b">
+            <a:noAutofit/>
+          </a:bodyPr>
+          <a:lstStyle>
+            <a:lvl1pPr marL="0" indent="0" algn="ctr">
+              <a:lnSpc>
+                <a:spcPct val="85000"/>
+              </a:lnSpc>
+              <a:buNone/>
+              <a:defRPr sz="2400" b="0">
+                <a:solidFill>
+                  <a:schemeClr val="tx1"/>
+                </a:solidFill>
+              </a:defRPr>
+            </a:lvl1pPr>
+            <a:lvl2pPr marL="457200" indent="0">
+              <a:buNone/>
+              <a:defRPr sz="2000" b="1"/>
+            </a:lvl2pPr>
+            <a:lvl3pPr marL="914400" indent="0">
+              <a:buNone/>
+              <a:defRPr sz="1800" b="1"/>
+            </a:lvl3pPr>
+            <a:lvl4pPr marL="1371600" indent="0">
+              <a:buNone/>
+              <a:defRPr sz="1600" b="1"/>
+            </a:lvl4pPr>
+            <a:lvl5pPr marL="1828800" indent="0">
+              <a:buNone/>
+              <a:defRPr sz="1600" b="1"/>
+            </a:lvl5pPr>
+            <a:lvl6pPr marL="2286000" indent="0">
+              <a:buNone/>
+              <a:defRPr sz="1600" b="1"/>
+            </a:lvl6pPr>
+            <a:lvl7pPr marL="2743200" indent="0">
+              <a:buNone/>
+              <a:defRPr sz="1600" b="1"/>
+            </a:lvl7pPr>
+            <a:lvl8pPr marL="3200400" indent="0">
+              <a:buNone/>
+              <a:defRPr sz="1600" b="1"/>
+            </a:lvl8pPr>
+            <a:lvl9pPr marL="3657600" indent="0">
+              <a:buNone/>
+              <a:defRPr sz="1600" b="1"/>
+            </a:lvl9pPr>
+          </a:lstStyle>
+          <a:p>
+            <a:pPr lvl="0"/>
+            <a:r>
+              <a:rPr lang="en-US"/>
+              <a:t>Click to edit Master text styles</a:t>
+            </a:r>
+          </a:p>
+        </p:txBody>
+      </p:sp>
+      <p:sp>
+        <p:nvSpPr>
+          <p:cNvPr id="8" name="Text Placeholder 3"/>
+          <p:cNvSpPr>
+            <a:spLocks noGrp="1"/>
+          </p:cNvSpPr>
+          <p:nvPr>
+            <p:ph type="body" sz="half" idx="15"/>
+          </p:nvPr>
+        </p:nvSpPr>
+        <p:spPr>
+          <a:xfrm>
+            <a:off x="913774" y="2943355"/>
+            <a:ext cx="3298976" cy="2847845"/>
+          </a:xfrm>
+        </p:spPr>
+        <p:txBody>
+          <a:bodyPr anchor="t">
+            <a:normAutofit/>
+          </a:bodyPr>
+          <a:lstStyle>
+            <a:lvl1pPr marL="0" indent="0" algn="ctr">
+              <a:buNone/>
+              <a:defRPr sz="1400"/>
+            </a:lvl1pPr>
+            <a:lvl2pPr marL="457200" indent="0">
+              <a:buNone/>
+              <a:defRPr sz="1200"/>
+            </a:lvl2pPr>
+            <a:lvl3pPr marL="914400" indent="0">
+              <a:buNone/>
+              <a:defRPr sz="1000"/>
+            </a:lvl3pPr>
+            <a:lvl4pPr marL="1371600" indent="0">
+              <a:buNone/>
+              <a:defRPr sz="900"/>
+            </a:lvl4pPr>
+            <a:lvl5pPr marL="1828800" indent="0">
+              <a:buNone/>
+              <a:defRPr sz="900"/>
+            </a:lvl5pPr>
+            <a:lvl6pPr marL="2286000" indent="0">
+              <a:buNone/>
+              <a:defRPr sz="900"/>
+            </a:lvl6pPr>
+            <a:lvl7pPr marL="2743200" indent="0">
+              <a:buNone/>
+              <a:defRPr sz="900"/>
+            </a:lvl7pPr>
+            <a:lvl8pPr marL="3200400" indent="0">
+              <a:buNone/>
+              <a:defRPr sz="900"/>
+            </a:lvl8pPr>
+            <a:lvl9pPr marL="3657600" indent="0">
+              <a:buNone/>
+              <a:defRPr sz="900"/>
+            </a:lvl9pPr>
+          </a:lstStyle>
+          <a:p>
+            <a:pPr lvl="0"/>
+            <a:r>
+              <a:rPr lang="en-US"/>
+              <a:t>Click to edit Master text styles</a:t>
+            </a:r>
+          </a:p>
+        </p:txBody>
+      </p:sp>
+      <p:sp>
+        <p:nvSpPr>
+          <p:cNvPr id="9" name="Text Placeholder 4"/>
+          <p:cNvSpPr>
+            <a:spLocks noGrp="1"/>
+          </p:cNvSpPr>
+          <p:nvPr>
+            <p:ph type="body" sz="quarter" idx="3"/>
+          </p:nvPr>
+        </p:nvSpPr>
+        <p:spPr>
+          <a:xfrm>
+            <a:off x="4452389" y="2367093"/>
+            <a:ext cx="3291521" cy="576262"/>
+          </a:xfrm>
+        </p:spPr>
+        <p:txBody>
+          <a:bodyPr anchor="b">
+            <a:noAutofit/>
+          </a:bodyPr>
+          <a:lstStyle>
+            <a:lvl1pPr marL="0" indent="0" algn="ctr">
+              <a:lnSpc>
+                <a:spcPct val="85000"/>
+              </a:lnSpc>
+              <a:buNone/>
+              <a:defRPr sz="2400" b="0">
+                <a:solidFill>
+                  <a:schemeClr val="tx1"/>
+                </a:solidFill>
+              </a:defRPr>
+            </a:lvl1pPr>
+            <a:lvl2pPr marL="457200" indent="0">
+              <a:buNone/>
+              <a:defRPr sz="2000" b="1"/>
+            </a:lvl2pPr>
+            <a:lvl3pPr marL="914400" indent="0">
+              <a:buNone/>
+              <a:defRPr sz="1800" b="1"/>
+            </a:lvl3pPr>
+            <a:lvl4pPr marL="1371600" indent="0">
+              <a:buNone/>
+              <a:defRPr sz="1600" b="1"/>
+            </a:lvl4pPr>
+            <a:lvl5pPr marL="1828800" indent="0">
+              <a:buNone/>
+              <a:defRPr sz="1600" b="1"/>
+            </a:lvl5pPr>
+            <a:lvl6pPr marL="2286000" indent="0">
+              <a:buNone/>
+              <a:defRPr sz="1600" b="1"/>
+            </a:lvl6pPr>
+            <a:lvl7pPr marL="2743200" indent="0">
+              <a:buNone/>
+              <a:defRPr sz="1600" b="1"/>
+            </a:lvl7pPr>
+            <a:lvl8pPr marL="3200400" indent="0">
+              <a:buNone/>
+              <a:defRPr sz="1600" b="1"/>
+            </a:lvl8pPr>
+            <a:lvl9pPr marL="3657600" indent="0">
+              <a:buNone/>
+              <a:defRPr sz="1600" b="1"/>
+            </a:lvl9pPr>
+          </a:lstStyle>
+          <a:p>
+            <a:pPr lvl="0"/>
+            <a:r>
+              <a:rPr lang="en-US"/>
+              <a:t>Click to edit Master text styles</a:t>
+            </a:r>
+          </a:p>
+        </p:txBody>
+      </p:sp>
+      <p:sp>
+        <p:nvSpPr>
+          <p:cNvPr id="10" name="Text Placeholder 3"/>
+          <p:cNvSpPr>
+            <a:spLocks noGrp="1"/>
+          </p:cNvSpPr>
+          <p:nvPr>
+            <p:ph type="body" sz="half" idx="16"/>
+          </p:nvPr>
+        </p:nvSpPr>
+        <p:spPr>
+          <a:xfrm>
+            <a:off x="4441348" y="2943355"/>
+            <a:ext cx="3303351" cy="2847845"/>
+          </a:xfrm>
+        </p:spPr>
+        <p:txBody>
+          <a:bodyPr anchor="t">
+            <a:normAutofit/>
+          </a:bodyPr>
+          <a:lstStyle>
+            <a:lvl1pPr marL="0" indent="0" algn="ctr">
+              <a:buNone/>
+              <a:defRPr sz="1400"/>
+            </a:lvl1pPr>
+            <a:lvl2pPr marL="457200" indent="0">
+              <a:buNone/>
+              <a:defRPr sz="1200"/>
+            </a:lvl2pPr>
+            <a:lvl3pPr marL="914400" indent="0">
+              <a:buNone/>
+              <a:defRPr sz="1000"/>
+            </a:lvl3pPr>
+            <a:lvl4pPr marL="1371600" indent="0">
+              <a:buNone/>
+              <a:defRPr sz="900"/>
+            </a:lvl4pPr>
+            <a:lvl5pPr marL="1828800" indent="0">
+              <a:buNone/>
+              <a:defRPr sz="900"/>
+            </a:lvl5pPr>
+            <a:lvl6pPr marL="2286000" indent="0">
+              <a:buNone/>
+              <a:defRPr sz="900"/>
+            </a:lvl6pPr>
+            <a:lvl7pPr marL="2743200" indent="0">
+              <a:buNone/>
+              <a:defRPr sz="900"/>
+            </a:lvl7pPr>
+            <a:lvl8pPr marL="3200400" indent="0">
+              <a:buNone/>
+              <a:defRPr sz="900"/>
+            </a:lvl8pPr>
+            <a:lvl9pPr marL="3657600" indent="0">
+              <a:buNone/>
+              <a:defRPr sz="900"/>
+            </a:lvl9pPr>
+          </a:lstStyle>
+          <a:p>
+            <a:pPr lvl="0"/>
+            <a:r>
+              <a:rPr lang="en-US"/>
+              <a:t>Click to edit Master text styles</a:t>
+            </a:r>
+          </a:p>
+        </p:txBody>
+      </p:sp>
+      <p:sp>
+        <p:nvSpPr>
+          <p:cNvPr id="11" name="Text Placeholder 4"/>
+          <p:cNvSpPr>
+            <a:spLocks noGrp="1"/>
+          </p:cNvSpPr>
+          <p:nvPr>
+            <p:ph type="body" sz="quarter" idx="13"/>
+          </p:nvPr>
+        </p:nvSpPr>
+        <p:spPr>
+          <a:xfrm>
+            <a:off x="7973298" y="2367093"/>
+            <a:ext cx="3304928" cy="576262"/>
+          </a:xfrm>
+        </p:spPr>
+        <p:txBody>
+          <a:bodyPr anchor="b">
+            <a:noAutofit/>
+          </a:bodyPr>
+          <a:lstStyle>
+            <a:lvl1pPr marL="0" indent="0" algn="ctr">
+              <a:lnSpc>
+                <a:spcPct val="85000"/>
+              </a:lnSpc>
+              <a:buNone/>
+              <a:defRPr sz="2400" b="0">
+                <a:solidFill>
+                  <a:schemeClr val="tx1"/>
+                </a:solidFill>
+              </a:defRPr>
+            </a:lvl1pPr>
+            <a:lvl2pPr marL="457200" indent="0">
+              <a:buNone/>
+              <a:defRPr sz="2000" b="1"/>
+            </a:lvl2pPr>
+            <a:lvl3pPr marL="914400" indent="0">
+              <a:buNone/>
+              <a:defRPr sz="1800" b="1"/>
+            </a:lvl3pPr>
+            <a:lvl4pPr marL="1371600" indent="0">
+              <a:buNone/>
+              <a:defRPr sz="1600" b="1"/>
+            </a:lvl4pPr>
+            <a:lvl5pPr marL="1828800" indent="0">
+              <a:buNone/>
+              <a:defRPr sz="1600" b="1"/>
+            </a:lvl5pPr>
+            <a:lvl6pPr marL="2286000" indent="0">
+              <a:buNone/>
+              <a:defRPr sz="1600" b="1"/>
+            </a:lvl6pPr>
+            <a:lvl7pPr marL="2743200" indent="0">
+              <a:buNone/>
+              <a:defRPr sz="1600" b="1"/>
+            </a:lvl7pPr>
+            <a:lvl8pPr marL="3200400" indent="0">
+              <a:buNone/>
+              <a:defRPr sz="1600" b="1"/>
+            </a:lvl8pPr>
+            <a:lvl9pPr marL="3657600" indent="0">
+              <a:buNone/>
+              <a:defRPr sz="1600" b="1"/>
+            </a:lvl9pPr>
+          </a:lstStyle>
+          <a:p>
+            <a:pPr lvl="0"/>
+            <a:r>
+              <a:rPr lang="en-US"/>
+              <a:t>Click to edit Master text styles</a:t>
+            </a:r>
+          </a:p>
+        </p:txBody>
+      </p:sp>
+      <p:sp>
+        <p:nvSpPr>
+          <p:cNvPr id="12" name="Text Placeholder 3"/>
+          <p:cNvSpPr>
+            <a:spLocks noGrp="1"/>
+          </p:cNvSpPr>
+          <p:nvPr>
+            <p:ph type="body" sz="half" idx="17"/>
+          </p:nvPr>
+        </p:nvSpPr>
+        <p:spPr>
+          <a:xfrm>
+            <a:off x="7973298" y="2943355"/>
+            <a:ext cx="3304928" cy="2847845"/>
+          </a:xfrm>
+        </p:spPr>
+        <p:txBody>
+          <a:bodyPr anchor="t">
+            <a:normAutofit/>
+          </a:bodyPr>
+          <a:lstStyle>
+            <a:lvl1pPr marL="0" indent="0" algn="ctr">
+              <a:buNone/>
+              <a:defRPr sz="1400"/>
+            </a:lvl1pPr>
+            <a:lvl2pPr marL="457200" indent="0">
+              <a:buNone/>
+              <a:defRPr sz="1200"/>
+            </a:lvl2pPr>
+            <a:lvl3pPr marL="914400" indent="0">
+              <a:buNone/>
+              <a:defRPr sz="1000"/>
+            </a:lvl3pPr>
+            <a:lvl4pPr marL="1371600" indent="0">
+              <a:buNone/>
+              <a:defRPr sz="900"/>
+            </a:lvl4pPr>
+            <a:lvl5pPr marL="1828800" indent="0">
+              <a:buNone/>
+              <a:defRPr sz="900"/>
+            </a:lvl5pPr>
+            <a:lvl6pPr marL="2286000" indent="0">
+              <a:buNone/>
+              <a:defRPr sz="900"/>
+            </a:lvl6pPr>
+            <a:lvl7pPr marL="2743200" indent="0">
+              <a:buNone/>
+              <a:defRPr sz="900"/>
+            </a:lvl7pPr>
+            <a:lvl8pPr marL="3200400" indent="0">
+              <a:buNone/>
+              <a:defRPr sz="900"/>
+            </a:lvl8pPr>
+            <a:lvl9pPr marL="3657600" indent="0">
+              <a:buNone/>
+              <a:defRPr sz="900"/>
+            </a:lvl9pPr>
+          </a:lstStyle>
+          <a:p>
+            <a:pPr lvl="0"/>
+            <a:r>
+              <a:rPr lang="en-US"/>
+              <a:t>Click to edit Master text styles</a:t>
+            </a:r>
+          </a:p>
+        </p:txBody>
+      </p:sp>
+      <p:sp>
+        <p:nvSpPr>
+          <p:cNvPr id="3" name="Date Placeholder 2"/>
+          <p:cNvSpPr>
+            <a:spLocks noGrp="1"/>
+          </p:cNvSpPr>
+          <p:nvPr>
+            <p:ph type="dt" sz="half" idx="10"/>
+          </p:nvPr>
+        </p:nvSpPr>
+        <p:spPr/>
+        <p:txBody>
+          <a:bodyPr/>
+          <a:lstStyle/>
+          <a:p>
+            <a:fld id="{C38E463A-FA1D-459A-8470-3C19B0DC4D67}" type="datetimeFigureOut">
+              <a:rPr lang="en-US" smtClean="0"/>
+              <a:t>12/16/2021</a:t>
+            </a:fld>
+            <a:endParaRPr lang="en-US"/>
+          </a:p>
+        </p:txBody>
+      </p:sp>
+      <p:sp>
+        <p:nvSpPr>
+          <p:cNvPr id="4" name="Footer Placeholder 3"/>
+          <p:cNvSpPr>
+            <a:spLocks noGrp="1"/>
+          </p:cNvSpPr>
+          <p:nvPr>
+            <p:ph type="ftr" sz="quarter" idx="11"/>
+          </p:nvPr>
+        </p:nvSpPr>
+        <p:spPr/>
+        <p:txBody>
+          <a:bodyPr/>
+          <a:lstStyle/>
+          <a:p>
+            <a:endParaRPr lang="en-US"/>
+          </a:p>
+        </p:txBody>
+      </p:sp>
+      <p:sp>
+        <p:nvSpPr>
+          <p:cNvPr id="5" name="Slide Number Placeholder 4"/>
+          <p:cNvSpPr>
+            <a:spLocks noGrp="1"/>
+          </p:cNvSpPr>
+          <p:nvPr>
+            <p:ph type="sldNum" sz="quarter" idx="12"/>
+          </p:nvPr>
+        </p:nvSpPr>
+        <p:spPr/>
+        <p:txBody>
+          <a:bodyPr/>
+          <a:lstStyle/>
+          <a:p>
+            <a:fld id="{5876A3A3-3F41-4B68-A46B-88627D1938CE}" type="slidenum">
+              <a:rPr lang="en-US" smtClean="0"/>
+              <a:t>‹#›</a:t>
+            </a:fld>
+            <a:endParaRPr lang="en-US"/>
+          </a:p>
+        </p:txBody>
+      </p:sp>
+    </p:spTree>
+    <p:extLst>
+      <p:ext uri="{BB962C8B-B14F-4D97-AF65-F5344CB8AC3E}">
+        <p14:creationId xmlns:p14="http://schemas.microsoft.com/office/powerpoint/2010/main" val="2503872017"/>
+      </p:ext>
+    </p:extLst>
+  </p:cSld>
+  <p:clrMapOvr>
+    <a:masterClrMapping/>
+  </p:clrMapOvr>
+</p:sldLayout>
+</file>
+
+<file path=ppt/slideLayouts/slideLayout15.xml><?xml version="1.0" encoding="utf-8"?>
+<p:sldLayout xmlns:a="http://schemas.openxmlformats.org/drawingml/2006/main" xmlns:r="http://schemas.openxmlformats.org/officeDocument/2006/relationships" xmlns:p="http://schemas.openxmlformats.org/presentationml/2006/main" preserve="1">
+  <p:cSld name="3 Picture Column">
+    <p:spTree>
+      <p:nvGrpSpPr>
+        <p:cNvPr id="1" name=""/>
+        <p:cNvGrpSpPr/>
+        <p:nvPr/>
+      </p:nvGrpSpPr>
+      <p:grpSpPr>
+        <a:xfrm>
+          <a:off x="0" y="0"/>
+          <a:ext cx="0" cy="0"/>
+          <a:chOff x="0" y="0"/>
+          <a:chExt cx="0" cy="0"/>
+        </a:xfrm>
+      </p:grpSpPr>
+      <p:pic>
+        <p:nvPicPr>
+          <p:cNvPr id="16" name="Picture 15" descr="Droplets-HD-Content-R1d.png"/>
+          <p:cNvPicPr>
+            <a:picLocks noChangeAspect="1"/>
+          </p:cNvPicPr>
+          <p:nvPr/>
+        </p:nvPicPr>
+        <p:blipFill>
+          <a:blip r:embed="rId2">
+            <a:extLst>
+              <a:ext uri="{28A0092B-C50C-407E-A947-70E740481C1C}">
+                <a14:useLocalDpi xmlns:a14="http://schemas.microsoft.com/office/drawing/2010/main" val="0"/>
+              </a:ext>
+            </a:extLst>
+          </a:blip>
+          <a:stretch>
+            <a:fillRect/>
+          </a:stretch>
+        </p:blipFill>
+        <p:spPr>
+          <a:xfrm>
+            <a:off x="0" y="0"/>
+            <a:ext cx="12192000" cy="6858000"/>
+          </a:xfrm>
+          <a:prstGeom prst="rect">
+            <a:avLst/>
+          </a:prstGeom>
+        </p:spPr>
+      </p:pic>
+      <p:sp>
+        <p:nvSpPr>
+          <p:cNvPr id="30" name="Title 1"/>
+          <p:cNvSpPr>
+            <a:spLocks noGrp="1"/>
+          </p:cNvSpPr>
+          <p:nvPr>
+            <p:ph type="title"/>
+          </p:nvPr>
+        </p:nvSpPr>
+        <p:spPr>
+          <a:xfrm>
+            <a:off x="913774" y="610772"/>
+            <a:ext cx="10364452" cy="1603922"/>
+          </a:xfrm>
+        </p:spPr>
+        <p:txBody>
+          <a:bodyPr/>
+          <a:lstStyle/>
+          <a:p>
+            <a:r>
+              <a:rPr lang="en-US"/>
+              <a:t>Click to edit Master title style</a:t>
+            </a:r>
+            <a:endParaRPr lang="en-US" dirty="0"/>
+          </a:p>
+        </p:txBody>
+      </p:sp>
+      <p:sp>
+        <p:nvSpPr>
+          <p:cNvPr id="19" name="Text Placeholder 2"/>
+          <p:cNvSpPr>
+            <a:spLocks noGrp="1"/>
+          </p:cNvSpPr>
+          <p:nvPr>
+            <p:ph type="body" idx="1"/>
+          </p:nvPr>
+        </p:nvSpPr>
+        <p:spPr>
+          <a:xfrm>
+            <a:off x="913774" y="4204820"/>
+            <a:ext cx="3296409" cy="576262"/>
+          </a:xfrm>
+        </p:spPr>
+        <p:txBody>
+          <a:bodyPr anchor="b">
+            <a:noAutofit/>
+          </a:bodyPr>
+          <a:lstStyle>
+            <a:lvl1pPr marL="0" indent="0" algn="ctr">
+              <a:lnSpc>
+                <a:spcPct val="85000"/>
+              </a:lnSpc>
+              <a:buNone/>
+              <a:defRPr sz="2200" b="0">
+                <a:solidFill>
+                  <a:schemeClr val="tx1"/>
+                </a:solidFill>
+              </a:defRPr>
+            </a:lvl1pPr>
+            <a:lvl2pPr marL="457200" indent="0">
+              <a:buNone/>
+              <a:defRPr sz="2000" b="1"/>
+            </a:lvl2pPr>
+            <a:lvl3pPr marL="914400" indent="0">
+              <a:buNone/>
+              <a:defRPr sz="1800" b="1"/>
+            </a:lvl3pPr>
+            <a:lvl4pPr marL="1371600" indent="0">
+              <a:buNone/>
+              <a:defRPr sz="1600" b="1"/>
+            </a:lvl4pPr>
+            <a:lvl5pPr marL="1828800" indent="0">
+              <a:buNone/>
+              <a:defRPr sz="1600" b="1"/>
+            </a:lvl5pPr>
+            <a:lvl6pPr marL="2286000" indent="0">
+              <a:buNone/>
+              <a:defRPr sz="1600" b="1"/>
+            </a:lvl6pPr>
+            <a:lvl7pPr marL="2743200" indent="0">
+              <a:buNone/>
+              <a:defRPr sz="1600" b="1"/>
+            </a:lvl7pPr>
+            <a:lvl8pPr marL="3200400" indent="0">
+              <a:buNone/>
+              <a:defRPr sz="1600" b="1"/>
+            </a:lvl8pPr>
+            <a:lvl9pPr marL="3657600" indent="0">
+              <a:buNone/>
+              <a:defRPr sz="1600" b="1"/>
+            </a:lvl9pPr>
+          </a:lstStyle>
+          <a:p>
+            <a:pPr lvl="0"/>
+            <a:r>
+              <a:rPr lang="en-US"/>
+              <a:t>Click to edit Master text styles</a:t>
+            </a:r>
+          </a:p>
+        </p:txBody>
+      </p:sp>
+      <p:sp>
+        <p:nvSpPr>
+          <p:cNvPr id="20" name="Picture Placeholder 2"/>
+          <p:cNvSpPr>
+            <a:spLocks noGrp="1" noChangeAspect="1"/>
+          </p:cNvSpPr>
+          <p:nvPr>
+            <p:ph type="pic" idx="15"/>
+          </p:nvPr>
+        </p:nvSpPr>
+        <p:spPr>
+          <a:xfrm>
+            <a:off x="913774" y="2367093"/>
+            <a:ext cx="3296409" cy="1524000"/>
+          </a:xfrm>
+          <a:prstGeom prst="roundRect">
+            <a:avLst>
+              <a:gd name="adj" fmla="val 9363"/>
+            </a:avLst>
+          </a:prstGeom>
+          <a:noFill/>
+          <a:ln w="82550" cap="sq">
+            <a:solidFill>
+              <a:srgbClr val="EAEAEA"/>
+            </a:solidFill>
+            <a:miter lim="800000"/>
+          </a:ln>
+          <a:effectLst/>
+          <a:scene3d>
+            <a:camera prst="orthographicFront"/>
+            <a:lightRig rig="threePt" dir="t">
+              <a:rot lat="0" lon="0" rev="2700000"/>
+            </a:lightRig>
+          </a:scene3d>
+          <a:sp3d contourW="6350">
+            <a:bevelT h="38100"/>
+            <a:contourClr>
+              <a:srgbClr val="C0C0C0"/>
+            </a:contourClr>
+          </a:sp3d>
+        </p:spPr>
+        <p:txBody>
+          <a:bodyPr anchor="t">
+            <a:normAutofit/>
+          </a:bodyPr>
+          <a:lstStyle>
+            <a:lvl1pPr marL="0" indent="0" algn="ctr">
+              <a:buNone/>
+              <a:defRPr sz="1600"/>
+            </a:lvl1pPr>
+            <a:lvl2pPr marL="457200" indent="0">
+              <a:buNone/>
+              <a:defRPr sz="1600"/>
+            </a:lvl2pPr>
+            <a:lvl3pPr marL="914400" indent="0">
+              <a:buNone/>
+              <a:defRPr sz="1600"/>
+            </a:lvl3pPr>
+            <a:lvl4pPr marL="1371600" indent="0">
+              <a:buNone/>
+              <a:defRPr sz="1600"/>
+            </a:lvl4pPr>
+            <a:lvl5pPr marL="1828800" indent="0">
+              <a:buNone/>
+              <a:defRPr sz="1600"/>
+            </a:lvl5pPr>
+            <a:lvl6pPr marL="2286000" indent="0">
+              <a:buNone/>
+              <a:defRPr sz="1600"/>
+            </a:lvl6pPr>
+            <a:lvl7pPr marL="2743200" indent="0">
+              <a:buNone/>
+              <a:defRPr sz="1600"/>
+            </a:lvl7pPr>
+            <a:lvl8pPr marL="3200400" indent="0">
+              <a:buNone/>
+              <a:defRPr sz="1600"/>
+            </a:lvl8pPr>
+            <a:lvl9pPr marL="3657600" indent="0">
+              <a:buNone/>
+              <a:defRPr sz="1600"/>
+            </a:lvl9pPr>
+          </a:lstStyle>
+          <a:p>
+            <a:r>
+              <a:rPr lang="en-US"/>
+              <a:t>Click icon to add picture</a:t>
+            </a:r>
+            <a:endParaRPr lang="en-US" dirty="0"/>
+          </a:p>
+        </p:txBody>
+      </p:sp>
+      <p:sp>
+        <p:nvSpPr>
+          <p:cNvPr id="21" name="Text Placeholder 3"/>
+          <p:cNvSpPr>
+            <a:spLocks noGrp="1"/>
+          </p:cNvSpPr>
+          <p:nvPr>
+            <p:ph type="body" sz="half" idx="18"/>
+          </p:nvPr>
+        </p:nvSpPr>
+        <p:spPr>
+          <a:xfrm>
+            <a:off x="913774" y="4781082"/>
+            <a:ext cx="3296409" cy="1010118"/>
+          </a:xfrm>
+        </p:spPr>
+        <p:txBody>
+          <a:bodyPr anchor="t">
+            <a:normAutofit/>
+          </a:bodyPr>
+          <a:lstStyle>
+            <a:lvl1pPr marL="0" indent="0" algn="ctr">
+              <a:buNone/>
+              <a:defRPr sz="1400"/>
+            </a:lvl1pPr>
+            <a:lvl2pPr marL="457200" indent="0">
+              <a:buNone/>
+              <a:defRPr sz="1200"/>
+            </a:lvl2pPr>
+            <a:lvl3pPr marL="914400" indent="0">
+              <a:buNone/>
+              <a:defRPr sz="1000"/>
+            </a:lvl3pPr>
+            <a:lvl4pPr marL="1371600" indent="0">
+              <a:buNone/>
+              <a:defRPr sz="900"/>
+            </a:lvl4pPr>
+            <a:lvl5pPr marL="1828800" indent="0">
+              <a:buNone/>
+              <a:defRPr sz="900"/>
+            </a:lvl5pPr>
+            <a:lvl6pPr marL="2286000" indent="0">
+              <a:buNone/>
+              <a:defRPr sz="900"/>
+            </a:lvl6pPr>
+            <a:lvl7pPr marL="2743200" indent="0">
+              <a:buNone/>
+              <a:defRPr sz="900"/>
+            </a:lvl7pPr>
+            <a:lvl8pPr marL="3200400" indent="0">
+              <a:buNone/>
+              <a:defRPr sz="900"/>
+            </a:lvl8pPr>
+            <a:lvl9pPr marL="3657600" indent="0">
+              <a:buNone/>
+              <a:defRPr sz="900"/>
+            </a:lvl9pPr>
+          </a:lstStyle>
+          <a:p>
+            <a:pPr lvl="0"/>
+            <a:r>
+              <a:rPr lang="en-US"/>
+              <a:t>Click to edit Master text styles</a:t>
+            </a:r>
+          </a:p>
+        </p:txBody>
+      </p:sp>
+      <p:sp>
+        <p:nvSpPr>
+          <p:cNvPr id="22" name="Text Placeholder 4"/>
+          <p:cNvSpPr>
+            <a:spLocks noGrp="1"/>
+          </p:cNvSpPr>
+          <p:nvPr>
+            <p:ph type="body" sz="quarter" idx="3"/>
+          </p:nvPr>
+        </p:nvSpPr>
+        <p:spPr>
+          <a:xfrm>
+            <a:off x="4442759" y="4204820"/>
+            <a:ext cx="3301828" cy="576262"/>
+          </a:xfrm>
+        </p:spPr>
+        <p:txBody>
+          <a:bodyPr anchor="b">
+            <a:noAutofit/>
+          </a:bodyPr>
+          <a:lstStyle>
+            <a:lvl1pPr marL="0" indent="0" algn="ctr">
+              <a:lnSpc>
+                <a:spcPct val="85000"/>
+              </a:lnSpc>
+              <a:buNone/>
+              <a:defRPr sz="2200" b="0">
+                <a:solidFill>
+                  <a:schemeClr val="tx1"/>
+                </a:solidFill>
+              </a:defRPr>
+            </a:lvl1pPr>
+            <a:lvl2pPr marL="457200" indent="0">
+              <a:buNone/>
+              <a:defRPr sz="2000" b="1"/>
+            </a:lvl2pPr>
+            <a:lvl3pPr marL="914400" indent="0">
+              <a:buNone/>
+              <a:defRPr sz="1800" b="1"/>
+            </a:lvl3pPr>
+            <a:lvl4pPr marL="1371600" indent="0">
+              <a:buNone/>
+              <a:defRPr sz="1600" b="1"/>
+            </a:lvl4pPr>
+            <a:lvl5pPr marL="1828800" indent="0">
+              <a:buNone/>
+              <a:defRPr sz="1600" b="1"/>
+            </a:lvl5pPr>
+            <a:lvl6pPr marL="2286000" indent="0">
+              <a:buNone/>
+              <a:defRPr sz="1600" b="1"/>
+            </a:lvl6pPr>
+            <a:lvl7pPr marL="2743200" indent="0">
+              <a:buNone/>
+              <a:defRPr sz="1600" b="1"/>
+            </a:lvl7pPr>
+            <a:lvl8pPr marL="3200400" indent="0">
+              <a:buNone/>
+              <a:defRPr sz="1600" b="1"/>
+            </a:lvl8pPr>
+            <a:lvl9pPr marL="3657600" indent="0">
+              <a:buNone/>
+              <a:defRPr sz="1600" b="1"/>
+            </a:lvl9pPr>
+          </a:lstStyle>
+          <a:p>
+            <a:pPr lvl="0"/>
+            <a:r>
+              <a:rPr lang="en-US"/>
+              <a:t>Click to edit Master text styles</a:t>
+            </a:r>
+          </a:p>
+        </p:txBody>
+      </p:sp>
+      <p:sp>
+        <p:nvSpPr>
+          <p:cNvPr id="23" name="Picture Placeholder 2"/>
+          <p:cNvSpPr>
+            <a:spLocks noGrp="1" noChangeAspect="1"/>
+          </p:cNvSpPr>
+          <p:nvPr>
+            <p:ph type="pic" idx="21"/>
+          </p:nvPr>
+        </p:nvSpPr>
+        <p:spPr>
+          <a:xfrm>
+            <a:off x="4441348" y="2367093"/>
+            <a:ext cx="3303352" cy="1524000"/>
+          </a:xfrm>
+          <a:prstGeom prst="roundRect">
+            <a:avLst>
+              <a:gd name="adj" fmla="val 8841"/>
+            </a:avLst>
+          </a:prstGeom>
+          <a:noFill/>
+          <a:ln w="82550" cap="sq">
+            <a:solidFill>
+              <a:srgbClr val="EAEAEA"/>
+            </a:solidFill>
+            <a:miter lim="800000"/>
+          </a:ln>
+          <a:effectLst/>
+          <a:scene3d>
+            <a:camera prst="orthographicFront"/>
+            <a:lightRig rig="threePt" dir="t">
+              <a:rot lat="0" lon="0" rev="2700000"/>
+            </a:lightRig>
+          </a:scene3d>
+          <a:sp3d contourW="6350">
+            <a:bevelT h="38100"/>
+            <a:contourClr>
+              <a:srgbClr val="C0C0C0"/>
+            </a:contourClr>
+          </a:sp3d>
+        </p:spPr>
+        <p:txBody>
+          <a:bodyPr anchor="t">
+            <a:normAutofit/>
+          </a:bodyPr>
+          <a:lstStyle>
+            <a:lvl1pPr marL="0" indent="0" algn="ctr">
+              <a:buNone/>
+              <a:defRPr sz="1600"/>
+            </a:lvl1pPr>
+            <a:lvl2pPr marL="457200" indent="0">
+              <a:buNone/>
+              <a:defRPr sz="1600"/>
+            </a:lvl2pPr>
+            <a:lvl3pPr marL="914400" indent="0">
+              <a:buNone/>
+              <a:defRPr sz="1600"/>
+            </a:lvl3pPr>
+            <a:lvl4pPr marL="1371600" indent="0">
+              <a:buNone/>
+              <a:defRPr sz="1600"/>
+            </a:lvl4pPr>
+            <a:lvl5pPr marL="1828800" indent="0">
+              <a:buNone/>
+              <a:defRPr sz="1600"/>
+            </a:lvl5pPr>
+            <a:lvl6pPr marL="2286000" indent="0">
+              <a:buNone/>
+              <a:defRPr sz="1600"/>
+            </a:lvl6pPr>
+            <a:lvl7pPr marL="2743200" indent="0">
+              <a:buNone/>
+              <a:defRPr sz="1600"/>
+            </a:lvl7pPr>
+            <a:lvl8pPr marL="3200400" indent="0">
+              <a:buNone/>
+              <a:defRPr sz="1600"/>
+            </a:lvl8pPr>
+            <a:lvl9pPr marL="3657600" indent="0">
+              <a:buNone/>
+              <a:defRPr sz="1600"/>
+            </a:lvl9pPr>
+          </a:lstStyle>
+          <a:p>
+            <a:r>
+              <a:rPr lang="en-US"/>
+              <a:t>Click icon to add picture</a:t>
+            </a:r>
+            <a:endParaRPr lang="en-US" dirty="0"/>
+          </a:p>
+        </p:txBody>
+      </p:sp>
+      <p:sp>
+        <p:nvSpPr>
+          <p:cNvPr id="24" name="Text Placeholder 3"/>
+          <p:cNvSpPr>
+            <a:spLocks noGrp="1"/>
+          </p:cNvSpPr>
+          <p:nvPr>
+            <p:ph type="body" sz="half" idx="19"/>
+          </p:nvPr>
+        </p:nvSpPr>
+        <p:spPr>
+          <a:xfrm>
+            <a:off x="4441348" y="4781080"/>
+            <a:ext cx="3303352" cy="1010119"/>
+          </a:xfrm>
+        </p:spPr>
+        <p:txBody>
+          <a:bodyPr anchor="t">
+            <a:normAutofit/>
+          </a:bodyPr>
+          <a:lstStyle>
+            <a:lvl1pPr marL="0" indent="0" algn="ctr">
+              <a:buNone/>
+              <a:defRPr sz="1400"/>
+            </a:lvl1pPr>
+            <a:lvl2pPr marL="457200" indent="0">
+              <a:buNone/>
+              <a:defRPr sz="1200"/>
+            </a:lvl2pPr>
+            <a:lvl3pPr marL="914400" indent="0">
+              <a:buNone/>
+              <a:defRPr sz="1000"/>
+            </a:lvl3pPr>
+            <a:lvl4pPr marL="1371600" indent="0">
+              <a:buNone/>
+              <a:defRPr sz="900"/>
+            </a:lvl4pPr>
+            <a:lvl5pPr marL="1828800" indent="0">
+              <a:buNone/>
+              <a:defRPr sz="900"/>
+            </a:lvl5pPr>
+            <a:lvl6pPr marL="2286000" indent="0">
+              <a:buNone/>
+              <a:defRPr sz="900"/>
+            </a:lvl6pPr>
+            <a:lvl7pPr marL="2743200" indent="0">
+              <a:buNone/>
+              <a:defRPr sz="900"/>
+            </a:lvl7pPr>
+            <a:lvl8pPr marL="3200400" indent="0">
+              <a:buNone/>
+              <a:defRPr sz="900"/>
+            </a:lvl8pPr>
+            <a:lvl9pPr marL="3657600" indent="0">
+              <a:buNone/>
+              <a:defRPr sz="900"/>
+            </a:lvl9pPr>
+          </a:lstStyle>
+          <a:p>
+            <a:pPr lvl="0"/>
+            <a:r>
+              <a:rPr lang="en-US"/>
+              <a:t>Click to edit Master text styles</a:t>
+            </a:r>
+          </a:p>
+        </p:txBody>
+      </p:sp>
+      <p:sp>
+        <p:nvSpPr>
+          <p:cNvPr id="25" name="Text Placeholder 4"/>
+          <p:cNvSpPr>
+            <a:spLocks noGrp="1"/>
+          </p:cNvSpPr>
+          <p:nvPr>
+            <p:ph type="body" sz="quarter" idx="13"/>
+          </p:nvPr>
+        </p:nvSpPr>
+        <p:spPr>
+          <a:xfrm>
+            <a:off x="7973298" y="4204820"/>
+            <a:ext cx="3300681" cy="576262"/>
+          </a:xfrm>
+        </p:spPr>
+        <p:txBody>
+          <a:bodyPr anchor="b">
+            <a:noAutofit/>
+          </a:bodyPr>
+          <a:lstStyle>
+            <a:lvl1pPr marL="0" indent="0" algn="ctr">
+              <a:lnSpc>
+                <a:spcPct val="85000"/>
+              </a:lnSpc>
+              <a:buNone/>
+              <a:defRPr sz="2200" b="0">
+                <a:solidFill>
+                  <a:schemeClr val="tx1"/>
+                </a:solidFill>
+              </a:defRPr>
+            </a:lvl1pPr>
+            <a:lvl2pPr marL="457200" indent="0">
+              <a:buNone/>
+              <a:defRPr sz="2000" b="1"/>
+            </a:lvl2pPr>
+            <a:lvl3pPr marL="914400" indent="0">
+              <a:buNone/>
+              <a:defRPr sz="1800" b="1"/>
+            </a:lvl3pPr>
+            <a:lvl4pPr marL="1371600" indent="0">
+              <a:buNone/>
+              <a:defRPr sz="1600" b="1"/>
+            </a:lvl4pPr>
+            <a:lvl5pPr marL="1828800" indent="0">
+              <a:buNone/>
+              <a:defRPr sz="1600" b="1"/>
+            </a:lvl5pPr>
+            <a:lvl6pPr marL="2286000" indent="0">
+              <a:buNone/>
+              <a:defRPr sz="1600" b="1"/>
+            </a:lvl6pPr>
+            <a:lvl7pPr marL="2743200" indent="0">
+              <a:buNone/>
+              <a:defRPr sz="1600" b="1"/>
+            </a:lvl7pPr>
+            <a:lvl8pPr marL="3200400" indent="0">
+              <a:buNone/>
+              <a:defRPr sz="1600" b="1"/>
+            </a:lvl8pPr>
+            <a:lvl9pPr marL="3657600" indent="0">
+              <a:buNone/>
+              <a:defRPr sz="1600" b="1"/>
+            </a:lvl9pPr>
+          </a:lstStyle>
+          <a:p>
+            <a:pPr lvl="0"/>
+            <a:r>
+              <a:rPr lang="en-US"/>
+              <a:t>Click to edit Master text styles</a:t>
+            </a:r>
+          </a:p>
+        </p:txBody>
+      </p:sp>
+      <p:sp>
+        <p:nvSpPr>
+          <p:cNvPr id="26" name="Picture Placeholder 2"/>
+          <p:cNvSpPr>
+            <a:spLocks noGrp="1" noChangeAspect="1"/>
+          </p:cNvSpPr>
+          <p:nvPr>
+            <p:ph type="pic" idx="22"/>
+          </p:nvPr>
+        </p:nvSpPr>
+        <p:spPr>
+          <a:xfrm>
+            <a:off x="7973298" y="2367093"/>
+            <a:ext cx="3304928" cy="1524000"/>
+          </a:xfrm>
+          <a:prstGeom prst="roundRect">
+            <a:avLst>
+              <a:gd name="adj" fmla="val 8841"/>
+            </a:avLst>
+          </a:prstGeom>
+          <a:noFill/>
+          <a:ln w="82550" cap="sq">
+            <a:solidFill>
+              <a:srgbClr val="EAEAEA"/>
+            </a:solidFill>
+            <a:miter lim="800000"/>
+          </a:ln>
+          <a:effectLst/>
+          <a:scene3d>
+            <a:camera prst="orthographicFront"/>
+            <a:lightRig rig="threePt" dir="t">
+              <a:rot lat="0" lon="0" rev="2700000"/>
+            </a:lightRig>
+          </a:scene3d>
+          <a:sp3d contourW="6350">
+            <a:bevelT h="38100"/>
+            <a:contourClr>
+              <a:srgbClr val="C0C0C0"/>
+            </a:contourClr>
+          </a:sp3d>
+        </p:spPr>
+        <p:txBody>
+          <a:bodyPr anchor="t">
+            <a:normAutofit/>
+          </a:bodyPr>
+          <a:lstStyle>
+            <a:lvl1pPr marL="0" indent="0" algn="ctr">
+              <a:buNone/>
+              <a:defRPr sz="1600"/>
+            </a:lvl1pPr>
+            <a:lvl2pPr marL="457200" indent="0">
+              <a:buNone/>
+              <a:defRPr sz="1600"/>
+            </a:lvl2pPr>
+            <a:lvl3pPr marL="914400" indent="0">
+              <a:buNone/>
+              <a:defRPr sz="1600"/>
+            </a:lvl3pPr>
+            <a:lvl4pPr marL="1371600" indent="0">
+              <a:buNone/>
+              <a:defRPr sz="1600"/>
+            </a:lvl4pPr>
+            <a:lvl5pPr marL="1828800" indent="0">
+              <a:buNone/>
+              <a:defRPr sz="1600"/>
+            </a:lvl5pPr>
+            <a:lvl6pPr marL="2286000" indent="0">
+              <a:buNone/>
+              <a:defRPr sz="1600"/>
+            </a:lvl6pPr>
+            <a:lvl7pPr marL="2743200" indent="0">
+              <a:buNone/>
+              <a:defRPr sz="1600"/>
+            </a:lvl7pPr>
+            <a:lvl8pPr marL="3200400" indent="0">
+              <a:buNone/>
+              <a:defRPr sz="1600"/>
+            </a:lvl8pPr>
+            <a:lvl9pPr marL="3657600" indent="0">
+              <a:buNone/>
+              <a:defRPr sz="1600"/>
+            </a:lvl9pPr>
+          </a:lstStyle>
+          <a:p>
+            <a:r>
+              <a:rPr lang="en-US"/>
+              <a:t>Click icon to add picture</a:t>
+            </a:r>
+            <a:endParaRPr lang="en-US" dirty="0"/>
+          </a:p>
+        </p:txBody>
+      </p:sp>
+      <p:sp>
+        <p:nvSpPr>
+          <p:cNvPr id="27" name="Text Placeholder 3"/>
+          <p:cNvSpPr>
+            <a:spLocks noGrp="1"/>
+          </p:cNvSpPr>
+          <p:nvPr>
+            <p:ph type="body" sz="half" idx="20"/>
+          </p:nvPr>
+        </p:nvSpPr>
+        <p:spPr>
+          <a:xfrm>
+            <a:off x="7973173" y="4781078"/>
+            <a:ext cx="3305053" cy="1010121"/>
+          </a:xfrm>
+        </p:spPr>
+        <p:txBody>
+          <a:bodyPr anchor="t">
+            <a:normAutofit/>
+          </a:bodyPr>
+          <a:lstStyle>
+            <a:lvl1pPr marL="0" indent="0" algn="ctr">
+              <a:buNone/>
+              <a:defRPr sz="1400"/>
+            </a:lvl1pPr>
+            <a:lvl2pPr marL="457200" indent="0">
+              <a:buNone/>
+              <a:defRPr sz="1200"/>
+            </a:lvl2pPr>
+            <a:lvl3pPr marL="914400" indent="0">
+              <a:buNone/>
+              <a:defRPr sz="1000"/>
+            </a:lvl3pPr>
+            <a:lvl4pPr marL="1371600" indent="0">
+              <a:buNone/>
+              <a:defRPr sz="900"/>
+            </a:lvl4pPr>
+            <a:lvl5pPr marL="1828800" indent="0">
+              <a:buNone/>
+              <a:defRPr sz="900"/>
+            </a:lvl5pPr>
+            <a:lvl6pPr marL="2286000" indent="0">
+              <a:buNone/>
+              <a:defRPr sz="900"/>
+            </a:lvl6pPr>
+            <a:lvl7pPr marL="2743200" indent="0">
+              <a:buNone/>
+              <a:defRPr sz="900"/>
+            </a:lvl7pPr>
+            <a:lvl8pPr marL="3200400" indent="0">
+              <a:buNone/>
+              <a:defRPr sz="900"/>
+            </a:lvl8pPr>
+            <a:lvl9pPr marL="3657600" indent="0">
+              <a:buNone/>
+              <a:defRPr sz="900"/>
+            </a:lvl9pPr>
+          </a:lstStyle>
+          <a:p>
+            <a:pPr lvl="0"/>
+            <a:r>
+              <a:rPr lang="en-US"/>
+              <a:t>Click to edit Master text styles</a:t>
+            </a:r>
+          </a:p>
+        </p:txBody>
+      </p:sp>
+      <p:sp>
+        <p:nvSpPr>
+          <p:cNvPr id="3" name="Date Placeholder 2"/>
+          <p:cNvSpPr>
+            <a:spLocks noGrp="1"/>
+          </p:cNvSpPr>
+          <p:nvPr>
+            <p:ph type="dt" sz="half" idx="10"/>
+          </p:nvPr>
+        </p:nvSpPr>
+        <p:spPr/>
+        <p:txBody>
+          <a:bodyPr/>
+          <a:lstStyle/>
+          <a:p>
+            <a:fld id="{C38E463A-FA1D-459A-8470-3C19B0DC4D67}" type="datetimeFigureOut">
+              <a:rPr lang="en-US" smtClean="0"/>
+              <a:t>12/16/2021</a:t>
+            </a:fld>
+            <a:endParaRPr lang="en-US"/>
+          </a:p>
+        </p:txBody>
+      </p:sp>
+      <p:sp>
+        <p:nvSpPr>
+          <p:cNvPr id="4" name="Footer Placeholder 3"/>
+          <p:cNvSpPr>
+            <a:spLocks noGrp="1"/>
+          </p:cNvSpPr>
+          <p:nvPr>
+            <p:ph type="ftr" sz="quarter" idx="11"/>
+          </p:nvPr>
+        </p:nvSpPr>
+        <p:spPr/>
+        <p:txBody>
+          <a:bodyPr/>
+          <a:lstStyle/>
+          <a:p>
+            <a:endParaRPr lang="en-US"/>
+          </a:p>
+        </p:txBody>
+      </p:sp>
+      <p:sp>
+        <p:nvSpPr>
+          <p:cNvPr id="5" name="Slide Number Placeholder 4"/>
+          <p:cNvSpPr>
+            <a:spLocks noGrp="1"/>
+          </p:cNvSpPr>
+          <p:nvPr>
+            <p:ph type="sldNum" sz="quarter" idx="12"/>
+          </p:nvPr>
+        </p:nvSpPr>
+        <p:spPr/>
+        <p:txBody>
+          <a:bodyPr/>
+          <a:lstStyle/>
+          <a:p>
+            <a:fld id="{5876A3A3-3F41-4B68-A46B-88627D1938CE}" type="slidenum">
+              <a:rPr lang="en-US" smtClean="0"/>
+              <a:t>‹#›</a:t>
+            </a:fld>
+            <a:endParaRPr lang="en-US"/>
+          </a:p>
+        </p:txBody>
+      </p:sp>
+    </p:spTree>
+    <p:extLst>
+      <p:ext uri="{BB962C8B-B14F-4D97-AF65-F5344CB8AC3E}">
+        <p14:creationId xmlns:p14="http://schemas.microsoft.com/office/powerpoint/2010/main" val="3697954934"/>
+      </p:ext>
+    </p:extLst>
+  </p:cSld>
+  <p:clrMapOvr>
+    <a:masterClrMapping/>
+  </p:clrMapOvr>
+</p:sldLayout>
+</file>
+
+<file path=ppt/slideLayouts/slideLayout16.xml><?xml version="1.0" encoding="utf-8"?>
 <p:sldLayout xmlns:a="http://schemas.openxmlformats.org/drawingml/2006/main" xmlns:r="http://schemas.openxmlformats.org/officeDocument/2006/relationships" xmlns:p="http://schemas.openxmlformats.org/presentationml/2006/main" type="vertTx" preserve="1">
   <p:cSld name="Title and Vertical Text">
     <p:spTree>
@@ -362,15 +3086,39 @@
           <a:chExt cx="0" cy="0"/>
         </a:xfrm>
       </p:grpSpPr>
-      <p:sp>
-        <p:nvSpPr>
-          <p:cNvPr id="2" name="Title 1">
+      <p:pic>
+        <p:nvPicPr>
+          <p:cNvPr id="8" name="Picture 7" descr="Droplets-HD-Content-R1d.png"/>
+          <p:cNvPicPr>
+            <a:picLocks noChangeAspect="1"/>
+          </p:cNvPicPr>
+          <p:nvPr/>
+        </p:nvPicPr>
+        <p:blipFill>
+          <a:blip r:embed="rId2">
             <a:extLst>
-              <a:ext uri="{FF2B5EF4-FFF2-40B4-BE49-F238E27FC236}">
-                <a16:creationId xmlns:a16="http://schemas.microsoft.com/office/drawing/2014/main" id="{D0A91A7A-5CBD-45E3-BA4D-07958125A3D7}"/>
+              <a:ext uri="{28A0092B-C50C-407E-A947-70E740481C1C}">
+                <a14:useLocalDpi xmlns:a14="http://schemas.microsoft.com/office/drawing/2010/main" val="0"/>
               </a:ext>
             </a:extLst>
-          </p:cNvPr>
+          </a:blip>
+          <a:stretch>
+            <a:fillRect/>
+          </a:stretch>
+        </p:blipFill>
+        <p:spPr>
+          <a:xfrm>
+            <a:off x="0" y="0"/>
+            <a:ext cx="12192000" cy="6858000"/>
+          </a:xfrm>
+          <a:prstGeom prst="rect">
+            <a:avLst/>
+          </a:prstGeom>
+        </p:spPr>
+      </p:pic>
+      <p:sp>
+        <p:nvSpPr>
+          <p:cNvPr id="2" name="Title 1"/>
           <p:cNvSpPr>
             <a:spLocks noGrp="1"/>
           </p:cNvSpPr>
@@ -387,26 +3135,26 @@
               <a:rPr lang="en-US"/>
               <a:t>Click to edit Master title style</a:t>
             </a:r>
-          </a:p>
-        </p:txBody>
-      </p:sp>
-      <p:sp>
-        <p:nvSpPr>
-          <p:cNvPr id="3" name="Vertical Text Placeholder 2">
-            <a:extLst>
-              <a:ext uri="{FF2B5EF4-FFF2-40B4-BE49-F238E27FC236}">
-                <a16:creationId xmlns:a16="http://schemas.microsoft.com/office/drawing/2014/main" id="{170088B8-34B0-4589-9C57-0D3D66CCF011}"/>
-              </a:ext>
-            </a:extLst>
-          </p:cNvPr>
-          <p:cNvSpPr>
-            <a:spLocks noGrp="1"/>
-          </p:cNvSpPr>
-          <p:nvPr>
-            <p:ph type="body" orient="vert" idx="1"/>
-          </p:nvPr>
-        </p:nvSpPr>
-        <p:spPr/>
+            <a:endParaRPr lang="en-US" dirty="0"/>
+          </a:p>
+        </p:txBody>
+      </p:sp>
+      <p:sp>
+        <p:nvSpPr>
+          <p:cNvPr id="11" name="Vertical Text Placeholder 2"/>
+          <p:cNvSpPr>
+            <a:spLocks noGrp="1"/>
+          </p:cNvSpPr>
+          <p:nvPr>
+            <p:ph type="body" orient="vert" sz="quarter" idx="13"/>
+          </p:nvPr>
+        </p:nvSpPr>
+        <p:spPr>
+          <a:xfrm>
+            <a:off x="913775" y="2367093"/>
+            <a:ext cx="10364452" cy="3424107"/>
+          </a:xfrm>
+        </p:spPr>
         <p:txBody>
           <a:bodyPr vert="eaVert"/>
           <a:lstStyle/>
@@ -444,18 +3192,13 @@
               <a:rPr lang="en-US"/>
               <a:t>Fifth level</a:t>
             </a:r>
-          </a:p>
-        </p:txBody>
-      </p:sp>
-      <p:sp>
-        <p:nvSpPr>
-          <p:cNvPr id="4" name="Date Placeholder 3">
-            <a:extLst>
-              <a:ext uri="{FF2B5EF4-FFF2-40B4-BE49-F238E27FC236}">
-                <a16:creationId xmlns:a16="http://schemas.microsoft.com/office/drawing/2014/main" id="{6078BB6B-71FE-4500-835F-66AB91C18D11}"/>
-              </a:ext>
-            </a:extLst>
-          </p:cNvPr>
+            <a:endParaRPr lang="en-US" dirty="0"/>
+          </a:p>
+        </p:txBody>
+      </p:sp>
+      <p:sp>
+        <p:nvSpPr>
+          <p:cNvPr id="4" name="Date Placeholder 3"/>
           <p:cNvSpPr>
             <a:spLocks noGrp="1"/>
           </p:cNvSpPr>
@@ -470,7 +3213,7 @@
           <a:p>
             <a:fld id="{C38E463A-FA1D-459A-8470-3C19B0DC4D67}" type="datetimeFigureOut">
               <a:rPr lang="en-US" smtClean="0"/>
-              <a:t>12/10/2021</a:t>
+              <a:t>12/16/2021</a:t>
             </a:fld>
             <a:endParaRPr lang="en-US"/>
           </a:p>
@@ -478,13 +3221,7 @@
       </p:sp>
       <p:sp>
         <p:nvSpPr>
-          <p:cNvPr id="5" name="Footer Placeholder 4">
-            <a:extLst>
-              <a:ext uri="{FF2B5EF4-FFF2-40B4-BE49-F238E27FC236}">
-                <a16:creationId xmlns:a16="http://schemas.microsoft.com/office/drawing/2014/main" id="{C2CFF2E4-E270-415F-8269-E715C2EA045D}"/>
-              </a:ext>
-            </a:extLst>
-          </p:cNvPr>
+          <p:cNvPr id="5" name="Footer Placeholder 4"/>
           <p:cNvSpPr>
             <a:spLocks noGrp="1"/>
           </p:cNvSpPr>
@@ -503,13 +3240,7 @@
       </p:sp>
       <p:sp>
         <p:nvSpPr>
-          <p:cNvPr id="6" name="Slide Number Placeholder 5">
-            <a:extLst>
-              <a:ext uri="{FF2B5EF4-FFF2-40B4-BE49-F238E27FC236}">
-                <a16:creationId xmlns:a16="http://schemas.microsoft.com/office/drawing/2014/main" id="{1A802CD9-6080-4BEF-B7D9-1E2DFAC69851}"/>
-              </a:ext>
-            </a:extLst>
-          </p:cNvPr>
+          <p:cNvPr id="6" name="Slide Number Placeholder 5"/>
           <p:cNvSpPr>
             <a:spLocks noGrp="1"/>
           </p:cNvSpPr>
@@ -533,7 +3264,7 @@
     </p:spTree>
     <p:extLst>
       <p:ext uri="{BB962C8B-B14F-4D97-AF65-F5344CB8AC3E}">
-        <p14:creationId xmlns:p14="http://schemas.microsoft.com/office/powerpoint/2010/main" val="3599998165"/>
+        <p14:creationId xmlns:p14="http://schemas.microsoft.com/office/powerpoint/2010/main" val="2329463659"/>
       </p:ext>
     </p:extLst>
   </p:cSld>
@@ -543,7 +3274,7 @@
 </p:sldLayout>
 </file>
 
-<file path=ppt/slideLayouts/slideLayout11.xml><?xml version="1.0" encoding="utf-8"?>
+<file path=ppt/slideLayouts/slideLayout17.xml><?xml version="1.0" encoding="utf-8"?>
 <p:sldLayout xmlns:a="http://schemas.openxmlformats.org/drawingml/2006/main" xmlns:r="http://schemas.openxmlformats.org/officeDocument/2006/relationships" xmlns:p="http://schemas.openxmlformats.org/presentationml/2006/main" type="vertTitleAndTx" preserve="1">
   <p:cSld name="Vertical Title and Text">
     <p:spTree>
@@ -560,59 +3291,82 @@
           <a:chExt cx="0" cy="0"/>
         </a:xfrm>
       </p:grpSpPr>
-      <p:sp>
-        <p:nvSpPr>
-          <p:cNvPr id="2" name="Vertical Title 1">
+      <p:pic>
+        <p:nvPicPr>
+          <p:cNvPr id="9" name="Picture 8" descr="Droplets-HD-Content-R1d.png"/>
+          <p:cNvPicPr>
+            <a:picLocks noChangeAspect="1"/>
+          </p:cNvPicPr>
+          <p:nvPr/>
+        </p:nvPicPr>
+        <p:blipFill>
+          <a:blip r:embed="rId2">
             <a:extLst>
-              <a:ext uri="{FF2B5EF4-FFF2-40B4-BE49-F238E27FC236}">
-                <a16:creationId xmlns:a16="http://schemas.microsoft.com/office/drawing/2014/main" id="{B86E0110-6206-45D1-BE46-063A9E1EA253}"/>
+              <a:ext uri="{28A0092B-C50C-407E-A947-70E740481C1C}">
+                <a14:useLocalDpi xmlns:a14="http://schemas.microsoft.com/office/drawing/2010/main" val="0"/>
               </a:ext>
             </a:extLst>
-          </p:cNvPr>
-          <p:cNvSpPr>
-            <a:spLocks noGrp="1"/>
-          </p:cNvSpPr>
-          <p:nvPr>
-            <p:ph type="title" orient="vert"/>
-          </p:nvPr>
-        </p:nvSpPr>
+          </a:blip>
+          <a:stretch>
+            <a:fillRect/>
+          </a:stretch>
+        </p:blipFill>
         <p:spPr>
           <a:xfrm>
-            <a:off x="8724900" y="365125"/>
-            <a:ext cx="2628900" cy="5811838"/>
+            <a:off x="0" y="0"/>
+            <a:ext cx="12192000" cy="6858000"/>
+          </a:xfrm>
+          <a:prstGeom prst="rect">
+            <a:avLst/>
+          </a:prstGeom>
+        </p:spPr>
+      </p:pic>
+      <p:sp>
+        <p:nvSpPr>
+          <p:cNvPr id="2" name="Vertical Title 1"/>
+          <p:cNvSpPr>
+            <a:spLocks noGrp="1"/>
+          </p:cNvSpPr>
+          <p:nvPr>
+            <p:ph type="title" orient="vert"/>
+          </p:nvPr>
+        </p:nvSpPr>
+        <p:spPr>
+          <a:xfrm>
+            <a:off x="8724900" y="609601"/>
+            <a:ext cx="2553326" cy="5181599"/>
           </a:xfrm>
         </p:spPr>
         <p:txBody>
           <a:bodyPr vert="eaVert"/>
-          <a:lstStyle/>
+          <a:lstStyle>
+            <a:lvl1pPr algn="l">
+              <a:defRPr/>
+            </a:lvl1pPr>
+          </a:lstStyle>
           <a:p>
             <a:r>
               <a:rPr lang="en-US"/>
               <a:t>Click to edit Master title style</a:t>
             </a:r>
-          </a:p>
-        </p:txBody>
-      </p:sp>
-      <p:sp>
-        <p:nvSpPr>
-          <p:cNvPr id="3" name="Vertical Text Placeholder 2">
-            <a:extLst>
-              <a:ext uri="{FF2B5EF4-FFF2-40B4-BE49-F238E27FC236}">
-                <a16:creationId xmlns:a16="http://schemas.microsoft.com/office/drawing/2014/main" id="{B599DB1D-F412-4ED2-88AE-09C9F7EF3A2A}"/>
-              </a:ext>
-            </a:extLst>
-          </p:cNvPr>
-          <p:cNvSpPr>
-            <a:spLocks noGrp="1"/>
-          </p:cNvSpPr>
-          <p:nvPr>
-            <p:ph type="body" orient="vert" idx="1"/>
+            <a:endParaRPr lang="en-US" dirty="0"/>
+          </a:p>
+        </p:txBody>
+      </p:sp>
+      <p:sp>
+        <p:nvSpPr>
+          <p:cNvPr id="8" name="Vertical Text Placeholder 2"/>
+          <p:cNvSpPr>
+            <a:spLocks noGrp="1"/>
+          </p:cNvSpPr>
+          <p:nvPr>
+            <p:ph type="body" orient="vert" sz="quarter" idx="13"/>
           </p:nvPr>
         </p:nvSpPr>
         <p:spPr>
           <a:xfrm>
-            <a:off x="838200" y="365125"/>
-            <a:ext cx="7734300" cy="5811838"/>
+            <a:off x="913775" y="609601"/>
+            <a:ext cx="7658724" cy="5181599"/>
           </a:xfrm>
         </p:spPr>
         <p:txBody>
@@ -652,18 +3406,13 @@
               <a:rPr lang="en-US"/>
               <a:t>Fifth level</a:t>
             </a:r>
-          </a:p>
-        </p:txBody>
-      </p:sp>
-      <p:sp>
-        <p:nvSpPr>
-          <p:cNvPr id="4" name="Date Placeholder 3">
-            <a:extLst>
-              <a:ext uri="{FF2B5EF4-FFF2-40B4-BE49-F238E27FC236}">
-                <a16:creationId xmlns:a16="http://schemas.microsoft.com/office/drawing/2014/main" id="{B30A135B-1483-4AEB-B9C2-2F825F1B1192}"/>
-              </a:ext>
-            </a:extLst>
-          </p:cNvPr>
+            <a:endParaRPr lang="en-US" dirty="0"/>
+          </a:p>
+        </p:txBody>
+      </p:sp>
+      <p:sp>
+        <p:nvSpPr>
+          <p:cNvPr id="4" name="Date Placeholder 3"/>
           <p:cNvSpPr>
             <a:spLocks noGrp="1"/>
           </p:cNvSpPr>
@@ -678,7 +3427,7 @@
           <a:p>
             <a:fld id="{C38E463A-FA1D-459A-8470-3C19B0DC4D67}" type="datetimeFigureOut">
               <a:rPr lang="en-US" smtClean="0"/>
-              <a:t>12/10/2021</a:t>
+              <a:t>12/16/2021</a:t>
             </a:fld>
             <a:endParaRPr lang="en-US"/>
           </a:p>
@@ -686,13 +3435,7 @@
       </p:sp>
       <p:sp>
         <p:nvSpPr>
-          <p:cNvPr id="5" name="Footer Placeholder 4">
-            <a:extLst>
-              <a:ext uri="{FF2B5EF4-FFF2-40B4-BE49-F238E27FC236}">
-                <a16:creationId xmlns:a16="http://schemas.microsoft.com/office/drawing/2014/main" id="{F46EBE86-5413-4518-A7C8-94D85C0F0F57}"/>
-              </a:ext>
-            </a:extLst>
-          </p:cNvPr>
+          <p:cNvPr id="5" name="Footer Placeholder 4"/>
           <p:cNvSpPr>
             <a:spLocks noGrp="1"/>
           </p:cNvSpPr>
@@ -711,13 +3454,7 @@
       </p:sp>
       <p:sp>
         <p:nvSpPr>
-          <p:cNvPr id="6" name="Slide Number Placeholder 5">
-            <a:extLst>
-              <a:ext uri="{FF2B5EF4-FFF2-40B4-BE49-F238E27FC236}">
-                <a16:creationId xmlns:a16="http://schemas.microsoft.com/office/drawing/2014/main" id="{4A3DCE32-FAA2-4D81-BDB6-F5E2F0D18877}"/>
-              </a:ext>
-            </a:extLst>
-          </p:cNvPr>
+          <p:cNvPr id="6" name="Slide Number Placeholder 5"/>
           <p:cNvSpPr>
             <a:spLocks noGrp="1"/>
           </p:cNvSpPr>
@@ -741,7 +3478,860 @@
     </p:spTree>
     <p:extLst>
       <p:ext uri="{BB962C8B-B14F-4D97-AF65-F5344CB8AC3E}">
-        <p14:creationId xmlns:p14="http://schemas.microsoft.com/office/powerpoint/2010/main" val="3023968942"/>
+        <p14:creationId xmlns:p14="http://schemas.microsoft.com/office/powerpoint/2010/main" val="1465658806"/>
+      </p:ext>
+    </p:extLst>
+  </p:cSld>
+  <p:clrMapOvr>
+    <a:masterClrMapping/>
+  </p:clrMapOvr>
+</p:sldLayout>
+</file>
+
+<file path=ppt/slideLayouts/slideLayout18.xml><?xml version="1.0" encoding="utf-8"?>
+<p:sldLayout xmlns:a="http://schemas.openxmlformats.org/drawingml/2006/main" xmlns:r="http://schemas.openxmlformats.org/officeDocument/2006/relationships" xmlns:p="http://schemas.openxmlformats.org/presentationml/2006/main" type="obj">
+  <p:cSld name="1_Title and Content">
+    <p:spTree>
+      <p:nvGrpSpPr>
+        <p:cNvPr id="1" name=""/>
+        <p:cNvGrpSpPr/>
+        <p:nvPr/>
+      </p:nvGrpSpPr>
+      <p:grpSpPr>
+        <a:xfrm>
+          <a:off x="0" y="0"/>
+          <a:ext cx="0" cy="0"/>
+          <a:chOff x="0" y="0"/>
+          <a:chExt cx="0" cy="0"/>
+        </a:xfrm>
+      </p:grpSpPr>
+      <p:sp>
+        <p:nvSpPr>
+          <p:cNvPr id="2" name="Title 1"/>
+          <p:cNvSpPr>
+            <a:spLocks noGrp="1"/>
+          </p:cNvSpPr>
+          <p:nvPr>
+            <p:ph type="title"/>
+          </p:nvPr>
+        </p:nvSpPr>
+        <p:spPr/>
+        <p:txBody>
+          <a:bodyPr/>
+          <a:lstStyle>
+            <a:lvl1pPr marL="0">
+              <a:defRPr/>
+            </a:lvl1pPr>
+          </a:lstStyle>
+          <a:p>
+            <a:r>
+              <a:rPr lang="en-US"/>
+              <a:t>Click to edit Master title style</a:t>
+            </a:r>
+            <a:endParaRPr lang="en-US" dirty="0"/>
+          </a:p>
+        </p:txBody>
+      </p:sp>
+      <p:sp>
+        <p:nvSpPr>
+          <p:cNvPr id="3" name="Content Placeholder 2"/>
+          <p:cNvSpPr>
+            <a:spLocks noGrp="1"/>
+          </p:cNvSpPr>
+          <p:nvPr>
+            <p:ph idx="1"/>
+          </p:nvPr>
+        </p:nvSpPr>
+        <p:spPr/>
+        <p:txBody>
+          <a:bodyPr/>
+          <a:lstStyle/>
+          <a:p>
+            <a:pPr lvl="0"/>
+            <a:r>
+              <a:rPr lang="en-US"/>
+              <a:t>Click to edit Master text styles</a:t>
+            </a:r>
+          </a:p>
+          <a:p>
+            <a:pPr lvl="1"/>
+            <a:r>
+              <a:rPr lang="en-US"/>
+              <a:t>Second level</a:t>
+            </a:r>
+          </a:p>
+          <a:p>
+            <a:pPr lvl="2"/>
+            <a:r>
+              <a:rPr lang="en-US"/>
+              <a:t>Third level</a:t>
+            </a:r>
+          </a:p>
+          <a:p>
+            <a:pPr lvl="3"/>
+            <a:r>
+              <a:rPr lang="en-US"/>
+              <a:t>Fourth level</a:t>
+            </a:r>
+          </a:p>
+          <a:p>
+            <a:pPr lvl="4"/>
+            <a:r>
+              <a:rPr lang="en-US"/>
+              <a:t>Fifth level</a:t>
+            </a:r>
+            <a:endParaRPr lang="en-US" dirty="0"/>
+          </a:p>
+        </p:txBody>
+      </p:sp>
+      <p:sp>
+        <p:nvSpPr>
+          <p:cNvPr id="4" name="Date Placeholder 3"/>
+          <p:cNvSpPr>
+            <a:spLocks noGrp="1"/>
+          </p:cNvSpPr>
+          <p:nvPr>
+            <p:ph type="dt" sz="half" idx="10"/>
+          </p:nvPr>
+        </p:nvSpPr>
+        <p:spPr/>
+        <p:txBody>
+          <a:bodyPr/>
+          <a:lstStyle/>
+          <a:p>
+            <a:pPr marL="0" marR="0" lvl="0" indent="0" algn="r" defTabSz="457200" rtl="0" eaLnBrk="1" fontAlgn="auto" latinLnBrk="0" hangingPunct="1">
+              <a:lnSpc>
+                <a:spcPct val="100000"/>
+              </a:lnSpc>
+              <a:spcBef>
+                <a:spcPts val="0"/>
+              </a:spcBef>
+              <a:spcAft>
+                <a:spcPts val="0"/>
+              </a:spcAft>
+              <a:buClrTx/>
+              <a:buSzTx/>
+              <a:buFontTx/>
+              <a:buNone/>
+              <a:tabLst/>
+              <a:defRPr/>
+            </a:pPr>
+            <a:fld id="{C38E463A-FA1D-459A-8470-3C19B0DC4D67}" type="datetimeFigureOut">
+              <a:rPr kumimoji="0" lang="en-US" sz="1000" b="0" i="0" u="none" strike="noStrike" kern="1200" cap="none" spc="0" normalizeH="0" baseline="0" noProof="0" smtClean="0">
+                <a:ln>
+                  <a:noFill/>
+                </a:ln>
+                <a:solidFill>
+                  <a:prstClr val="black"/>
+                </a:solidFill>
+                <a:effectLst/>
+                <a:uLnTx/>
+                <a:uFillTx/>
+                <a:latin typeface="Tw Cen MT" panose="020B0602020104020603"/>
+                <a:ea typeface="+mn-ea"/>
+                <a:cs typeface="+mn-cs"/>
+              </a:rPr>
+              <a:pPr marL="0" marR="0" lvl="0" indent="0" algn="r" defTabSz="457200" rtl="0" eaLnBrk="1" fontAlgn="auto" latinLnBrk="0" hangingPunct="1">
+                <a:lnSpc>
+                  <a:spcPct val="100000"/>
+                </a:lnSpc>
+                <a:spcBef>
+                  <a:spcPts val="0"/>
+                </a:spcBef>
+                <a:spcAft>
+                  <a:spcPts val="0"/>
+                </a:spcAft>
+                <a:buClrTx/>
+                <a:buSzTx/>
+                <a:buFontTx/>
+                <a:buNone/>
+                <a:tabLst/>
+                <a:defRPr/>
+              </a:pPr>
+              <a:t>12/16/2021</a:t>
+            </a:fld>
+            <a:endParaRPr kumimoji="0" lang="en-US" sz="1000" b="0" i="0" u="none" strike="noStrike" kern="1200" cap="none" spc="0" normalizeH="0" baseline="0" noProof="0">
+              <a:ln>
+                <a:noFill/>
+              </a:ln>
+              <a:solidFill>
+                <a:prstClr val="black"/>
+              </a:solidFill>
+              <a:effectLst/>
+              <a:uLnTx/>
+              <a:uFillTx/>
+              <a:latin typeface="Tw Cen MT" panose="020B0602020104020603"/>
+              <a:ea typeface="+mn-ea"/>
+              <a:cs typeface="+mn-cs"/>
+            </a:endParaRPr>
+          </a:p>
+        </p:txBody>
+      </p:sp>
+      <p:sp>
+        <p:nvSpPr>
+          <p:cNvPr id="5" name="Footer Placeholder 4"/>
+          <p:cNvSpPr>
+            <a:spLocks noGrp="1"/>
+          </p:cNvSpPr>
+          <p:nvPr>
+            <p:ph type="ftr" sz="quarter" idx="11"/>
+          </p:nvPr>
+        </p:nvSpPr>
+        <p:spPr/>
+        <p:txBody>
+          <a:bodyPr/>
+          <a:lstStyle/>
+          <a:p>
+            <a:pPr marL="0" marR="0" lvl="0" indent="0" algn="l" defTabSz="457200" rtl="0" eaLnBrk="1" fontAlgn="auto" latinLnBrk="0" hangingPunct="1">
+              <a:lnSpc>
+                <a:spcPct val="100000"/>
+              </a:lnSpc>
+              <a:spcBef>
+                <a:spcPts val="0"/>
+              </a:spcBef>
+              <a:spcAft>
+                <a:spcPts val="0"/>
+              </a:spcAft>
+              <a:buClrTx/>
+              <a:buSzTx/>
+              <a:buFontTx/>
+              <a:buNone/>
+              <a:tabLst/>
+              <a:defRPr/>
+            </a:pPr>
+            <a:endParaRPr kumimoji="0" lang="en-US" sz="1000" b="0" i="0" u="none" strike="noStrike" kern="1200" cap="none" spc="0" normalizeH="0" baseline="0" noProof="0">
+              <a:ln>
+                <a:noFill/>
+              </a:ln>
+              <a:solidFill>
+                <a:prstClr val="black"/>
+              </a:solidFill>
+              <a:effectLst/>
+              <a:uLnTx/>
+              <a:uFillTx/>
+              <a:latin typeface="Tw Cen MT" panose="020B0602020104020603"/>
+              <a:ea typeface="+mn-ea"/>
+              <a:cs typeface="+mn-cs"/>
+            </a:endParaRPr>
+          </a:p>
+        </p:txBody>
+      </p:sp>
+      <p:sp>
+        <p:nvSpPr>
+          <p:cNvPr id="6" name="Slide Number Placeholder 5"/>
+          <p:cNvSpPr>
+            <a:spLocks noGrp="1"/>
+          </p:cNvSpPr>
+          <p:nvPr>
+            <p:ph type="sldNum" sz="quarter" idx="12"/>
+          </p:nvPr>
+        </p:nvSpPr>
+        <p:spPr/>
+        <p:txBody>
+          <a:bodyPr/>
+          <a:lstStyle/>
+          <a:p>
+            <a:pPr marL="0" marR="0" lvl="0" indent="0" algn="r" defTabSz="457200" rtl="0" eaLnBrk="1" fontAlgn="auto" latinLnBrk="0" hangingPunct="1">
+              <a:lnSpc>
+                <a:spcPct val="100000"/>
+              </a:lnSpc>
+              <a:spcBef>
+                <a:spcPts val="0"/>
+              </a:spcBef>
+              <a:spcAft>
+                <a:spcPts val="0"/>
+              </a:spcAft>
+              <a:buClrTx/>
+              <a:buSzTx/>
+              <a:buFontTx/>
+              <a:buNone/>
+              <a:tabLst/>
+              <a:defRPr/>
+            </a:pPr>
+            <a:fld id="{5876A3A3-3F41-4B68-A46B-88627D1938CE}" type="slidenum">
+              <a:rPr kumimoji="0" lang="en-US" sz="1000" b="0" i="0" u="none" strike="noStrike" kern="1200" cap="none" spc="0" normalizeH="0" baseline="0" noProof="0" smtClean="0">
+                <a:ln>
+                  <a:noFill/>
+                </a:ln>
+                <a:solidFill>
+                  <a:prstClr val="black"/>
+                </a:solidFill>
+                <a:effectLst/>
+                <a:uLnTx/>
+                <a:uFillTx/>
+                <a:latin typeface="Tw Cen MT" panose="020B0602020104020603"/>
+                <a:ea typeface="+mn-ea"/>
+                <a:cs typeface="+mn-cs"/>
+              </a:rPr>
+              <a:pPr marL="0" marR="0" lvl="0" indent="0" algn="r" defTabSz="457200" rtl="0" eaLnBrk="1" fontAlgn="auto" latinLnBrk="0" hangingPunct="1">
+                <a:lnSpc>
+                  <a:spcPct val="100000"/>
+                </a:lnSpc>
+                <a:spcBef>
+                  <a:spcPts val="0"/>
+                </a:spcBef>
+                <a:spcAft>
+                  <a:spcPts val="0"/>
+                </a:spcAft>
+                <a:buClrTx/>
+                <a:buSzTx/>
+                <a:buFontTx/>
+                <a:buNone/>
+                <a:tabLst/>
+                <a:defRPr/>
+              </a:pPr>
+              <a:t>‹#›</a:t>
+            </a:fld>
+            <a:endParaRPr kumimoji="0" lang="en-US" sz="1000" b="0" i="0" u="none" strike="noStrike" kern="1200" cap="none" spc="0" normalizeH="0" baseline="0" noProof="0">
+              <a:ln>
+                <a:noFill/>
+              </a:ln>
+              <a:solidFill>
+                <a:prstClr val="black"/>
+              </a:solidFill>
+              <a:effectLst/>
+              <a:uLnTx/>
+              <a:uFillTx/>
+              <a:latin typeface="Tw Cen MT" panose="020B0602020104020603"/>
+              <a:ea typeface="+mn-ea"/>
+              <a:cs typeface="+mn-cs"/>
+            </a:endParaRPr>
+          </a:p>
+        </p:txBody>
+      </p:sp>
+    </p:spTree>
+    <p:extLst>
+      <p:ext uri="{BB962C8B-B14F-4D97-AF65-F5344CB8AC3E}">
+        <p14:creationId xmlns:p14="http://schemas.microsoft.com/office/powerpoint/2010/main" val="2664098136"/>
+      </p:ext>
+    </p:extLst>
+  </p:cSld>
+  <p:clrMapOvr>
+    <a:masterClrMapping/>
+  </p:clrMapOvr>
+</p:sldLayout>
+</file>
+
+<file path=ppt/slideLayouts/slideLayout19.xml><?xml version="1.0" encoding="utf-8"?>
+<p:sldLayout xmlns:a="http://schemas.openxmlformats.org/drawingml/2006/main" xmlns:r="http://schemas.openxmlformats.org/officeDocument/2006/relationships" xmlns:p="http://schemas.openxmlformats.org/presentationml/2006/main" type="twoTxTwoObj">
+  <p:cSld name="1_Comparison">
+    <p:spTree>
+      <p:nvGrpSpPr>
+        <p:cNvPr id="1" name=""/>
+        <p:cNvGrpSpPr/>
+        <p:nvPr/>
+      </p:nvGrpSpPr>
+      <p:grpSpPr>
+        <a:xfrm>
+          <a:off x="0" y="0"/>
+          <a:ext cx="0" cy="0"/>
+          <a:chOff x="0" y="0"/>
+          <a:chExt cx="0" cy="0"/>
+        </a:xfrm>
+      </p:grpSpPr>
+      <p:sp>
+        <p:nvSpPr>
+          <p:cNvPr id="10" name="Title 9"/>
+          <p:cNvSpPr>
+            <a:spLocks noGrp="1"/>
+          </p:cNvSpPr>
+          <p:nvPr>
+            <p:ph type="title"/>
+          </p:nvPr>
+        </p:nvSpPr>
+        <p:spPr>
+          <a:xfrm>
+            <a:off x="1097280" y="286603"/>
+            <a:ext cx="10058400" cy="1450757"/>
+          </a:xfrm>
+        </p:spPr>
+        <p:txBody>
+          <a:bodyPr/>
+          <a:lstStyle/>
+          <a:p>
+            <a:r>
+              <a:rPr lang="en-US"/>
+              <a:t>Click to edit Master title style</a:t>
+            </a:r>
+            <a:endParaRPr lang="en-US" dirty="0"/>
+          </a:p>
+        </p:txBody>
+      </p:sp>
+      <p:sp>
+        <p:nvSpPr>
+          <p:cNvPr id="3" name="Text Placeholder 2"/>
+          <p:cNvSpPr>
+            <a:spLocks noGrp="1"/>
+          </p:cNvSpPr>
+          <p:nvPr>
+            <p:ph type="body" idx="1"/>
+          </p:nvPr>
+        </p:nvSpPr>
+        <p:spPr>
+          <a:xfrm>
+            <a:off x="1097280" y="1846052"/>
+            <a:ext cx="4937760" cy="736282"/>
+          </a:xfrm>
+        </p:spPr>
+        <p:txBody>
+          <a:bodyPr lIns="91440" rIns="91440" anchor="ctr">
+            <a:normAutofit/>
+          </a:bodyPr>
+          <a:lstStyle>
+            <a:lvl1pPr marL="0" indent="0">
+              <a:buNone/>
+              <a:defRPr sz="2000" b="0" cap="all" baseline="0">
+                <a:solidFill>
+                  <a:schemeClr val="tx2"/>
+                </a:solidFill>
+              </a:defRPr>
+            </a:lvl1pPr>
+            <a:lvl2pPr marL="457200" indent="0">
+              <a:buNone/>
+              <a:defRPr sz="2000" b="1"/>
+            </a:lvl2pPr>
+            <a:lvl3pPr marL="914400" indent="0">
+              <a:buNone/>
+              <a:defRPr sz="1800" b="1"/>
+            </a:lvl3pPr>
+            <a:lvl4pPr marL="1371600" indent="0">
+              <a:buNone/>
+              <a:defRPr sz="1600" b="1"/>
+            </a:lvl4pPr>
+            <a:lvl5pPr marL="1828800" indent="0">
+              <a:buNone/>
+              <a:defRPr sz="1600" b="1"/>
+            </a:lvl5pPr>
+            <a:lvl6pPr marL="2286000" indent="0">
+              <a:buNone/>
+              <a:defRPr sz="1600" b="1"/>
+            </a:lvl6pPr>
+            <a:lvl7pPr marL="2743200" indent="0">
+              <a:buNone/>
+              <a:defRPr sz="1600" b="1"/>
+            </a:lvl7pPr>
+            <a:lvl8pPr marL="3200400" indent="0">
+              <a:buNone/>
+              <a:defRPr sz="1600" b="1"/>
+            </a:lvl8pPr>
+            <a:lvl9pPr marL="3657600" indent="0">
+              <a:buNone/>
+              <a:defRPr sz="1600" b="1"/>
+            </a:lvl9pPr>
+          </a:lstStyle>
+          <a:p>
+            <a:pPr lvl="0"/>
+            <a:r>
+              <a:rPr lang="en-US"/>
+              <a:t>Click to edit Master text styles</a:t>
+            </a:r>
+          </a:p>
+        </p:txBody>
+      </p:sp>
+      <p:sp>
+        <p:nvSpPr>
+          <p:cNvPr id="4" name="Content Placeholder 3"/>
+          <p:cNvSpPr>
+            <a:spLocks noGrp="1"/>
+          </p:cNvSpPr>
+          <p:nvPr>
+            <p:ph sz="half" idx="2"/>
+          </p:nvPr>
+        </p:nvSpPr>
+        <p:spPr>
+          <a:xfrm>
+            <a:off x="1097280" y="2582334"/>
+            <a:ext cx="4937760" cy="3378200"/>
+          </a:xfrm>
+        </p:spPr>
+        <p:txBody>
+          <a:bodyPr/>
+          <a:lstStyle/>
+          <a:p>
+            <a:pPr lvl="0"/>
+            <a:r>
+              <a:rPr lang="en-US"/>
+              <a:t>Click to edit Master text styles</a:t>
+            </a:r>
+          </a:p>
+          <a:p>
+            <a:pPr lvl="1"/>
+            <a:r>
+              <a:rPr lang="en-US"/>
+              <a:t>Second level</a:t>
+            </a:r>
+          </a:p>
+          <a:p>
+            <a:pPr lvl="2"/>
+            <a:r>
+              <a:rPr lang="en-US"/>
+              <a:t>Third level</a:t>
+            </a:r>
+          </a:p>
+          <a:p>
+            <a:pPr lvl="3"/>
+            <a:r>
+              <a:rPr lang="en-US"/>
+              <a:t>Fourth level</a:t>
+            </a:r>
+          </a:p>
+          <a:p>
+            <a:pPr lvl="4"/>
+            <a:r>
+              <a:rPr lang="en-US"/>
+              <a:t>Fifth level</a:t>
+            </a:r>
+            <a:endParaRPr lang="en-US" dirty="0"/>
+          </a:p>
+        </p:txBody>
+      </p:sp>
+      <p:sp>
+        <p:nvSpPr>
+          <p:cNvPr id="5" name="Text Placeholder 4"/>
+          <p:cNvSpPr>
+            <a:spLocks noGrp="1"/>
+          </p:cNvSpPr>
+          <p:nvPr>
+            <p:ph type="body" sz="quarter" idx="3"/>
+          </p:nvPr>
+        </p:nvSpPr>
+        <p:spPr>
+          <a:xfrm>
+            <a:off x="6217920" y="1846052"/>
+            <a:ext cx="4937760" cy="736282"/>
+          </a:xfrm>
+        </p:spPr>
+        <p:txBody>
+          <a:bodyPr lIns="91440" rIns="91440" anchor="ctr">
+            <a:normAutofit/>
+          </a:bodyPr>
+          <a:lstStyle>
+            <a:lvl1pPr marL="0" indent="0">
+              <a:buNone/>
+              <a:defRPr sz="2000" b="0" cap="all" baseline="0">
+                <a:solidFill>
+                  <a:schemeClr val="tx2"/>
+                </a:solidFill>
+              </a:defRPr>
+            </a:lvl1pPr>
+            <a:lvl2pPr marL="457200" indent="0">
+              <a:buNone/>
+              <a:defRPr sz="2000" b="1"/>
+            </a:lvl2pPr>
+            <a:lvl3pPr marL="914400" indent="0">
+              <a:buNone/>
+              <a:defRPr sz="1800" b="1"/>
+            </a:lvl3pPr>
+            <a:lvl4pPr marL="1371600" indent="0">
+              <a:buNone/>
+              <a:defRPr sz="1600" b="1"/>
+            </a:lvl4pPr>
+            <a:lvl5pPr marL="1828800" indent="0">
+              <a:buNone/>
+              <a:defRPr sz="1600" b="1"/>
+            </a:lvl5pPr>
+            <a:lvl6pPr marL="2286000" indent="0">
+              <a:buNone/>
+              <a:defRPr sz="1600" b="1"/>
+            </a:lvl6pPr>
+            <a:lvl7pPr marL="2743200" indent="0">
+              <a:buNone/>
+              <a:defRPr sz="1600" b="1"/>
+            </a:lvl7pPr>
+            <a:lvl8pPr marL="3200400" indent="0">
+              <a:buNone/>
+              <a:defRPr sz="1600" b="1"/>
+            </a:lvl8pPr>
+            <a:lvl9pPr marL="3657600" indent="0">
+              <a:buNone/>
+              <a:defRPr sz="1600" b="1"/>
+            </a:lvl9pPr>
+          </a:lstStyle>
+          <a:p>
+            <a:pPr lvl="0"/>
+            <a:r>
+              <a:rPr lang="en-US"/>
+              <a:t>Click to edit Master text styles</a:t>
+            </a:r>
+          </a:p>
+        </p:txBody>
+      </p:sp>
+      <p:sp>
+        <p:nvSpPr>
+          <p:cNvPr id="6" name="Content Placeholder 5"/>
+          <p:cNvSpPr>
+            <a:spLocks noGrp="1"/>
+          </p:cNvSpPr>
+          <p:nvPr>
+            <p:ph sz="quarter" idx="4"/>
+          </p:nvPr>
+        </p:nvSpPr>
+        <p:spPr>
+          <a:xfrm>
+            <a:off x="6217920" y="2582334"/>
+            <a:ext cx="4937760" cy="3378200"/>
+          </a:xfrm>
+        </p:spPr>
+        <p:txBody>
+          <a:bodyPr/>
+          <a:lstStyle/>
+          <a:p>
+            <a:pPr lvl="0"/>
+            <a:r>
+              <a:rPr lang="en-US"/>
+              <a:t>Click to edit Master text styles</a:t>
+            </a:r>
+          </a:p>
+          <a:p>
+            <a:pPr lvl="1"/>
+            <a:r>
+              <a:rPr lang="en-US"/>
+              <a:t>Second level</a:t>
+            </a:r>
+          </a:p>
+          <a:p>
+            <a:pPr lvl="2"/>
+            <a:r>
+              <a:rPr lang="en-US"/>
+              <a:t>Third level</a:t>
+            </a:r>
+          </a:p>
+          <a:p>
+            <a:pPr lvl="3"/>
+            <a:r>
+              <a:rPr lang="en-US"/>
+              <a:t>Fourth level</a:t>
+            </a:r>
+          </a:p>
+          <a:p>
+            <a:pPr lvl="4"/>
+            <a:r>
+              <a:rPr lang="en-US"/>
+              <a:t>Fifth level</a:t>
+            </a:r>
+            <a:endParaRPr lang="en-US" dirty="0"/>
+          </a:p>
+        </p:txBody>
+      </p:sp>
+      <p:sp>
+        <p:nvSpPr>
+          <p:cNvPr id="7" name="Date Placeholder 6"/>
+          <p:cNvSpPr>
+            <a:spLocks noGrp="1"/>
+          </p:cNvSpPr>
+          <p:nvPr>
+            <p:ph type="dt" sz="half" idx="10"/>
+          </p:nvPr>
+        </p:nvSpPr>
+        <p:spPr/>
+        <p:txBody>
+          <a:bodyPr/>
+          <a:lstStyle/>
+          <a:p>
+            <a:pPr marL="0" marR="0" lvl="0" indent="0" algn="r" defTabSz="457200" rtl="0" eaLnBrk="1" fontAlgn="auto" latinLnBrk="0" hangingPunct="1">
+              <a:lnSpc>
+                <a:spcPct val="100000"/>
+              </a:lnSpc>
+              <a:spcBef>
+                <a:spcPts val="0"/>
+              </a:spcBef>
+              <a:spcAft>
+                <a:spcPts val="0"/>
+              </a:spcAft>
+              <a:buClrTx/>
+              <a:buSzTx/>
+              <a:buFontTx/>
+              <a:buNone/>
+              <a:tabLst/>
+              <a:defRPr/>
+            </a:pPr>
+            <a:fld id="{C38E463A-FA1D-459A-8470-3C19B0DC4D67}" type="datetimeFigureOut">
+              <a:rPr kumimoji="0" lang="en-US" sz="1000" b="0" i="0" u="none" strike="noStrike" kern="1200" cap="none" spc="0" normalizeH="0" baseline="0" noProof="0" smtClean="0">
+                <a:ln>
+                  <a:noFill/>
+                </a:ln>
+                <a:solidFill>
+                  <a:prstClr val="black"/>
+                </a:solidFill>
+                <a:effectLst/>
+                <a:uLnTx/>
+                <a:uFillTx/>
+                <a:latin typeface="Tw Cen MT" panose="020B0602020104020603"/>
+                <a:ea typeface="+mn-ea"/>
+                <a:cs typeface="+mn-cs"/>
+              </a:rPr>
+              <a:pPr marL="0" marR="0" lvl="0" indent="0" algn="r" defTabSz="457200" rtl="0" eaLnBrk="1" fontAlgn="auto" latinLnBrk="0" hangingPunct="1">
+                <a:lnSpc>
+                  <a:spcPct val="100000"/>
+                </a:lnSpc>
+                <a:spcBef>
+                  <a:spcPts val="0"/>
+                </a:spcBef>
+                <a:spcAft>
+                  <a:spcPts val="0"/>
+                </a:spcAft>
+                <a:buClrTx/>
+                <a:buSzTx/>
+                <a:buFontTx/>
+                <a:buNone/>
+                <a:tabLst/>
+                <a:defRPr/>
+              </a:pPr>
+              <a:t>12/16/2021</a:t>
+            </a:fld>
+            <a:endParaRPr kumimoji="0" lang="en-US" sz="1000" b="0" i="0" u="none" strike="noStrike" kern="1200" cap="none" spc="0" normalizeH="0" baseline="0" noProof="0">
+              <a:ln>
+                <a:noFill/>
+              </a:ln>
+              <a:solidFill>
+                <a:prstClr val="black"/>
+              </a:solidFill>
+              <a:effectLst/>
+              <a:uLnTx/>
+              <a:uFillTx/>
+              <a:latin typeface="Tw Cen MT" panose="020B0602020104020603"/>
+              <a:ea typeface="+mn-ea"/>
+              <a:cs typeface="+mn-cs"/>
+            </a:endParaRPr>
+          </a:p>
+        </p:txBody>
+      </p:sp>
+      <p:sp>
+        <p:nvSpPr>
+          <p:cNvPr id="8" name="Footer Placeholder 7"/>
+          <p:cNvSpPr>
+            <a:spLocks noGrp="1"/>
+          </p:cNvSpPr>
+          <p:nvPr>
+            <p:ph type="ftr" sz="quarter" idx="11"/>
+          </p:nvPr>
+        </p:nvSpPr>
+        <p:spPr/>
+        <p:txBody>
+          <a:bodyPr/>
+          <a:lstStyle/>
+          <a:p>
+            <a:pPr marL="0" marR="0" lvl="0" indent="0" algn="l" defTabSz="457200" rtl="0" eaLnBrk="1" fontAlgn="auto" latinLnBrk="0" hangingPunct="1">
+              <a:lnSpc>
+                <a:spcPct val="100000"/>
+              </a:lnSpc>
+              <a:spcBef>
+                <a:spcPts val="0"/>
+              </a:spcBef>
+              <a:spcAft>
+                <a:spcPts val="0"/>
+              </a:spcAft>
+              <a:buClrTx/>
+              <a:buSzTx/>
+              <a:buFontTx/>
+              <a:buNone/>
+              <a:tabLst/>
+              <a:defRPr/>
+            </a:pPr>
+            <a:endParaRPr kumimoji="0" lang="en-US" sz="1000" b="0" i="0" u="none" strike="noStrike" kern="1200" cap="none" spc="0" normalizeH="0" baseline="0" noProof="0">
+              <a:ln>
+                <a:noFill/>
+              </a:ln>
+              <a:solidFill>
+                <a:prstClr val="black"/>
+              </a:solidFill>
+              <a:effectLst/>
+              <a:uLnTx/>
+              <a:uFillTx/>
+              <a:latin typeface="Tw Cen MT" panose="020B0602020104020603"/>
+              <a:ea typeface="+mn-ea"/>
+              <a:cs typeface="+mn-cs"/>
+            </a:endParaRPr>
+          </a:p>
+        </p:txBody>
+      </p:sp>
+      <p:sp>
+        <p:nvSpPr>
+          <p:cNvPr id="9" name="Slide Number Placeholder 8"/>
+          <p:cNvSpPr>
+            <a:spLocks noGrp="1"/>
+          </p:cNvSpPr>
+          <p:nvPr>
+            <p:ph type="sldNum" sz="quarter" idx="12"/>
+          </p:nvPr>
+        </p:nvSpPr>
+        <p:spPr/>
+        <p:txBody>
+          <a:bodyPr/>
+          <a:lstStyle/>
+          <a:p>
+            <a:pPr marL="0" marR="0" lvl="0" indent="0" algn="r" defTabSz="457200" rtl="0" eaLnBrk="1" fontAlgn="auto" latinLnBrk="0" hangingPunct="1">
+              <a:lnSpc>
+                <a:spcPct val="100000"/>
+              </a:lnSpc>
+              <a:spcBef>
+                <a:spcPts val="0"/>
+              </a:spcBef>
+              <a:spcAft>
+                <a:spcPts val="0"/>
+              </a:spcAft>
+              <a:buClrTx/>
+              <a:buSzTx/>
+              <a:buFontTx/>
+              <a:buNone/>
+              <a:tabLst/>
+              <a:defRPr/>
+            </a:pPr>
+            <a:fld id="{5876A3A3-3F41-4B68-A46B-88627D1938CE}" type="slidenum">
+              <a:rPr kumimoji="0" lang="en-US" sz="1000" b="0" i="0" u="none" strike="noStrike" kern="1200" cap="none" spc="0" normalizeH="0" baseline="0" noProof="0" smtClean="0">
+                <a:ln>
+                  <a:noFill/>
+                </a:ln>
+                <a:solidFill>
+                  <a:prstClr val="black"/>
+                </a:solidFill>
+                <a:effectLst/>
+                <a:uLnTx/>
+                <a:uFillTx/>
+                <a:latin typeface="Tw Cen MT" panose="020B0602020104020603"/>
+                <a:ea typeface="+mn-ea"/>
+                <a:cs typeface="+mn-cs"/>
+              </a:rPr>
+              <a:pPr marL="0" marR="0" lvl="0" indent="0" algn="r" defTabSz="457200" rtl="0" eaLnBrk="1" fontAlgn="auto" latinLnBrk="0" hangingPunct="1">
+                <a:lnSpc>
+                  <a:spcPct val="100000"/>
+                </a:lnSpc>
+                <a:spcBef>
+                  <a:spcPts val="0"/>
+                </a:spcBef>
+                <a:spcAft>
+                  <a:spcPts val="0"/>
+                </a:spcAft>
+                <a:buClrTx/>
+                <a:buSzTx/>
+                <a:buFontTx/>
+                <a:buNone/>
+                <a:tabLst/>
+                <a:defRPr/>
+              </a:pPr>
+              <a:t>‹#›</a:t>
+            </a:fld>
+            <a:endParaRPr kumimoji="0" lang="en-US" sz="1000" b="0" i="0" u="none" strike="noStrike" kern="1200" cap="none" spc="0" normalizeH="0" baseline="0" noProof="0">
+              <a:ln>
+                <a:noFill/>
+              </a:ln>
+              <a:solidFill>
+                <a:prstClr val="black"/>
+              </a:solidFill>
+              <a:effectLst/>
+              <a:uLnTx/>
+              <a:uFillTx/>
+              <a:latin typeface="Tw Cen MT" panose="020B0602020104020603"/>
+              <a:ea typeface="+mn-ea"/>
+              <a:cs typeface="+mn-cs"/>
+            </a:endParaRPr>
+          </a:p>
+        </p:txBody>
+      </p:sp>
+    </p:spTree>
+    <p:extLst>
+      <p:ext uri="{BB962C8B-B14F-4D97-AF65-F5344CB8AC3E}">
+        <p14:creationId xmlns:p14="http://schemas.microsoft.com/office/powerpoint/2010/main" val="3815715612"/>
       </p:ext>
     </p:extLst>
   </p:cSld>
@@ -768,15 +4358,39 @@
           <a:chExt cx="0" cy="0"/>
         </a:xfrm>
       </p:grpSpPr>
-      <p:sp>
-        <p:nvSpPr>
-          <p:cNvPr id="2" name="Title 1">
+      <p:pic>
+        <p:nvPicPr>
+          <p:cNvPr id="3" name="Picture 2" descr="Droplets-HD-Content-R1d.png"/>
+          <p:cNvPicPr>
+            <a:picLocks noChangeAspect="1"/>
+          </p:cNvPicPr>
+          <p:nvPr/>
+        </p:nvPicPr>
+        <p:blipFill>
+          <a:blip r:embed="rId2">
             <a:extLst>
-              <a:ext uri="{FF2B5EF4-FFF2-40B4-BE49-F238E27FC236}">
-                <a16:creationId xmlns:a16="http://schemas.microsoft.com/office/drawing/2014/main" id="{56A45F08-6A1F-4396-A686-CAAFD130D455}"/>
+              <a:ext uri="{28A0092B-C50C-407E-A947-70E740481C1C}">
+                <a14:useLocalDpi xmlns:a14="http://schemas.microsoft.com/office/drawing/2010/main" val="0"/>
               </a:ext>
             </a:extLst>
-          </p:cNvPr>
+          </a:blip>
+          <a:stretch>
+            <a:fillRect/>
+          </a:stretch>
+        </p:blipFill>
+        <p:spPr>
+          <a:xfrm>
+            <a:off x="0" y="0"/>
+            <a:ext cx="12192000" cy="6858000"/>
+          </a:xfrm>
+          <a:prstGeom prst="rect">
+            <a:avLst/>
+          </a:prstGeom>
+        </p:spPr>
+      </p:pic>
+      <p:sp>
+        <p:nvSpPr>
+          <p:cNvPr id="2" name="Title 1"/>
           <p:cNvSpPr>
             <a:spLocks noGrp="1"/>
           </p:cNvSpPr>
@@ -793,26 +4407,26 @@
               <a:rPr lang="en-US"/>
               <a:t>Click to edit Master title style</a:t>
             </a:r>
-          </a:p>
-        </p:txBody>
-      </p:sp>
-      <p:sp>
-        <p:nvSpPr>
-          <p:cNvPr id="3" name="Content Placeholder 2">
-            <a:extLst>
-              <a:ext uri="{FF2B5EF4-FFF2-40B4-BE49-F238E27FC236}">
-                <a16:creationId xmlns:a16="http://schemas.microsoft.com/office/drawing/2014/main" id="{A8A785A6-A10A-4C0E-945D-DD067ABFA438}"/>
-              </a:ext>
-            </a:extLst>
-          </p:cNvPr>
-          <p:cNvSpPr>
-            <a:spLocks noGrp="1"/>
-          </p:cNvSpPr>
-          <p:nvPr>
-            <p:ph idx="1"/>
-          </p:nvPr>
-        </p:nvSpPr>
-        <p:spPr/>
+            <a:endParaRPr lang="en-US" dirty="0"/>
+          </a:p>
+        </p:txBody>
+      </p:sp>
+      <p:sp>
+        <p:nvSpPr>
+          <p:cNvPr id="12" name="Content Placeholder 2"/>
+          <p:cNvSpPr>
+            <a:spLocks noGrp="1"/>
+          </p:cNvSpPr>
+          <p:nvPr>
+            <p:ph sz="quarter" idx="13"/>
+          </p:nvPr>
+        </p:nvSpPr>
+        <p:spPr>
+          <a:xfrm>
+            <a:off x="913774" y="2367092"/>
+            <a:ext cx="10363826" cy="3424107"/>
+          </a:xfrm>
+        </p:spPr>
         <p:txBody>
           <a:bodyPr/>
           <a:lstStyle/>
@@ -850,18 +4464,13 @@
               <a:rPr lang="en-US"/>
               <a:t>Fifth level</a:t>
             </a:r>
-          </a:p>
-        </p:txBody>
-      </p:sp>
-      <p:sp>
-        <p:nvSpPr>
-          <p:cNvPr id="4" name="Date Placeholder 3">
-            <a:extLst>
-              <a:ext uri="{FF2B5EF4-FFF2-40B4-BE49-F238E27FC236}">
-                <a16:creationId xmlns:a16="http://schemas.microsoft.com/office/drawing/2014/main" id="{EBC7E744-DA4E-4214-A480-CECF0CBB68EA}"/>
-              </a:ext>
-            </a:extLst>
-          </p:cNvPr>
+            <a:endParaRPr lang="en-US" dirty="0"/>
+          </a:p>
+        </p:txBody>
+      </p:sp>
+      <p:sp>
+        <p:nvSpPr>
+          <p:cNvPr id="4" name="Date Placeholder 3"/>
           <p:cNvSpPr>
             <a:spLocks noGrp="1"/>
           </p:cNvSpPr>
@@ -876,7 +4485,7 @@
           <a:p>
             <a:fld id="{C38E463A-FA1D-459A-8470-3C19B0DC4D67}" type="datetimeFigureOut">
               <a:rPr lang="en-US" smtClean="0"/>
-              <a:t>12/10/2021</a:t>
+              <a:t>12/16/2021</a:t>
             </a:fld>
             <a:endParaRPr lang="en-US"/>
           </a:p>
@@ -884,13 +4493,7 @@
       </p:sp>
       <p:sp>
         <p:nvSpPr>
-          <p:cNvPr id="5" name="Footer Placeholder 4">
-            <a:extLst>
-              <a:ext uri="{FF2B5EF4-FFF2-40B4-BE49-F238E27FC236}">
-                <a16:creationId xmlns:a16="http://schemas.microsoft.com/office/drawing/2014/main" id="{1B7B47B0-5ADE-42F0-AE18-BE351C021AFE}"/>
-              </a:ext>
-            </a:extLst>
-          </p:cNvPr>
+          <p:cNvPr id="5" name="Footer Placeholder 4"/>
           <p:cNvSpPr>
             <a:spLocks noGrp="1"/>
           </p:cNvSpPr>
@@ -909,13 +4512,7 @@
       </p:sp>
       <p:sp>
         <p:nvSpPr>
-          <p:cNvPr id="6" name="Slide Number Placeholder 5">
-            <a:extLst>
-              <a:ext uri="{FF2B5EF4-FFF2-40B4-BE49-F238E27FC236}">
-                <a16:creationId xmlns:a16="http://schemas.microsoft.com/office/drawing/2014/main" id="{55E7AC45-6644-4530-AAF9-64C4F0C498ED}"/>
-              </a:ext>
-            </a:extLst>
-          </p:cNvPr>
+          <p:cNvPr id="6" name="Slide Number Placeholder 5"/>
           <p:cNvSpPr>
             <a:spLocks noGrp="1"/>
           </p:cNvSpPr>
@@ -939,7 +4536,7 @@
     </p:spTree>
     <p:extLst>
       <p:ext uri="{BB962C8B-B14F-4D97-AF65-F5344CB8AC3E}">
-        <p14:creationId xmlns:p14="http://schemas.microsoft.com/office/powerpoint/2010/main" val="3620913428"/>
+        <p14:creationId xmlns:p14="http://schemas.microsoft.com/office/powerpoint/2010/main" val="86190426"/>
       </p:ext>
     </p:extLst>
   </p:cSld>
@@ -966,33 +4563,59 @@
           <a:chExt cx="0" cy="0"/>
         </a:xfrm>
       </p:grpSpPr>
-      <p:sp>
-        <p:nvSpPr>
-          <p:cNvPr id="2" name="Title 1">
+      <p:pic>
+        <p:nvPicPr>
+          <p:cNvPr id="9" name="Picture 8" descr="Droplets-HD-Content-R1d.png"/>
+          <p:cNvPicPr>
+            <a:picLocks noChangeAspect="1"/>
+          </p:cNvPicPr>
+          <p:nvPr/>
+        </p:nvPicPr>
+        <p:blipFill>
+          <a:blip r:embed="rId2">
             <a:extLst>
-              <a:ext uri="{FF2B5EF4-FFF2-40B4-BE49-F238E27FC236}">
-                <a16:creationId xmlns:a16="http://schemas.microsoft.com/office/drawing/2014/main" id="{308F9CBA-6A57-4A9A-8548-644FB79F1E0D}"/>
+              <a:ext uri="{28A0092B-C50C-407E-A947-70E740481C1C}">
+                <a14:useLocalDpi xmlns:a14="http://schemas.microsoft.com/office/drawing/2010/main" val="0"/>
               </a:ext>
             </a:extLst>
-          </p:cNvPr>
-          <p:cNvSpPr>
-            <a:spLocks noGrp="1"/>
-          </p:cNvSpPr>
-          <p:nvPr>
-            <p:ph type="title"/>
-          </p:nvPr>
-        </p:nvSpPr>
+          </a:blip>
+          <a:stretch>
+            <a:fillRect/>
+          </a:stretch>
+        </p:blipFill>
         <p:spPr>
           <a:xfrm>
-            <a:off x="831850" y="1709738"/>
-            <a:ext cx="10515600" cy="2852737"/>
+            <a:off x="0" y="0"/>
+            <a:ext cx="12192000" cy="6858000"/>
+          </a:xfrm>
+          <a:prstGeom prst="rect">
+            <a:avLst/>
+          </a:prstGeom>
+        </p:spPr>
+      </p:pic>
+      <p:sp>
+        <p:nvSpPr>
+          <p:cNvPr id="2" name="Title 1"/>
+          <p:cNvSpPr>
+            <a:spLocks noGrp="1"/>
+          </p:cNvSpPr>
+          <p:nvPr>
+            <p:ph type="title"/>
+          </p:nvPr>
+        </p:nvSpPr>
+        <p:spPr>
+          <a:xfrm>
+            <a:off x="913774" y="828563"/>
+            <a:ext cx="10351752" cy="2736819"/>
           </a:xfrm>
         </p:spPr>
         <p:txBody>
-          <a:bodyPr anchor="b"/>
+          <a:bodyPr anchor="b">
+            <a:normAutofit/>
+          </a:bodyPr>
           <a:lstStyle>
             <a:lvl1pPr>
-              <a:defRPr sz="6000"/>
+              <a:defRPr sz="4000"/>
             </a:lvl1pPr>
           </a:lstStyle>
           <a:p>
@@ -1000,18 +4623,13 @@
               <a:rPr lang="en-US"/>
               <a:t>Click to edit Master title style</a:t>
             </a:r>
-          </a:p>
-        </p:txBody>
-      </p:sp>
-      <p:sp>
-        <p:nvSpPr>
-          <p:cNvPr id="3" name="Text Placeholder 2">
-            <a:extLst>
-              <a:ext uri="{FF2B5EF4-FFF2-40B4-BE49-F238E27FC236}">
-                <a16:creationId xmlns:a16="http://schemas.microsoft.com/office/drawing/2014/main" id="{67A59682-415B-4682-BF70-30CBE23A69D6}"/>
-              </a:ext>
-            </a:extLst>
-          </p:cNvPr>
+            <a:endParaRPr lang="en-US" dirty="0"/>
+          </a:p>
+        </p:txBody>
+      </p:sp>
+      <p:sp>
+        <p:nvSpPr>
+          <p:cNvPr id="3" name="Text Placeholder 2"/>
           <p:cNvSpPr>
             <a:spLocks noGrp="1"/>
           </p:cNvSpPr>
@@ -1021,19 +4639,21 @@
         </p:nvSpPr>
         <p:spPr>
           <a:xfrm>
-            <a:off x="831850" y="4589463"/>
-            <a:ext cx="10515600" cy="1500187"/>
+            <a:off x="913774" y="3657457"/>
+            <a:ext cx="10351752" cy="1368183"/>
           </a:xfrm>
         </p:spPr>
         <p:txBody>
-          <a:bodyPr/>
+          <a:bodyPr>
+            <a:normAutofit/>
+          </a:bodyPr>
           <a:lstStyle>
-            <a:lvl1pPr marL="0" indent="0">
-              <a:buNone/>
-              <a:defRPr sz="2400">
+            <a:lvl1pPr marL="0" indent="0" algn="ctr">
+              <a:buNone/>
+              <a:defRPr sz="2000">
                 <a:solidFill>
-                  <a:schemeClr val="tx1">
-                    <a:tint val="75000"/>
+                  <a:schemeClr val="bg1">
+                    <a:lumMod val="50000"/>
                   </a:schemeClr>
                 </a:solidFill>
               </a:defRPr>
@@ -1130,13 +4750,7 @@
       </p:sp>
       <p:sp>
         <p:nvSpPr>
-          <p:cNvPr id="4" name="Date Placeholder 3">
-            <a:extLst>
-              <a:ext uri="{FF2B5EF4-FFF2-40B4-BE49-F238E27FC236}">
-                <a16:creationId xmlns:a16="http://schemas.microsoft.com/office/drawing/2014/main" id="{7DB5B80E-B69F-4348-93A8-40CA79EE41DB}"/>
-              </a:ext>
-            </a:extLst>
-          </p:cNvPr>
+          <p:cNvPr id="4" name="Date Placeholder 3"/>
           <p:cNvSpPr>
             <a:spLocks noGrp="1"/>
           </p:cNvSpPr>
@@ -1151,7 +4765,7 @@
           <a:p>
             <a:fld id="{C38E463A-FA1D-459A-8470-3C19B0DC4D67}" type="datetimeFigureOut">
               <a:rPr lang="en-US" smtClean="0"/>
-              <a:t>12/10/2021</a:t>
+              <a:t>12/16/2021</a:t>
             </a:fld>
             <a:endParaRPr lang="en-US"/>
           </a:p>
@@ -1159,13 +4773,7 @@
       </p:sp>
       <p:sp>
         <p:nvSpPr>
-          <p:cNvPr id="5" name="Footer Placeholder 4">
-            <a:extLst>
-              <a:ext uri="{FF2B5EF4-FFF2-40B4-BE49-F238E27FC236}">
-                <a16:creationId xmlns:a16="http://schemas.microsoft.com/office/drawing/2014/main" id="{FC2EE306-DBD5-42AD-A17E-274AFFFB2E03}"/>
-              </a:ext>
-            </a:extLst>
-          </p:cNvPr>
+          <p:cNvPr id="5" name="Footer Placeholder 4"/>
           <p:cNvSpPr>
             <a:spLocks noGrp="1"/>
           </p:cNvSpPr>
@@ -1184,13 +4792,7 @@
       </p:sp>
       <p:sp>
         <p:nvSpPr>
-          <p:cNvPr id="6" name="Slide Number Placeholder 5">
-            <a:extLst>
-              <a:ext uri="{FF2B5EF4-FFF2-40B4-BE49-F238E27FC236}">
-                <a16:creationId xmlns:a16="http://schemas.microsoft.com/office/drawing/2014/main" id="{84016007-D279-48F0-A7D1-BEC076E7B514}"/>
-              </a:ext>
-            </a:extLst>
-          </p:cNvPr>
+          <p:cNvPr id="6" name="Slide Number Placeholder 5"/>
           <p:cNvSpPr>
             <a:spLocks noGrp="1"/>
           </p:cNvSpPr>
@@ -1214,7 +4816,7 @@
     </p:spTree>
     <p:extLst>
       <p:ext uri="{BB962C8B-B14F-4D97-AF65-F5344CB8AC3E}">
-        <p14:creationId xmlns:p14="http://schemas.microsoft.com/office/powerpoint/2010/main" val="3553082564"/>
+        <p14:creationId xmlns:p14="http://schemas.microsoft.com/office/powerpoint/2010/main" val="2221634455"/>
       </p:ext>
     </p:extLst>
   </p:cSld>
@@ -1241,116 +4843,78 @@
           <a:chExt cx="0" cy="0"/>
         </a:xfrm>
       </p:grpSpPr>
-      <p:sp>
-        <p:nvSpPr>
-          <p:cNvPr id="2" name="Title 1">
+      <p:pic>
+        <p:nvPicPr>
+          <p:cNvPr id="10" name="Picture 9" descr="Droplets-HD-Content-R1d.png"/>
+          <p:cNvPicPr>
+            <a:picLocks noChangeAspect="1"/>
+          </p:cNvPicPr>
+          <p:nvPr/>
+        </p:nvPicPr>
+        <p:blipFill>
+          <a:blip r:embed="rId2">
             <a:extLst>
-              <a:ext uri="{FF2B5EF4-FFF2-40B4-BE49-F238E27FC236}">
-                <a16:creationId xmlns:a16="http://schemas.microsoft.com/office/drawing/2014/main" id="{A3828A08-477E-42C8-A1AF-8748625FCED8}"/>
+              <a:ext uri="{28A0092B-C50C-407E-A947-70E740481C1C}">
+                <a14:useLocalDpi xmlns:a14="http://schemas.microsoft.com/office/drawing/2010/main" val="0"/>
               </a:ext>
             </a:extLst>
-          </p:cNvPr>
-          <p:cNvSpPr>
-            <a:spLocks noGrp="1"/>
-          </p:cNvSpPr>
-          <p:nvPr>
-            <p:ph type="title"/>
-          </p:nvPr>
-        </p:nvSpPr>
-        <p:spPr/>
-        <p:txBody>
-          <a:bodyPr/>
-          <a:lstStyle/>
-          <a:p>
-            <a:r>
-              <a:rPr lang="en-US"/>
-              <a:t>Click to edit Master title style</a:t>
-            </a:r>
-          </a:p>
-        </p:txBody>
-      </p:sp>
-      <p:sp>
-        <p:nvSpPr>
-          <p:cNvPr id="3" name="Content Placeholder 2">
-            <a:extLst>
-              <a:ext uri="{FF2B5EF4-FFF2-40B4-BE49-F238E27FC236}">
-                <a16:creationId xmlns:a16="http://schemas.microsoft.com/office/drawing/2014/main" id="{98329FF8-696D-4124-BEB1-59AF4FBA9C05}"/>
-              </a:ext>
-            </a:extLst>
-          </p:cNvPr>
-          <p:cNvSpPr>
-            <a:spLocks noGrp="1"/>
-          </p:cNvSpPr>
-          <p:nvPr>
-            <p:ph sz="half" idx="1"/>
-          </p:nvPr>
-        </p:nvSpPr>
+          </a:blip>
+          <a:stretch>
+            <a:fillRect/>
+          </a:stretch>
+        </p:blipFill>
         <p:spPr>
           <a:xfrm>
-            <a:off x="838200" y="1825625"/>
-            <a:ext cx="5181600" cy="4351338"/>
+            <a:off x="0" y="0"/>
+            <a:ext cx="12192000" cy="6858000"/>
+          </a:xfrm>
+          <a:prstGeom prst="rect">
+            <a:avLst/>
+          </a:prstGeom>
+        </p:spPr>
+      </p:pic>
+      <p:sp>
+        <p:nvSpPr>
+          <p:cNvPr id="14" name="Title 1"/>
+          <p:cNvSpPr>
+            <a:spLocks noGrp="1"/>
+          </p:cNvSpPr>
+          <p:nvPr>
+            <p:ph type="title"/>
+          </p:nvPr>
+        </p:nvSpPr>
+        <p:spPr>
+          <a:xfrm>
+            <a:off x="913775" y="618517"/>
+            <a:ext cx="10364451" cy="1596177"/>
           </a:xfrm>
         </p:spPr>
         <p:txBody>
           <a:bodyPr/>
           <a:lstStyle/>
           <a:p>
-            <a:pPr lvl="0"/>
-            <a:r>
-              <a:rPr lang="en-US"/>
-              <a:t>Click to edit Master text styles</a:t>
-            </a:r>
-          </a:p>
-          <a:p>
-            <a:pPr lvl="1"/>
-            <a:r>
-              <a:rPr lang="en-US"/>
-              <a:t>Second level</a:t>
-            </a:r>
-          </a:p>
-          <a:p>
-            <a:pPr lvl="2"/>
-            <a:r>
-              <a:rPr lang="en-US"/>
-              <a:t>Third level</a:t>
-            </a:r>
-          </a:p>
-          <a:p>
-            <a:pPr lvl="3"/>
-            <a:r>
-              <a:rPr lang="en-US"/>
-              <a:t>Fourth level</a:t>
-            </a:r>
-          </a:p>
-          <a:p>
-            <a:pPr lvl="4"/>
-            <a:r>
-              <a:rPr lang="en-US"/>
-              <a:t>Fifth level</a:t>
-            </a:r>
-          </a:p>
-        </p:txBody>
-      </p:sp>
-      <p:sp>
-        <p:nvSpPr>
-          <p:cNvPr id="4" name="Content Placeholder 3">
-            <a:extLst>
-              <a:ext uri="{FF2B5EF4-FFF2-40B4-BE49-F238E27FC236}">
-                <a16:creationId xmlns:a16="http://schemas.microsoft.com/office/drawing/2014/main" id="{8DF34AC3-5BAD-4A44-9213-87C8785AA0F9}"/>
-              </a:ext>
-            </a:extLst>
-          </p:cNvPr>
-          <p:cNvSpPr>
-            <a:spLocks noGrp="1"/>
-          </p:cNvSpPr>
-          <p:nvPr>
-            <p:ph sz="half" idx="2"/>
+            <a:r>
+              <a:rPr lang="en-US"/>
+              <a:t>Click to edit Master title style</a:t>
+            </a:r>
+            <a:endParaRPr lang="en-US" dirty="0"/>
+          </a:p>
+        </p:txBody>
+      </p:sp>
+      <p:sp>
+        <p:nvSpPr>
+          <p:cNvPr id="12" name="Content Placeholder 2"/>
+          <p:cNvSpPr>
+            <a:spLocks noGrp="1"/>
+          </p:cNvSpPr>
+          <p:nvPr>
+            <p:ph sz="quarter" idx="13"/>
           </p:nvPr>
         </p:nvSpPr>
         <p:spPr>
           <a:xfrm>
-            <a:off x="6172200" y="1825625"/>
-            <a:ext cx="5181600" cy="4351338"/>
+            <a:off x="913774" y="2367092"/>
+            <a:ext cx="5106026" cy="3424107"/>
           </a:xfrm>
         </p:spPr>
         <p:txBody>
@@ -1390,18 +4954,70 @@
               <a:rPr lang="en-US"/>
               <a:t>Fifth level</a:t>
             </a:r>
-          </a:p>
-        </p:txBody>
-      </p:sp>
-      <p:sp>
-        <p:nvSpPr>
-          <p:cNvPr id="5" name="Date Placeholder 4">
-            <a:extLst>
-              <a:ext uri="{FF2B5EF4-FFF2-40B4-BE49-F238E27FC236}">
-                <a16:creationId xmlns:a16="http://schemas.microsoft.com/office/drawing/2014/main" id="{96378D0F-FD8B-48A7-8BA4-FC1597A65E0D}"/>
-              </a:ext>
-            </a:extLst>
-          </p:cNvPr>
+            <a:endParaRPr lang="en-US" dirty="0"/>
+          </a:p>
+        </p:txBody>
+      </p:sp>
+      <p:sp>
+        <p:nvSpPr>
+          <p:cNvPr id="13" name="Content Placeholder 3"/>
+          <p:cNvSpPr>
+            <a:spLocks noGrp="1"/>
+          </p:cNvSpPr>
+          <p:nvPr>
+            <p:ph sz="quarter" idx="14"/>
+          </p:nvPr>
+        </p:nvSpPr>
+        <p:spPr>
+          <a:xfrm>
+            <a:off x="6172200" y="2367092"/>
+            <a:ext cx="5105400" cy="3424107"/>
+          </a:xfrm>
+        </p:spPr>
+        <p:txBody>
+          <a:bodyPr/>
+          <a:lstStyle/>
+          <a:p>
+            <a:pPr lvl="0"/>
+            <a:r>
+              <a:rPr lang="en-US"/>
+              <a:t>Click to edit Master text styles</a:t>
+            </a:r>
+          </a:p>
+          <a:p>
+            <a:pPr lvl="1"/>
+            <a:r>
+              <a:rPr lang="en-US"/>
+              <a:t>Second level</a:t>
+            </a:r>
+          </a:p>
+          <a:p>
+            <a:pPr lvl="2"/>
+            <a:r>
+              <a:rPr lang="en-US"/>
+              <a:t>Third level</a:t>
+            </a:r>
+          </a:p>
+          <a:p>
+            <a:pPr lvl="3"/>
+            <a:r>
+              <a:rPr lang="en-US"/>
+              <a:t>Fourth level</a:t>
+            </a:r>
+          </a:p>
+          <a:p>
+            <a:pPr lvl="4"/>
+            <a:r>
+              <a:rPr lang="en-US"/>
+              <a:t>Fifth level</a:t>
+            </a:r>
+            <a:endParaRPr lang="en-US" dirty="0"/>
+          </a:p>
+        </p:txBody>
+      </p:sp>
+      <p:sp>
+        <p:nvSpPr>
+          <p:cNvPr id="5" name="Date Placeholder 4"/>
           <p:cNvSpPr>
             <a:spLocks noGrp="1"/>
           </p:cNvSpPr>
@@ -1416,7 +5032,7 @@
           <a:p>
             <a:fld id="{C38E463A-FA1D-459A-8470-3C19B0DC4D67}" type="datetimeFigureOut">
               <a:rPr lang="en-US" smtClean="0"/>
-              <a:t>12/10/2021</a:t>
+              <a:t>12/16/2021</a:t>
             </a:fld>
             <a:endParaRPr lang="en-US"/>
           </a:p>
@@ -1424,13 +5040,7 @@
       </p:sp>
       <p:sp>
         <p:nvSpPr>
-          <p:cNvPr id="6" name="Footer Placeholder 5">
-            <a:extLst>
-              <a:ext uri="{FF2B5EF4-FFF2-40B4-BE49-F238E27FC236}">
-                <a16:creationId xmlns:a16="http://schemas.microsoft.com/office/drawing/2014/main" id="{08615173-861B-4250-A303-A147A6AF4598}"/>
-              </a:ext>
-            </a:extLst>
-          </p:cNvPr>
+          <p:cNvPr id="6" name="Footer Placeholder 5"/>
           <p:cNvSpPr>
             <a:spLocks noGrp="1"/>
           </p:cNvSpPr>
@@ -1449,13 +5059,7 @@
       </p:sp>
       <p:sp>
         <p:nvSpPr>
-          <p:cNvPr id="7" name="Slide Number Placeholder 6">
-            <a:extLst>
-              <a:ext uri="{FF2B5EF4-FFF2-40B4-BE49-F238E27FC236}">
-                <a16:creationId xmlns:a16="http://schemas.microsoft.com/office/drawing/2014/main" id="{7340E658-3718-4D4D-A911-06070BC36199}"/>
-              </a:ext>
-            </a:extLst>
-          </p:cNvPr>
+          <p:cNvPr id="7" name="Slide Number Placeholder 6"/>
           <p:cNvSpPr>
             <a:spLocks noGrp="1"/>
           </p:cNvSpPr>
@@ -1479,7 +5083,7 @@
     </p:spTree>
     <p:extLst>
       <p:ext uri="{BB962C8B-B14F-4D97-AF65-F5344CB8AC3E}">
-        <p14:creationId xmlns:p14="http://schemas.microsoft.com/office/powerpoint/2010/main" val="2433620701"/>
+        <p14:creationId xmlns:p14="http://schemas.microsoft.com/office/powerpoint/2010/main" val="1273682605"/>
       </p:ext>
     </p:extLst>
   </p:cSld>
@@ -1506,26 +5110,50 @@
           <a:chExt cx="0" cy="0"/>
         </a:xfrm>
       </p:grpSpPr>
-      <p:sp>
-        <p:nvSpPr>
-          <p:cNvPr id="2" name="Title 1">
+      <p:pic>
+        <p:nvPicPr>
+          <p:cNvPr id="15" name="Picture 14" descr="Droplets-HD-Content-R1d.png"/>
+          <p:cNvPicPr>
+            <a:picLocks noChangeAspect="1"/>
+          </p:cNvPicPr>
+          <p:nvPr/>
+        </p:nvPicPr>
+        <p:blipFill>
+          <a:blip r:embed="rId2">
             <a:extLst>
-              <a:ext uri="{FF2B5EF4-FFF2-40B4-BE49-F238E27FC236}">
-                <a16:creationId xmlns:a16="http://schemas.microsoft.com/office/drawing/2014/main" id="{B99BBF26-70E3-4E75-834B-62EF6E707D0F}"/>
+              <a:ext uri="{28A0092B-C50C-407E-A947-70E740481C1C}">
+                <a14:useLocalDpi xmlns:a14="http://schemas.microsoft.com/office/drawing/2010/main" val="0"/>
               </a:ext>
             </a:extLst>
-          </p:cNvPr>
-          <p:cNvSpPr>
-            <a:spLocks noGrp="1"/>
-          </p:cNvSpPr>
-          <p:nvPr>
-            <p:ph type="title"/>
-          </p:nvPr>
-        </p:nvSpPr>
+          </a:blip>
+          <a:stretch>
+            <a:fillRect/>
+          </a:stretch>
+        </p:blipFill>
         <p:spPr>
           <a:xfrm>
-            <a:off x="839788" y="365125"/>
-            <a:ext cx="10515600" cy="1325563"/>
+            <a:off x="0" y="0"/>
+            <a:ext cx="12192000" cy="6858000"/>
+          </a:xfrm>
+          <a:prstGeom prst="rect">
+            <a:avLst/>
+          </a:prstGeom>
+        </p:spPr>
+      </p:pic>
+      <p:sp>
+        <p:nvSpPr>
+          <p:cNvPr id="14" name="Title 1"/>
+          <p:cNvSpPr>
+            <a:spLocks noGrp="1"/>
+          </p:cNvSpPr>
+          <p:nvPr>
+            <p:ph type="title"/>
+          </p:nvPr>
+        </p:nvSpPr>
+        <p:spPr>
+          <a:xfrm>
+            <a:off x="913775" y="618517"/>
+            <a:ext cx="10364451" cy="1596177"/>
           </a:xfrm>
         </p:spPr>
         <p:txBody>
@@ -1536,18 +5164,13 @@
               <a:rPr lang="en-US"/>
               <a:t>Click to edit Master title style</a:t>
             </a:r>
-          </a:p>
-        </p:txBody>
-      </p:sp>
-      <p:sp>
-        <p:nvSpPr>
-          <p:cNvPr id="3" name="Text Placeholder 2">
-            <a:extLst>
-              <a:ext uri="{FF2B5EF4-FFF2-40B4-BE49-F238E27FC236}">
-                <a16:creationId xmlns:a16="http://schemas.microsoft.com/office/drawing/2014/main" id="{B783CD0D-5284-4B17-963A-C0C79884C41F}"/>
-              </a:ext>
-            </a:extLst>
-          </p:cNvPr>
+            <a:endParaRPr lang="en-US" dirty="0"/>
+          </a:p>
+        </p:txBody>
+      </p:sp>
+      <p:sp>
+        <p:nvSpPr>
+          <p:cNvPr id="3" name="Text Placeholder 2"/>
           <p:cNvSpPr>
             <a:spLocks noGrp="1"/>
           </p:cNvSpPr>
@@ -1557,16 +5180,25 @@
         </p:nvSpPr>
         <p:spPr>
           <a:xfrm>
-            <a:off x="839788" y="1681163"/>
-            <a:ext cx="5157787" cy="823912"/>
+            <a:off x="1146328" y="2371018"/>
+            <a:ext cx="4873474" cy="679994"/>
           </a:xfrm>
         </p:spPr>
         <p:txBody>
-          <a:bodyPr anchor="b"/>
+          <a:bodyPr anchor="b">
+            <a:noAutofit/>
+          </a:bodyPr>
           <a:lstStyle>
             <a:lvl1pPr marL="0" indent="0">
-              <a:buNone/>
-              <a:defRPr sz="2400" b="1"/>
+              <a:lnSpc>
+                <a:spcPct val="85000"/>
+              </a:lnSpc>
+              <a:buNone/>
+              <a:defRPr sz="2600" b="0">
+                <a:solidFill>
+                  <a:schemeClr val="tx1"/>
+                </a:solidFill>
+              </a:defRPr>
             </a:lvl1pPr>
             <a:lvl2pPr marL="457200" indent="0">
               <a:buNone/>
@@ -1612,24 +5244,18 @@
       </p:sp>
       <p:sp>
         <p:nvSpPr>
-          <p:cNvPr id="4" name="Content Placeholder 3">
-            <a:extLst>
-              <a:ext uri="{FF2B5EF4-FFF2-40B4-BE49-F238E27FC236}">
-                <a16:creationId xmlns:a16="http://schemas.microsoft.com/office/drawing/2014/main" id="{0C64C41A-4B8B-4473-A07F-6000857C1D00}"/>
-              </a:ext>
-            </a:extLst>
-          </p:cNvPr>
-          <p:cNvSpPr>
-            <a:spLocks noGrp="1"/>
-          </p:cNvSpPr>
-          <p:nvPr>
-            <p:ph sz="half" idx="2"/>
+          <p:cNvPr id="12" name="Content Placeholder 3"/>
+          <p:cNvSpPr>
+            <a:spLocks noGrp="1"/>
+          </p:cNvSpPr>
+          <p:nvPr>
+            <p:ph sz="quarter" idx="13"/>
           </p:nvPr>
         </p:nvSpPr>
         <p:spPr>
           <a:xfrm>
-            <a:off x="839788" y="2505075"/>
-            <a:ext cx="5157787" cy="3684588"/>
+            <a:off x="913774" y="3051012"/>
+            <a:ext cx="5106027" cy="2740187"/>
           </a:xfrm>
         </p:spPr>
         <p:txBody>
@@ -1669,18 +5295,13 @@
               <a:rPr lang="en-US"/>
               <a:t>Fifth level</a:t>
             </a:r>
-          </a:p>
-        </p:txBody>
-      </p:sp>
-      <p:sp>
-        <p:nvSpPr>
-          <p:cNvPr id="5" name="Text Placeholder 4">
-            <a:extLst>
-              <a:ext uri="{FF2B5EF4-FFF2-40B4-BE49-F238E27FC236}">
-                <a16:creationId xmlns:a16="http://schemas.microsoft.com/office/drawing/2014/main" id="{D345F433-827A-4CD7-A130-B3CC6A5AB3CA}"/>
-              </a:ext>
-            </a:extLst>
-          </p:cNvPr>
+            <a:endParaRPr lang="en-US" dirty="0"/>
+          </a:p>
+        </p:txBody>
+      </p:sp>
+      <p:sp>
+        <p:nvSpPr>
+          <p:cNvPr id="5" name="Text Placeholder 4"/>
           <p:cNvSpPr>
             <a:spLocks noGrp="1"/>
           </p:cNvSpPr>
@@ -1690,16 +5311,25 @@
         </p:nvSpPr>
         <p:spPr>
           <a:xfrm>
-            <a:off x="6172200" y="1681163"/>
-            <a:ext cx="5183188" cy="823912"/>
+            <a:off x="6396423" y="2371018"/>
+            <a:ext cx="4881804" cy="679994"/>
           </a:xfrm>
         </p:spPr>
         <p:txBody>
-          <a:bodyPr anchor="b"/>
+          <a:bodyPr anchor="b">
+            <a:noAutofit/>
+          </a:bodyPr>
           <a:lstStyle>
             <a:lvl1pPr marL="0" indent="0">
-              <a:buNone/>
-              <a:defRPr sz="2400" b="1"/>
+              <a:lnSpc>
+                <a:spcPct val="85000"/>
+              </a:lnSpc>
+              <a:buNone/>
+              <a:defRPr sz="2600" b="0">
+                <a:solidFill>
+                  <a:schemeClr val="tx1"/>
+                </a:solidFill>
+              </a:defRPr>
             </a:lvl1pPr>
             <a:lvl2pPr marL="457200" indent="0">
               <a:buNone/>
@@ -1745,24 +5375,18 @@
       </p:sp>
       <p:sp>
         <p:nvSpPr>
-          <p:cNvPr id="6" name="Content Placeholder 5">
-            <a:extLst>
-              <a:ext uri="{FF2B5EF4-FFF2-40B4-BE49-F238E27FC236}">
-                <a16:creationId xmlns:a16="http://schemas.microsoft.com/office/drawing/2014/main" id="{82DC64AB-F9EB-4C9D-A1C4-C315EAE396B4}"/>
-              </a:ext>
-            </a:extLst>
-          </p:cNvPr>
-          <p:cNvSpPr>
-            <a:spLocks noGrp="1"/>
-          </p:cNvSpPr>
-          <p:nvPr>
-            <p:ph sz="quarter" idx="4"/>
+          <p:cNvPr id="13" name="Content Placeholder 5"/>
+          <p:cNvSpPr>
+            <a:spLocks noGrp="1"/>
+          </p:cNvSpPr>
+          <p:nvPr>
+            <p:ph sz="quarter" idx="14"/>
           </p:nvPr>
         </p:nvSpPr>
         <p:spPr>
           <a:xfrm>
-            <a:off x="6172200" y="2505075"/>
-            <a:ext cx="5183188" cy="3684588"/>
+            <a:off x="6172200" y="3051012"/>
+            <a:ext cx="5105401" cy="2740187"/>
           </a:xfrm>
         </p:spPr>
         <p:txBody>
@@ -1802,18 +5426,13 @@
               <a:rPr lang="en-US"/>
               <a:t>Fifth level</a:t>
             </a:r>
-          </a:p>
-        </p:txBody>
-      </p:sp>
-      <p:sp>
-        <p:nvSpPr>
-          <p:cNvPr id="7" name="Date Placeholder 6">
-            <a:extLst>
-              <a:ext uri="{FF2B5EF4-FFF2-40B4-BE49-F238E27FC236}">
-                <a16:creationId xmlns:a16="http://schemas.microsoft.com/office/drawing/2014/main" id="{487EEF2E-4915-4582-8B23-7457BBC0037F}"/>
-              </a:ext>
-            </a:extLst>
-          </p:cNvPr>
+            <a:endParaRPr lang="en-US" dirty="0"/>
+          </a:p>
+        </p:txBody>
+      </p:sp>
+      <p:sp>
+        <p:nvSpPr>
+          <p:cNvPr id="7" name="Date Placeholder 6"/>
           <p:cNvSpPr>
             <a:spLocks noGrp="1"/>
           </p:cNvSpPr>
@@ -1828,7 +5447,7 @@
           <a:p>
             <a:fld id="{C38E463A-FA1D-459A-8470-3C19B0DC4D67}" type="datetimeFigureOut">
               <a:rPr lang="en-US" smtClean="0"/>
-              <a:t>12/10/2021</a:t>
+              <a:t>12/16/2021</a:t>
             </a:fld>
             <a:endParaRPr lang="en-US"/>
           </a:p>
@@ -1836,13 +5455,7 @@
       </p:sp>
       <p:sp>
         <p:nvSpPr>
-          <p:cNvPr id="8" name="Footer Placeholder 7">
-            <a:extLst>
-              <a:ext uri="{FF2B5EF4-FFF2-40B4-BE49-F238E27FC236}">
-                <a16:creationId xmlns:a16="http://schemas.microsoft.com/office/drawing/2014/main" id="{AAE41500-413C-4857-AA77-EB78CD046D5A}"/>
-              </a:ext>
-            </a:extLst>
-          </p:cNvPr>
+          <p:cNvPr id="8" name="Footer Placeholder 7"/>
           <p:cNvSpPr>
             <a:spLocks noGrp="1"/>
           </p:cNvSpPr>
@@ -1861,13 +5474,7 @@
       </p:sp>
       <p:sp>
         <p:nvSpPr>
-          <p:cNvPr id="9" name="Slide Number Placeholder 8">
-            <a:extLst>
-              <a:ext uri="{FF2B5EF4-FFF2-40B4-BE49-F238E27FC236}">
-                <a16:creationId xmlns:a16="http://schemas.microsoft.com/office/drawing/2014/main" id="{1F9D80A6-64C7-4909-AF47-9B1B24BA7FFA}"/>
-              </a:ext>
-            </a:extLst>
-          </p:cNvPr>
+          <p:cNvPr id="9" name="Slide Number Placeholder 8"/>
           <p:cNvSpPr>
             <a:spLocks noGrp="1"/>
           </p:cNvSpPr>
@@ -1891,7 +5498,7 @@
     </p:spTree>
     <p:extLst>
       <p:ext uri="{BB962C8B-B14F-4D97-AF65-F5344CB8AC3E}">
-        <p14:creationId xmlns:p14="http://schemas.microsoft.com/office/powerpoint/2010/main" val="1254715077"/>
+        <p14:creationId xmlns:p14="http://schemas.microsoft.com/office/powerpoint/2010/main" val="2630154626"/>
       </p:ext>
     </p:extLst>
   </p:cSld>
@@ -1918,15 +5525,39 @@
           <a:chExt cx="0" cy="0"/>
         </a:xfrm>
       </p:grpSpPr>
-      <p:sp>
-        <p:nvSpPr>
-          <p:cNvPr id="2" name="Title 1">
+      <p:pic>
+        <p:nvPicPr>
+          <p:cNvPr id="8" name="Picture 7" descr="Droplets-HD-Content-R1d.png"/>
+          <p:cNvPicPr>
+            <a:picLocks noChangeAspect="1"/>
+          </p:cNvPicPr>
+          <p:nvPr/>
+        </p:nvPicPr>
+        <p:blipFill>
+          <a:blip r:embed="rId2">
             <a:extLst>
-              <a:ext uri="{FF2B5EF4-FFF2-40B4-BE49-F238E27FC236}">
-                <a16:creationId xmlns:a16="http://schemas.microsoft.com/office/drawing/2014/main" id="{2F09C970-E61F-4849-B51B-183373CD2E90}"/>
+              <a:ext uri="{28A0092B-C50C-407E-A947-70E740481C1C}">
+                <a14:useLocalDpi xmlns:a14="http://schemas.microsoft.com/office/drawing/2010/main" val="0"/>
               </a:ext>
             </a:extLst>
-          </p:cNvPr>
+          </a:blip>
+          <a:stretch>
+            <a:fillRect/>
+          </a:stretch>
+        </p:blipFill>
+        <p:spPr>
+          <a:xfrm>
+            <a:off x="0" y="0"/>
+            <a:ext cx="12192000" cy="6858000"/>
+          </a:xfrm>
+          <a:prstGeom prst="rect">
+            <a:avLst/>
+          </a:prstGeom>
+        </p:spPr>
+      </p:pic>
+      <p:sp>
+        <p:nvSpPr>
+          <p:cNvPr id="2" name="Title 1"/>
           <p:cNvSpPr>
             <a:spLocks noGrp="1"/>
           </p:cNvSpPr>
@@ -1943,18 +5574,13 @@
               <a:rPr lang="en-US"/>
               <a:t>Click to edit Master title style</a:t>
             </a:r>
-          </a:p>
-        </p:txBody>
-      </p:sp>
-      <p:sp>
-        <p:nvSpPr>
-          <p:cNvPr id="3" name="Date Placeholder 2">
-            <a:extLst>
-              <a:ext uri="{FF2B5EF4-FFF2-40B4-BE49-F238E27FC236}">
-                <a16:creationId xmlns:a16="http://schemas.microsoft.com/office/drawing/2014/main" id="{553C95B2-CAD4-44B8-B3DB-BF5F3441EB7D}"/>
-              </a:ext>
-            </a:extLst>
-          </p:cNvPr>
+            <a:endParaRPr lang="en-US" dirty="0"/>
+          </a:p>
+        </p:txBody>
+      </p:sp>
+      <p:sp>
+        <p:nvSpPr>
+          <p:cNvPr id="3" name="Date Placeholder 2"/>
           <p:cNvSpPr>
             <a:spLocks noGrp="1"/>
           </p:cNvSpPr>
@@ -1969,7 +5595,7 @@
           <a:p>
             <a:fld id="{C38E463A-FA1D-459A-8470-3C19B0DC4D67}" type="datetimeFigureOut">
               <a:rPr lang="en-US" smtClean="0"/>
-              <a:t>12/10/2021</a:t>
+              <a:t>12/16/2021</a:t>
             </a:fld>
             <a:endParaRPr lang="en-US"/>
           </a:p>
@@ -1977,13 +5603,7 @@
       </p:sp>
       <p:sp>
         <p:nvSpPr>
-          <p:cNvPr id="4" name="Footer Placeholder 3">
-            <a:extLst>
-              <a:ext uri="{FF2B5EF4-FFF2-40B4-BE49-F238E27FC236}">
-                <a16:creationId xmlns:a16="http://schemas.microsoft.com/office/drawing/2014/main" id="{4B018696-8DB2-4460-A75A-4324F9E83B68}"/>
-              </a:ext>
-            </a:extLst>
-          </p:cNvPr>
+          <p:cNvPr id="4" name="Footer Placeholder 3"/>
           <p:cNvSpPr>
             <a:spLocks noGrp="1"/>
           </p:cNvSpPr>
@@ -2002,13 +5622,7 @@
       </p:sp>
       <p:sp>
         <p:nvSpPr>
-          <p:cNvPr id="5" name="Slide Number Placeholder 4">
-            <a:extLst>
-              <a:ext uri="{FF2B5EF4-FFF2-40B4-BE49-F238E27FC236}">
-                <a16:creationId xmlns:a16="http://schemas.microsoft.com/office/drawing/2014/main" id="{EC5CE740-B1E5-43FC-A2A8-F5669630F78E}"/>
-              </a:ext>
-            </a:extLst>
-          </p:cNvPr>
+          <p:cNvPr id="5" name="Slide Number Placeholder 4"/>
           <p:cNvSpPr>
             <a:spLocks noGrp="1"/>
           </p:cNvSpPr>
@@ -2032,7 +5646,7 @@
     </p:spTree>
     <p:extLst>
       <p:ext uri="{BB962C8B-B14F-4D97-AF65-F5344CB8AC3E}">
-        <p14:creationId xmlns:p14="http://schemas.microsoft.com/office/powerpoint/2010/main" val="3540179543"/>
+        <p14:creationId xmlns:p14="http://schemas.microsoft.com/office/powerpoint/2010/main" val="2878646335"/>
       </p:ext>
     </p:extLst>
   </p:cSld>
@@ -2059,15 +5673,39 @@
           <a:chExt cx="0" cy="0"/>
         </a:xfrm>
       </p:grpSpPr>
-      <p:sp>
-        <p:nvSpPr>
-          <p:cNvPr id="2" name="Date Placeholder 1">
+      <p:pic>
+        <p:nvPicPr>
+          <p:cNvPr id="7" name="Picture 6" descr="Droplets-HD-Content-R1d.png"/>
+          <p:cNvPicPr>
+            <a:picLocks noChangeAspect="1"/>
+          </p:cNvPicPr>
+          <p:nvPr/>
+        </p:nvPicPr>
+        <p:blipFill>
+          <a:blip r:embed="rId2">
             <a:extLst>
-              <a:ext uri="{FF2B5EF4-FFF2-40B4-BE49-F238E27FC236}">
-                <a16:creationId xmlns:a16="http://schemas.microsoft.com/office/drawing/2014/main" id="{AA4D3761-BDAE-4795-AA79-163C142C1336}"/>
+              <a:ext uri="{28A0092B-C50C-407E-A947-70E740481C1C}">
+                <a14:useLocalDpi xmlns:a14="http://schemas.microsoft.com/office/drawing/2010/main" val="0"/>
               </a:ext>
             </a:extLst>
-          </p:cNvPr>
+          </a:blip>
+          <a:stretch>
+            <a:fillRect/>
+          </a:stretch>
+        </p:blipFill>
+        <p:spPr>
+          <a:xfrm>
+            <a:off x="0" y="0"/>
+            <a:ext cx="12192000" cy="6858000"/>
+          </a:xfrm>
+          <a:prstGeom prst="rect">
+            <a:avLst/>
+          </a:prstGeom>
+        </p:spPr>
+      </p:pic>
+      <p:sp>
+        <p:nvSpPr>
+          <p:cNvPr id="2" name="Date Placeholder 1"/>
           <p:cNvSpPr>
             <a:spLocks noGrp="1"/>
           </p:cNvSpPr>
@@ -2082,7 +5720,7 @@
           <a:p>
             <a:fld id="{C38E463A-FA1D-459A-8470-3C19B0DC4D67}" type="datetimeFigureOut">
               <a:rPr lang="en-US" smtClean="0"/>
-              <a:t>12/10/2021</a:t>
+              <a:t>12/16/2021</a:t>
             </a:fld>
             <a:endParaRPr lang="en-US"/>
           </a:p>
@@ -2090,13 +5728,7 @@
       </p:sp>
       <p:sp>
         <p:nvSpPr>
-          <p:cNvPr id="3" name="Footer Placeholder 2">
-            <a:extLst>
-              <a:ext uri="{FF2B5EF4-FFF2-40B4-BE49-F238E27FC236}">
-                <a16:creationId xmlns:a16="http://schemas.microsoft.com/office/drawing/2014/main" id="{D883912D-411B-4040-89DD-32AB367ECDF5}"/>
-              </a:ext>
-            </a:extLst>
-          </p:cNvPr>
+          <p:cNvPr id="3" name="Footer Placeholder 2"/>
           <p:cNvSpPr>
             <a:spLocks noGrp="1"/>
           </p:cNvSpPr>
@@ -2115,13 +5747,7 @@
       </p:sp>
       <p:sp>
         <p:nvSpPr>
-          <p:cNvPr id="4" name="Slide Number Placeholder 3">
-            <a:extLst>
-              <a:ext uri="{FF2B5EF4-FFF2-40B4-BE49-F238E27FC236}">
-                <a16:creationId xmlns:a16="http://schemas.microsoft.com/office/drawing/2014/main" id="{18AF9036-0A08-4F51-AE24-993819B82FD7}"/>
-              </a:ext>
-            </a:extLst>
-          </p:cNvPr>
+          <p:cNvPr id="4" name="Slide Number Placeholder 3"/>
           <p:cNvSpPr>
             <a:spLocks noGrp="1"/>
           </p:cNvSpPr>
@@ -2145,7 +5771,7 @@
     </p:spTree>
     <p:extLst>
       <p:ext uri="{BB962C8B-B14F-4D97-AF65-F5344CB8AC3E}">
-        <p14:creationId xmlns:p14="http://schemas.microsoft.com/office/powerpoint/2010/main" val="3275039588"/>
+        <p14:creationId xmlns:p14="http://schemas.microsoft.com/office/powerpoint/2010/main" val="2650308580"/>
       </p:ext>
     </p:extLst>
   </p:cSld>
@@ -2172,32 +5798,56 @@
           <a:chExt cx="0" cy="0"/>
         </a:xfrm>
       </p:grpSpPr>
-      <p:sp>
-        <p:nvSpPr>
-          <p:cNvPr id="2" name="Title 1">
+      <p:pic>
+        <p:nvPicPr>
+          <p:cNvPr id="11" name="Picture 10" descr="Droplets-HD-Content-R1d.png"/>
+          <p:cNvPicPr>
+            <a:picLocks noChangeAspect="1"/>
+          </p:cNvPicPr>
+          <p:nvPr/>
+        </p:nvPicPr>
+        <p:blipFill>
+          <a:blip r:embed="rId2">
             <a:extLst>
-              <a:ext uri="{FF2B5EF4-FFF2-40B4-BE49-F238E27FC236}">
-                <a16:creationId xmlns:a16="http://schemas.microsoft.com/office/drawing/2014/main" id="{76AA881D-F5E2-47D4-BB7E-0F797F871480}"/>
+              <a:ext uri="{28A0092B-C50C-407E-A947-70E740481C1C}">
+                <a14:useLocalDpi xmlns:a14="http://schemas.microsoft.com/office/drawing/2010/main" val="0"/>
               </a:ext>
             </a:extLst>
-          </p:cNvPr>
-          <p:cNvSpPr>
-            <a:spLocks noGrp="1"/>
-          </p:cNvSpPr>
-          <p:nvPr>
-            <p:ph type="title"/>
-          </p:nvPr>
-        </p:nvSpPr>
+          </a:blip>
+          <a:stretch>
+            <a:fillRect/>
+          </a:stretch>
+        </p:blipFill>
         <p:spPr>
           <a:xfrm>
-            <a:off x="839788" y="457200"/>
-            <a:ext cx="3932237" cy="1600200"/>
+            <a:off x="0" y="0"/>
+            <a:ext cx="12192000" cy="6858000"/>
+          </a:xfrm>
+          <a:prstGeom prst="rect">
+            <a:avLst/>
+          </a:prstGeom>
+        </p:spPr>
+      </p:pic>
+      <p:sp>
+        <p:nvSpPr>
+          <p:cNvPr id="2" name="Title 1"/>
+          <p:cNvSpPr>
+            <a:spLocks noGrp="1"/>
+          </p:cNvSpPr>
+          <p:nvPr>
+            <p:ph type="title"/>
+          </p:nvPr>
+        </p:nvSpPr>
+        <p:spPr>
+          <a:xfrm>
+            <a:off x="913775" y="609600"/>
+            <a:ext cx="3935688" cy="2023252"/>
           </a:xfrm>
         </p:spPr>
         <p:txBody>
           <a:bodyPr anchor="b"/>
           <a:lstStyle>
-            <a:lvl1pPr>
+            <a:lvl1pPr algn="ctr">
               <a:defRPr sz="3200"/>
             </a:lvl1pPr>
           </a:lstStyle>
@@ -2206,62 +5856,29 @@
               <a:rPr lang="en-US"/>
               <a:t>Click to edit Master title style</a:t>
             </a:r>
-          </a:p>
-        </p:txBody>
-      </p:sp>
-      <p:sp>
-        <p:nvSpPr>
-          <p:cNvPr id="3" name="Content Placeholder 2">
-            <a:extLst>
-              <a:ext uri="{FF2B5EF4-FFF2-40B4-BE49-F238E27FC236}">
-                <a16:creationId xmlns:a16="http://schemas.microsoft.com/office/drawing/2014/main" id="{9F8FE85F-0176-4EBC-9956-D9B6E46978C7}"/>
-              </a:ext>
-            </a:extLst>
-          </p:cNvPr>
-          <p:cNvSpPr>
-            <a:spLocks noGrp="1"/>
-          </p:cNvSpPr>
-          <p:nvPr>
-            <p:ph idx="1"/>
+            <a:endParaRPr lang="en-US" dirty="0"/>
+          </a:p>
+        </p:txBody>
+      </p:sp>
+      <p:sp>
+        <p:nvSpPr>
+          <p:cNvPr id="10" name="Content Placeholder 2"/>
+          <p:cNvSpPr>
+            <a:spLocks noGrp="1"/>
+          </p:cNvSpPr>
+          <p:nvPr>
+            <p:ph sz="quarter" idx="13"/>
           </p:nvPr>
         </p:nvSpPr>
         <p:spPr>
           <a:xfrm>
-            <a:off x="5183188" y="987425"/>
-            <a:ext cx="6172200" cy="4873625"/>
+            <a:off x="5078062" y="609600"/>
+            <a:ext cx="6200163" cy="5181599"/>
           </a:xfrm>
         </p:spPr>
         <p:txBody>
           <a:bodyPr/>
-          <a:lstStyle>
-            <a:lvl1pPr>
-              <a:defRPr sz="3200"/>
-            </a:lvl1pPr>
-            <a:lvl2pPr>
-              <a:defRPr sz="2800"/>
-            </a:lvl2pPr>
-            <a:lvl3pPr>
-              <a:defRPr sz="2400"/>
-            </a:lvl3pPr>
-            <a:lvl4pPr>
-              <a:defRPr sz="2000"/>
-            </a:lvl4pPr>
-            <a:lvl5pPr>
-              <a:defRPr sz="2000"/>
-            </a:lvl5pPr>
-            <a:lvl6pPr>
-              <a:defRPr sz="2000"/>
-            </a:lvl6pPr>
-            <a:lvl7pPr>
-              <a:defRPr sz="2000"/>
-            </a:lvl7pPr>
-            <a:lvl8pPr>
-              <a:defRPr sz="2000"/>
-            </a:lvl8pPr>
-            <a:lvl9pPr>
-              <a:defRPr sz="2000"/>
-            </a:lvl9pPr>
-          </a:lstStyle>
+          <a:lstStyle/>
           <a:p>
             <a:pPr lvl="0"/>
             <a:r>
@@ -2296,18 +5913,13 @@
               <a:rPr lang="en-US"/>
               <a:t>Fifth level</a:t>
             </a:r>
-          </a:p>
-        </p:txBody>
-      </p:sp>
-      <p:sp>
-        <p:nvSpPr>
-          <p:cNvPr id="4" name="Text Placeholder 3">
-            <a:extLst>
-              <a:ext uri="{FF2B5EF4-FFF2-40B4-BE49-F238E27FC236}">
-                <a16:creationId xmlns:a16="http://schemas.microsoft.com/office/drawing/2014/main" id="{8CD3AF33-8D59-4B88-9DDE-E25FBB5D9D8B}"/>
-              </a:ext>
-            </a:extLst>
-          </p:cNvPr>
+            <a:endParaRPr lang="en-US" dirty="0"/>
+          </a:p>
+        </p:txBody>
+      </p:sp>
+      <p:sp>
+        <p:nvSpPr>
+          <p:cNvPr id="4" name="Text Placeholder 3"/>
           <p:cNvSpPr>
             <a:spLocks noGrp="1"/>
           </p:cNvSpPr>
@@ -2317,14 +5929,14 @@
         </p:nvSpPr>
         <p:spPr>
           <a:xfrm>
-            <a:off x="839788" y="2057400"/>
-            <a:ext cx="3932237" cy="3811588"/>
+            <a:off x="913774" y="2632852"/>
+            <a:ext cx="3935689" cy="3158348"/>
           </a:xfrm>
         </p:spPr>
         <p:txBody>
           <a:bodyPr/>
           <a:lstStyle>
-            <a:lvl1pPr marL="0" indent="0">
+            <a:lvl1pPr marL="0" indent="0" algn="ctr">
               <a:buNone/>
               <a:defRPr sz="1600"/>
             </a:lvl1pPr>
@@ -2372,13 +5984,7 @@
       </p:sp>
       <p:sp>
         <p:nvSpPr>
-          <p:cNvPr id="5" name="Date Placeholder 4">
-            <a:extLst>
-              <a:ext uri="{FF2B5EF4-FFF2-40B4-BE49-F238E27FC236}">
-                <a16:creationId xmlns:a16="http://schemas.microsoft.com/office/drawing/2014/main" id="{3D00DA03-09EF-4FEB-A8BE-10BEF441DEF1}"/>
-              </a:ext>
-            </a:extLst>
-          </p:cNvPr>
+          <p:cNvPr id="5" name="Date Placeholder 4"/>
           <p:cNvSpPr>
             <a:spLocks noGrp="1"/>
           </p:cNvSpPr>
@@ -2393,7 +5999,7 @@
           <a:p>
             <a:fld id="{C38E463A-FA1D-459A-8470-3C19B0DC4D67}" type="datetimeFigureOut">
               <a:rPr lang="en-US" smtClean="0"/>
-              <a:t>12/10/2021</a:t>
+              <a:t>12/16/2021</a:t>
             </a:fld>
             <a:endParaRPr lang="en-US"/>
           </a:p>
@@ -2401,13 +6007,7 @@
       </p:sp>
       <p:sp>
         <p:nvSpPr>
-          <p:cNvPr id="6" name="Footer Placeholder 5">
-            <a:extLst>
-              <a:ext uri="{FF2B5EF4-FFF2-40B4-BE49-F238E27FC236}">
-                <a16:creationId xmlns:a16="http://schemas.microsoft.com/office/drawing/2014/main" id="{3F8228D6-7E2B-4F61-8F02-6AE11756B792}"/>
-              </a:ext>
-            </a:extLst>
-          </p:cNvPr>
+          <p:cNvPr id="6" name="Footer Placeholder 5"/>
           <p:cNvSpPr>
             <a:spLocks noGrp="1"/>
           </p:cNvSpPr>
@@ -2426,13 +6026,7 @@
       </p:sp>
       <p:sp>
         <p:nvSpPr>
-          <p:cNvPr id="7" name="Slide Number Placeholder 6">
-            <a:extLst>
-              <a:ext uri="{FF2B5EF4-FFF2-40B4-BE49-F238E27FC236}">
-                <a16:creationId xmlns:a16="http://schemas.microsoft.com/office/drawing/2014/main" id="{37582214-0BE6-446E-B3AC-A99ABE87BC5A}"/>
-              </a:ext>
-            </a:extLst>
-          </p:cNvPr>
+          <p:cNvPr id="7" name="Slide Number Placeholder 6"/>
           <p:cNvSpPr>
             <a:spLocks noGrp="1"/>
           </p:cNvSpPr>
@@ -2456,7 +6050,7 @@
     </p:spTree>
     <p:extLst>
       <p:ext uri="{BB962C8B-B14F-4D97-AF65-F5344CB8AC3E}">
-        <p14:creationId xmlns:p14="http://schemas.microsoft.com/office/powerpoint/2010/main" val="2050990515"/>
+        <p14:creationId xmlns:p14="http://schemas.microsoft.com/office/powerpoint/2010/main" val="423902938"/>
       </p:ext>
     </p:extLst>
   </p:cSld>
@@ -2483,32 +6077,56 @@
           <a:chExt cx="0" cy="0"/>
         </a:xfrm>
       </p:grpSpPr>
-      <p:sp>
-        <p:nvSpPr>
-          <p:cNvPr id="2" name="Title 1">
+      <p:pic>
+        <p:nvPicPr>
+          <p:cNvPr id="10" name="Picture 9" descr="Droplets-HD-Content-R1d.png"/>
+          <p:cNvPicPr>
+            <a:picLocks noChangeAspect="1"/>
+          </p:cNvPicPr>
+          <p:nvPr/>
+        </p:nvPicPr>
+        <p:blipFill>
+          <a:blip r:embed="rId2">
             <a:extLst>
-              <a:ext uri="{FF2B5EF4-FFF2-40B4-BE49-F238E27FC236}">
-                <a16:creationId xmlns:a16="http://schemas.microsoft.com/office/drawing/2014/main" id="{CE2D58B9-9229-4D63-A9CC-7DEFF1B4C8A6}"/>
+              <a:ext uri="{28A0092B-C50C-407E-A947-70E740481C1C}">
+                <a14:useLocalDpi xmlns:a14="http://schemas.microsoft.com/office/drawing/2010/main" val="0"/>
               </a:ext>
             </a:extLst>
-          </p:cNvPr>
-          <p:cNvSpPr>
-            <a:spLocks noGrp="1"/>
-          </p:cNvSpPr>
-          <p:nvPr>
-            <p:ph type="title"/>
-          </p:nvPr>
-        </p:nvSpPr>
+          </a:blip>
+          <a:stretch>
+            <a:fillRect/>
+          </a:stretch>
+        </p:blipFill>
         <p:spPr>
           <a:xfrm>
-            <a:off x="839788" y="457200"/>
-            <a:ext cx="3932237" cy="1600200"/>
+            <a:off x="0" y="0"/>
+            <a:ext cx="12192000" cy="6858000"/>
+          </a:xfrm>
+          <a:prstGeom prst="rect">
+            <a:avLst/>
+          </a:prstGeom>
+        </p:spPr>
+      </p:pic>
+      <p:sp>
+        <p:nvSpPr>
+          <p:cNvPr id="2" name="Title 1"/>
+          <p:cNvSpPr>
+            <a:spLocks noGrp="1"/>
+          </p:cNvSpPr>
+          <p:nvPr>
+            <p:ph type="title"/>
+          </p:nvPr>
+        </p:nvSpPr>
+        <p:spPr>
+          <a:xfrm>
+            <a:off x="913774" y="609600"/>
+            <a:ext cx="5934969" cy="2023254"/>
           </a:xfrm>
         </p:spPr>
         <p:txBody>
           <a:bodyPr anchor="b"/>
           <a:lstStyle>
-            <a:lvl1pPr>
+            <a:lvl1pPr algn="ctr">
               <a:defRPr sz="3200"/>
             </a:lvl1pPr>
           </a:lstStyle>
@@ -2517,20 +6135,15 @@
               <a:rPr lang="en-US"/>
               <a:t>Click to edit Master title style</a:t>
             </a:r>
-          </a:p>
-        </p:txBody>
-      </p:sp>
-      <p:sp>
-        <p:nvSpPr>
-          <p:cNvPr id="3" name="Picture Placeholder 2">
-            <a:extLst>
-              <a:ext uri="{FF2B5EF4-FFF2-40B4-BE49-F238E27FC236}">
-                <a16:creationId xmlns:a16="http://schemas.microsoft.com/office/drawing/2014/main" id="{EABA77CF-1F7C-4141-A550-F71D98F44C65}"/>
-              </a:ext>
-            </a:extLst>
-          </p:cNvPr>
-          <p:cNvSpPr>
-            <a:spLocks noGrp="1"/>
+            <a:endParaRPr lang="en-US" dirty="0"/>
+          </a:p>
+        </p:txBody>
+      </p:sp>
+      <p:sp>
+        <p:nvSpPr>
+          <p:cNvPr id="3" name="Picture Placeholder 2"/>
+          <p:cNvSpPr>
+            <a:spLocks noGrp="1" noChangeAspect="1"/>
           </p:cNvSpPr>
           <p:nvPr>
             <p:ph type="pic" idx="1"/>
@@ -2538,12 +6151,37 @@
         </p:nvSpPr>
         <p:spPr>
           <a:xfrm>
-            <a:off x="5183188" y="987425"/>
-            <a:ext cx="6172200" cy="4873625"/>
+            <a:off x="7424803" y="609601"/>
+            <a:ext cx="3255358" cy="5181600"/>
           </a:xfrm>
+          <a:prstGeom prst="roundRect">
+            <a:avLst>
+              <a:gd name="adj" fmla="val 4943"/>
+            </a:avLst>
+          </a:prstGeom>
+          <a:noFill/>
+          <a:ln w="82550" cap="sq">
+            <a:solidFill>
+              <a:srgbClr val="EAEAEA"/>
+            </a:solidFill>
+            <a:miter lim="800000"/>
+          </a:ln>
+          <a:effectLst/>
+          <a:scene3d>
+            <a:camera prst="orthographicFront"/>
+            <a:lightRig rig="threePt" dir="t">
+              <a:rot lat="0" lon="0" rev="2700000"/>
+            </a:lightRig>
+          </a:scene3d>
+          <a:sp3d contourW="6350">
+            <a:bevelT h="38100"/>
+            <a:contourClr>
+              <a:srgbClr val="C0C0C0"/>
+            </a:contourClr>
+          </a:sp3d>
         </p:spPr>
         <p:txBody>
-          <a:bodyPr/>
+          <a:bodyPr anchor="t"/>
           <a:lstStyle>
             <a:lvl1pPr marL="0" indent="0">
               <a:buNone/>
@@ -2583,19 +6221,17 @@
             </a:lvl9pPr>
           </a:lstStyle>
           <a:p>
-            <a:endParaRPr lang="en-US"/>
-          </a:p>
-        </p:txBody>
-      </p:sp>
-      <p:sp>
-        <p:nvSpPr>
-          <p:cNvPr id="4" name="Text Placeholder 3">
-            <a:extLst>
-              <a:ext uri="{FF2B5EF4-FFF2-40B4-BE49-F238E27FC236}">
-                <a16:creationId xmlns:a16="http://schemas.microsoft.com/office/drawing/2014/main" id="{BCDB7343-25D8-433A-9B1F-2F7898976D23}"/>
-              </a:ext>
-            </a:extLst>
-          </p:cNvPr>
+            <a:r>
+              <a:rPr lang="en-US"/>
+              <a:t>Click icon to add picture</a:t>
+            </a:r>
+            <a:endParaRPr lang="en-US" dirty="0"/>
+          </a:p>
+        </p:txBody>
+      </p:sp>
+      <p:sp>
+        <p:nvSpPr>
+          <p:cNvPr id="4" name="Text Placeholder 3"/>
           <p:cNvSpPr>
             <a:spLocks noGrp="1"/>
           </p:cNvSpPr>
@@ -2605,14 +6241,14 @@
         </p:nvSpPr>
         <p:spPr>
           <a:xfrm>
-            <a:off x="839788" y="2057400"/>
-            <a:ext cx="3932237" cy="3811588"/>
+            <a:off x="913794" y="2632852"/>
+            <a:ext cx="5934949" cy="3158347"/>
           </a:xfrm>
         </p:spPr>
         <p:txBody>
           <a:bodyPr/>
           <a:lstStyle>
-            <a:lvl1pPr marL="0" indent="0">
+            <a:lvl1pPr marL="0" indent="0" algn="ctr">
               <a:buNone/>
               <a:defRPr sz="1600"/>
             </a:lvl1pPr>
@@ -2660,13 +6296,7 @@
       </p:sp>
       <p:sp>
         <p:nvSpPr>
-          <p:cNvPr id="5" name="Date Placeholder 4">
-            <a:extLst>
-              <a:ext uri="{FF2B5EF4-FFF2-40B4-BE49-F238E27FC236}">
-                <a16:creationId xmlns:a16="http://schemas.microsoft.com/office/drawing/2014/main" id="{BC75DE0E-E2A5-4700-83C1-9A338DB7B587}"/>
-              </a:ext>
-            </a:extLst>
-          </p:cNvPr>
+          <p:cNvPr id="5" name="Date Placeholder 4"/>
           <p:cNvSpPr>
             <a:spLocks noGrp="1"/>
           </p:cNvSpPr>
@@ -2681,7 +6311,7 @@
           <a:p>
             <a:fld id="{C38E463A-FA1D-459A-8470-3C19B0DC4D67}" type="datetimeFigureOut">
               <a:rPr lang="en-US" smtClean="0"/>
-              <a:t>12/10/2021</a:t>
+              <a:t>12/16/2021</a:t>
             </a:fld>
             <a:endParaRPr lang="en-US"/>
           </a:p>
@@ -2689,13 +6319,7 @@
       </p:sp>
       <p:sp>
         <p:nvSpPr>
-          <p:cNvPr id="6" name="Footer Placeholder 5">
-            <a:extLst>
-              <a:ext uri="{FF2B5EF4-FFF2-40B4-BE49-F238E27FC236}">
-                <a16:creationId xmlns:a16="http://schemas.microsoft.com/office/drawing/2014/main" id="{F5BAA410-5C21-4312-B39D-7E2BEBEA8334}"/>
-              </a:ext>
-            </a:extLst>
-          </p:cNvPr>
+          <p:cNvPr id="6" name="Footer Placeholder 5"/>
           <p:cNvSpPr>
             <a:spLocks noGrp="1"/>
           </p:cNvSpPr>
@@ -2714,13 +6338,7 @@
       </p:sp>
       <p:sp>
         <p:nvSpPr>
-          <p:cNvPr id="7" name="Slide Number Placeholder 6">
-            <a:extLst>
-              <a:ext uri="{FF2B5EF4-FFF2-40B4-BE49-F238E27FC236}">
-                <a16:creationId xmlns:a16="http://schemas.microsoft.com/office/drawing/2014/main" id="{15959988-0A73-41A8-9D1B-0A9DAB231CAD}"/>
-              </a:ext>
-            </a:extLst>
-          </p:cNvPr>
+          <p:cNvPr id="7" name="Slide Number Placeholder 6"/>
           <p:cNvSpPr>
             <a:spLocks noGrp="1"/>
           </p:cNvSpPr>
@@ -2744,7 +6362,7 @@
     </p:spTree>
     <p:extLst>
       <p:ext uri="{BB962C8B-B14F-4D97-AF65-F5344CB8AC3E}">
-        <p14:creationId xmlns:p14="http://schemas.microsoft.com/office/powerpoint/2010/main" val="4030818896"/>
+        <p14:creationId xmlns:p14="http://schemas.microsoft.com/office/powerpoint/2010/main" val="3053277902"/>
       </p:ext>
     </p:extLst>
   </p:cSld>
@@ -2758,7 +6376,7 @@
 <p:sldMaster xmlns:a="http://schemas.openxmlformats.org/drawingml/2006/main" xmlns:r="http://schemas.openxmlformats.org/officeDocument/2006/relationships" xmlns:p="http://schemas.openxmlformats.org/presentationml/2006/main">
   <p:cSld>
     <p:bg>
-      <p:bgRef idx="1001">
+      <p:bgRef idx="1002">
         <a:schemeClr val="bg1"/>
       </p:bgRef>
     </p:bg>
@@ -2776,15 +6394,51 @@
           <a:chExt cx="0" cy="0"/>
         </a:xfrm>
       </p:grpSpPr>
-      <p:sp>
-        <p:nvSpPr>
-          <p:cNvPr id="2" name="Title Placeholder 1">
+      <p:pic>
+        <p:nvPicPr>
+          <p:cNvPr id="1026" name="Picture 2" descr="\\DROBO-FS\QuickDrops\JB\PPTX NG\Droplets\LightingOverlay.png"/>
+          <p:cNvPicPr>
+            <a:picLocks noChangeAspect="1" noChangeArrowheads="1"/>
+          </p:cNvPicPr>
+          <p:nvPr/>
+        </p:nvPicPr>
+        <p:blipFill>
+          <a:blip r:embed="rId21">
+            <a:alphaModFix/>
             <a:extLst>
-              <a:ext uri="{FF2B5EF4-FFF2-40B4-BE49-F238E27FC236}">
-                <a16:creationId xmlns:a16="http://schemas.microsoft.com/office/drawing/2014/main" id="{8A11C6FB-5F21-4375-A758-BC6C32F5E0E4}"/>
+              <a:ext uri="{28A0092B-C50C-407E-A947-70E740481C1C}">
+                <a14:useLocalDpi xmlns:a14="http://schemas.microsoft.com/office/drawing/2010/main" val="0"/>
               </a:ext>
             </a:extLst>
-          </p:cNvPr>
+          </a:blip>
+          <a:srcRect/>
+          <a:stretch>
+            <a:fillRect/>
+          </a:stretch>
+        </p:blipFill>
+        <p:spPr bwMode="auto">
+          <a:xfrm>
+            <a:off x="0" y="-1"/>
+            <a:ext cx="12192003" cy="6858001"/>
+          </a:xfrm>
+          <a:prstGeom prst="rect">
+            <a:avLst/>
+          </a:prstGeom>
+          <a:noFill/>
+          <a:extLst>
+            <a:ext uri="{909E8E84-426E-40DD-AFC4-6F175D3DCCD1}">
+              <a14:hiddenFill xmlns:a14="http://schemas.microsoft.com/office/drawing/2010/main">
+                <a:solidFill>
+                  <a:srgbClr val="FFFFFF"/>
+                </a:solidFill>
+              </a14:hiddenFill>
+            </a:ext>
+          </a:extLst>
+        </p:spPr>
+      </p:pic>
+      <p:sp>
+        <p:nvSpPr>
+          <p:cNvPr id="2" name="Title Placeholder 1"/>
           <p:cNvSpPr>
             <a:spLocks noGrp="1"/>
           </p:cNvSpPr>
@@ -2794,8 +6448,8 @@
         </p:nvSpPr>
         <p:spPr>
           <a:xfrm>
-            <a:off x="838200" y="365125"/>
-            <a:ext cx="10515600" cy="1325563"/>
+            <a:off x="913775" y="618517"/>
+            <a:ext cx="10364451" cy="1596177"/>
           </a:xfrm>
           <a:prstGeom prst="rect">
             <a:avLst/>
@@ -2811,18 +6465,13 @@
               <a:rPr lang="en-US"/>
               <a:t>Click to edit Master title style</a:t>
             </a:r>
-          </a:p>
-        </p:txBody>
-      </p:sp>
-      <p:sp>
-        <p:nvSpPr>
-          <p:cNvPr id="3" name="Text Placeholder 2">
-            <a:extLst>
-              <a:ext uri="{FF2B5EF4-FFF2-40B4-BE49-F238E27FC236}">
-                <a16:creationId xmlns:a16="http://schemas.microsoft.com/office/drawing/2014/main" id="{3AB743BA-6F6F-404D-AEE2-DEBCFE51C3FE}"/>
-              </a:ext>
-            </a:extLst>
-          </p:cNvPr>
+            <a:endParaRPr lang="en-US" dirty="0"/>
+          </a:p>
+        </p:txBody>
+      </p:sp>
+      <p:sp>
+        <p:nvSpPr>
+          <p:cNvPr id="3" name="Text Placeholder 2"/>
           <p:cNvSpPr>
             <a:spLocks noGrp="1"/>
           </p:cNvSpPr>
@@ -2832,8 +6481,8 @@
         </p:nvSpPr>
         <p:spPr>
           <a:xfrm>
-            <a:off x="838200" y="1825625"/>
-            <a:ext cx="10515600" cy="4351338"/>
+            <a:off x="913775" y="2367093"/>
+            <a:ext cx="10364452" cy="3424107"/>
           </a:xfrm>
           <a:prstGeom prst="rect">
             <a:avLst/>
@@ -2878,18 +6527,13 @@
               <a:rPr lang="en-US"/>
               <a:t>Fifth level</a:t>
             </a:r>
-          </a:p>
-        </p:txBody>
-      </p:sp>
-      <p:sp>
-        <p:nvSpPr>
-          <p:cNvPr id="4" name="Date Placeholder 3">
-            <a:extLst>
-              <a:ext uri="{FF2B5EF4-FFF2-40B4-BE49-F238E27FC236}">
-                <a16:creationId xmlns:a16="http://schemas.microsoft.com/office/drawing/2014/main" id="{E55FBF30-CB2A-4923-A918-61C0E792F0C3}"/>
-              </a:ext>
-            </a:extLst>
-          </p:cNvPr>
+            <a:endParaRPr lang="en-US" dirty="0"/>
+          </a:p>
+        </p:txBody>
+      </p:sp>
+      <p:sp>
+        <p:nvSpPr>
+          <p:cNvPr id="4" name="Date Placeholder 3"/>
           <p:cNvSpPr>
             <a:spLocks noGrp="1"/>
           </p:cNvSpPr>
@@ -2899,7 +6543,7 @@
         </p:nvSpPr>
         <p:spPr>
           <a:xfrm>
-            <a:off x="838200" y="6356350"/>
+            <a:off x="7678737" y="5883275"/>
             <a:ext cx="2743200" cy="365125"/>
           </a:xfrm>
           <a:prstGeom prst="rect">
@@ -2909,12 +6553,10 @@
         <p:txBody>
           <a:bodyPr vert="horz" lIns="91440" tIns="45720" rIns="91440" bIns="45720" rtlCol="0" anchor="ctr"/>
           <a:lstStyle>
-            <a:lvl1pPr algn="l">
-              <a:defRPr sz="1200">
+            <a:lvl1pPr algn="r">
+              <a:defRPr sz="1000">
                 <a:solidFill>
-                  <a:schemeClr val="tx1">
-                    <a:tint val="75000"/>
-                  </a:schemeClr>
+                  <a:schemeClr val="tx1"/>
                 </a:solidFill>
               </a:defRPr>
             </a:lvl1pPr>
@@ -2922,7 +6564,7 @@
           <a:p>
             <a:fld id="{C38E463A-FA1D-459A-8470-3C19B0DC4D67}" type="datetimeFigureOut">
               <a:rPr lang="en-US" smtClean="0"/>
-              <a:t>12/10/2021</a:t>
+              <a:t>12/16/2021</a:t>
             </a:fld>
             <a:endParaRPr lang="en-US"/>
           </a:p>
@@ -2930,13 +6572,7 @@
       </p:sp>
       <p:sp>
         <p:nvSpPr>
-          <p:cNvPr id="5" name="Footer Placeholder 4">
-            <a:extLst>
-              <a:ext uri="{FF2B5EF4-FFF2-40B4-BE49-F238E27FC236}">
-                <a16:creationId xmlns:a16="http://schemas.microsoft.com/office/drawing/2014/main" id="{32B2665C-06D0-49C8-9367-F85590E24095}"/>
-              </a:ext>
-            </a:extLst>
-          </p:cNvPr>
+          <p:cNvPr id="5" name="Footer Placeholder 4"/>
           <p:cNvSpPr>
             <a:spLocks noGrp="1"/>
           </p:cNvSpPr>
@@ -2946,8 +6582,8 @@
         </p:nvSpPr>
         <p:spPr>
           <a:xfrm>
-            <a:off x="4038600" y="6356350"/>
-            <a:ext cx="4114800" cy="365125"/>
+            <a:off x="913774" y="5883275"/>
+            <a:ext cx="6672887" cy="365125"/>
           </a:xfrm>
           <a:prstGeom prst="rect">
             <a:avLst/>
@@ -2956,12 +6592,10 @@
         <p:txBody>
           <a:bodyPr vert="horz" lIns="91440" tIns="45720" rIns="91440" bIns="45720" rtlCol="0" anchor="ctr"/>
           <a:lstStyle>
-            <a:lvl1pPr algn="ctr">
-              <a:defRPr sz="1200">
+            <a:lvl1pPr algn="l">
+              <a:defRPr sz="1000">
                 <a:solidFill>
-                  <a:schemeClr val="tx1">
-                    <a:tint val="75000"/>
-                  </a:schemeClr>
+                  <a:schemeClr val="tx1"/>
                 </a:solidFill>
               </a:defRPr>
             </a:lvl1pPr>
@@ -2973,13 +6607,7 @@
       </p:sp>
       <p:sp>
         <p:nvSpPr>
-          <p:cNvPr id="6" name="Slide Number Placeholder 5">
-            <a:extLst>
-              <a:ext uri="{FF2B5EF4-FFF2-40B4-BE49-F238E27FC236}">
-                <a16:creationId xmlns:a16="http://schemas.microsoft.com/office/drawing/2014/main" id="{8B59D818-FD58-41B6-92BB-200ABFB720AE}"/>
-              </a:ext>
-            </a:extLst>
-          </p:cNvPr>
+          <p:cNvPr id="6" name="Slide Number Placeholder 5"/>
           <p:cNvSpPr>
             <a:spLocks noGrp="1"/>
           </p:cNvSpPr>
@@ -2989,8 +6617,8 @@
         </p:nvSpPr>
         <p:spPr>
           <a:xfrm>
-            <a:off x="8610600" y="6356350"/>
-            <a:ext cx="2743200" cy="365125"/>
+            <a:off x="10514011" y="5883275"/>
+            <a:ext cx="764215" cy="365125"/>
           </a:xfrm>
           <a:prstGeom prst="rect">
             <a:avLst/>
@@ -3000,11 +6628,9 @@
           <a:bodyPr vert="horz" lIns="91440" tIns="45720" rIns="91440" bIns="45720" rtlCol="0" anchor="ctr"/>
           <a:lstStyle>
             <a:lvl1pPr algn="r">
-              <a:defRPr sz="1200">
+              <a:defRPr sz="1000">
                 <a:solidFill>
-                  <a:schemeClr val="tx1">
-                    <a:tint val="75000"/>
-                  </a:schemeClr>
+                  <a:schemeClr val="tx1"/>
                 </a:solidFill>
               </a:defRPr>
             </a:lvl1pPr>
@@ -3021,27 +6647,35 @@
     </p:spTree>
     <p:extLst>
       <p:ext uri="{BB962C8B-B14F-4D97-AF65-F5344CB8AC3E}">
-        <p14:creationId xmlns:p14="http://schemas.microsoft.com/office/powerpoint/2010/main" val="4019930657"/>
+        <p14:creationId xmlns:p14="http://schemas.microsoft.com/office/powerpoint/2010/main" val="1848800426"/>
       </p:ext>
     </p:extLst>
   </p:cSld>
   <p:clrMap bg1="lt1" tx1="dk1" bg2="lt2" tx2="dk2" accent1="accent1" accent2="accent2" accent3="accent3" accent4="accent4" accent5="accent5" accent6="accent6" hlink="hlink" folHlink="folHlink"/>
   <p:sldLayoutIdLst>
-    <p:sldLayoutId id="2147483649" r:id="rId1"/>
-    <p:sldLayoutId id="2147483650" r:id="rId2"/>
-    <p:sldLayoutId id="2147483651" r:id="rId3"/>
-    <p:sldLayoutId id="2147483652" r:id="rId4"/>
-    <p:sldLayoutId id="2147483653" r:id="rId5"/>
-    <p:sldLayoutId id="2147483654" r:id="rId6"/>
-    <p:sldLayoutId id="2147483655" r:id="rId7"/>
-    <p:sldLayoutId id="2147483656" r:id="rId8"/>
-    <p:sldLayoutId id="2147483657" r:id="rId9"/>
-    <p:sldLayoutId id="2147483658" r:id="rId10"/>
-    <p:sldLayoutId id="2147483659" r:id="rId11"/>
+    <p:sldLayoutId id="2147483702" r:id="rId1"/>
+    <p:sldLayoutId id="2147483703" r:id="rId2"/>
+    <p:sldLayoutId id="2147483704" r:id="rId3"/>
+    <p:sldLayoutId id="2147483705" r:id="rId4"/>
+    <p:sldLayoutId id="2147483706" r:id="rId5"/>
+    <p:sldLayoutId id="2147483707" r:id="rId6"/>
+    <p:sldLayoutId id="2147483708" r:id="rId7"/>
+    <p:sldLayoutId id="2147483709" r:id="rId8"/>
+    <p:sldLayoutId id="2147483710" r:id="rId9"/>
+    <p:sldLayoutId id="2147483711" r:id="rId10"/>
+    <p:sldLayoutId id="2147483712" r:id="rId11"/>
+    <p:sldLayoutId id="2147483713" r:id="rId12"/>
+    <p:sldLayoutId id="2147483714" r:id="rId13"/>
+    <p:sldLayoutId id="2147483715" r:id="rId14"/>
+    <p:sldLayoutId id="2147483716" r:id="rId15"/>
+    <p:sldLayoutId id="2147483717" r:id="rId16"/>
+    <p:sldLayoutId id="2147483718" r:id="rId17"/>
+    <p:sldLayoutId id="2147483719" r:id="rId18"/>
+    <p:sldLayoutId id="2147483720" r:id="rId19"/>
   </p:sldLayoutIdLst>
   <p:txStyles>
     <p:titleStyle>
-      <a:lvl1pPr algn="l" defTabSz="914400" rtl="0" eaLnBrk="1" latinLnBrk="0" hangingPunct="1">
+      <a:lvl1pPr algn="ctr" defTabSz="914400" rtl="0" eaLnBrk="1" latinLnBrk="0" hangingPunct="1">
         <a:lnSpc>
           <a:spcPct val="90000"/>
         </a:lnSpc>
@@ -3049,10 +6683,11 @@
           <a:spcPct val="0"/>
         </a:spcBef>
         <a:buNone/>
-        <a:defRPr sz="4400" kern="1200">
+        <a:defRPr sz="3600" kern="1200" cap="all" baseline="0">
           <a:solidFill>
             <a:schemeClr val="tx1"/>
           </a:solidFill>
+          <a:effectLst/>
           <a:latin typeface="+mj-lt"/>
           <a:ea typeface="+mj-ea"/>
           <a:cs typeface="+mj-cs"/>
@@ -3062,17 +6697,21 @@
     <p:bodyStyle>
       <a:lvl1pPr marL="228600" indent="-228600" algn="l" defTabSz="914400" rtl="0" eaLnBrk="1" latinLnBrk="0" hangingPunct="1">
         <a:lnSpc>
-          <a:spcPct val="90000"/>
+          <a:spcPct val="120000"/>
         </a:lnSpc>
         <a:spcBef>
           <a:spcPts val="1000"/>
         </a:spcBef>
+        <a:buClr>
+          <a:schemeClr val="tx1"/>
+        </a:buClr>
         <a:buFont typeface="Arial" panose="020B0604020202020204" pitchFamily="34" charset="0"/>
         <a:buChar char="•"/>
-        <a:defRPr sz="2800" kern="1200">
+        <a:defRPr sz="2000" kern="1200" cap="all" baseline="0">
           <a:solidFill>
             <a:schemeClr val="tx1"/>
           </a:solidFill>
+          <a:effectLst/>
           <a:latin typeface="+mn-lt"/>
           <a:ea typeface="+mn-ea"/>
           <a:cs typeface="+mn-cs"/>
@@ -3080,17 +6719,21 @@
       </a:lvl1pPr>
       <a:lvl2pPr marL="685800" indent="-228600" algn="l" defTabSz="914400" rtl="0" eaLnBrk="1" latinLnBrk="0" hangingPunct="1">
         <a:lnSpc>
-          <a:spcPct val="90000"/>
+          <a:spcPct val="120000"/>
         </a:lnSpc>
         <a:spcBef>
           <a:spcPts val="500"/>
         </a:spcBef>
+        <a:buClr>
+          <a:schemeClr val="tx1"/>
+        </a:buClr>
         <a:buFont typeface="Arial" panose="020B0604020202020204" pitchFamily="34" charset="0"/>
         <a:buChar char="•"/>
-        <a:defRPr sz="2400" kern="1200">
+        <a:defRPr sz="1800" kern="1200" cap="all" baseline="0">
           <a:solidFill>
             <a:schemeClr val="tx1"/>
           </a:solidFill>
+          <a:effectLst/>
           <a:latin typeface="+mn-lt"/>
           <a:ea typeface="+mn-ea"/>
           <a:cs typeface="+mn-cs"/>
@@ -3098,17 +6741,21 @@
       </a:lvl2pPr>
       <a:lvl3pPr marL="1143000" indent="-228600" algn="l" defTabSz="914400" rtl="0" eaLnBrk="1" latinLnBrk="0" hangingPunct="1">
         <a:lnSpc>
-          <a:spcPct val="90000"/>
+          <a:spcPct val="120000"/>
         </a:lnSpc>
         <a:spcBef>
           <a:spcPts val="500"/>
         </a:spcBef>
+        <a:buClr>
+          <a:schemeClr val="tx1"/>
+        </a:buClr>
         <a:buFont typeface="Arial" panose="020B0604020202020204" pitchFamily="34" charset="0"/>
         <a:buChar char="•"/>
-        <a:defRPr sz="2000" kern="1200">
+        <a:defRPr sz="1600" kern="1200" cap="all" baseline="0">
           <a:solidFill>
             <a:schemeClr val="tx1"/>
           </a:solidFill>
+          <a:effectLst/>
           <a:latin typeface="+mn-lt"/>
           <a:ea typeface="+mn-ea"/>
           <a:cs typeface="+mn-cs"/>
@@ -3116,17 +6763,21 @@
       </a:lvl3pPr>
       <a:lvl4pPr marL="1600200" indent="-228600" algn="l" defTabSz="914400" rtl="0" eaLnBrk="1" latinLnBrk="0" hangingPunct="1">
         <a:lnSpc>
-          <a:spcPct val="90000"/>
+          <a:spcPct val="120000"/>
         </a:lnSpc>
         <a:spcBef>
           <a:spcPts val="500"/>
         </a:spcBef>
+        <a:buClr>
+          <a:schemeClr val="tx1"/>
+        </a:buClr>
         <a:buFont typeface="Arial" panose="020B0604020202020204" pitchFamily="34" charset="0"/>
         <a:buChar char="•"/>
-        <a:defRPr sz="1800" kern="1200">
+        <a:defRPr sz="1400" kern="1200" cap="all" baseline="0">
           <a:solidFill>
             <a:schemeClr val="tx1"/>
           </a:solidFill>
+          <a:effectLst/>
           <a:latin typeface="+mn-lt"/>
           <a:ea typeface="+mn-ea"/>
           <a:cs typeface="+mn-cs"/>
@@ -3134,17 +6785,21 @@
       </a:lvl4pPr>
       <a:lvl5pPr marL="2057400" indent="-228600" algn="l" defTabSz="914400" rtl="0" eaLnBrk="1" latinLnBrk="0" hangingPunct="1">
         <a:lnSpc>
-          <a:spcPct val="90000"/>
+          <a:spcPct val="120000"/>
         </a:lnSpc>
         <a:spcBef>
           <a:spcPts val="500"/>
         </a:spcBef>
+        <a:buClr>
+          <a:schemeClr val="tx1"/>
+        </a:buClr>
         <a:buFont typeface="Arial" panose="020B0604020202020204" pitchFamily="34" charset="0"/>
         <a:buChar char="•"/>
-        <a:defRPr sz="1800" kern="1200">
+        <a:defRPr sz="1400" kern="1200" cap="all" baseline="0">
           <a:solidFill>
             <a:schemeClr val="tx1"/>
           </a:solidFill>
+          <a:effectLst/>
           <a:latin typeface="+mn-lt"/>
           <a:ea typeface="+mn-ea"/>
           <a:cs typeface="+mn-cs"/>
@@ -3152,17 +6807,21 @@
       </a:lvl5pPr>
       <a:lvl6pPr marL="2514600" indent="-228600" algn="l" defTabSz="914400" rtl="0" eaLnBrk="1" latinLnBrk="0" hangingPunct="1">
         <a:lnSpc>
-          <a:spcPct val="90000"/>
+          <a:spcPct val="120000"/>
         </a:lnSpc>
         <a:spcBef>
           <a:spcPts val="500"/>
         </a:spcBef>
+        <a:buClr>
+          <a:schemeClr val="tx1"/>
+        </a:buClr>
         <a:buFont typeface="Arial" panose="020B0604020202020204" pitchFamily="34" charset="0"/>
         <a:buChar char="•"/>
-        <a:defRPr sz="1800" kern="1200">
+        <a:defRPr sz="1400" kern="1200" cap="all" baseline="0">
           <a:solidFill>
             <a:schemeClr val="tx1"/>
           </a:solidFill>
+          <a:effectLst/>
           <a:latin typeface="+mn-lt"/>
           <a:ea typeface="+mn-ea"/>
           <a:cs typeface="+mn-cs"/>
@@ -3170,17 +6829,21 @@
       </a:lvl6pPr>
       <a:lvl7pPr marL="2971800" indent="-228600" algn="l" defTabSz="914400" rtl="0" eaLnBrk="1" latinLnBrk="0" hangingPunct="1">
         <a:lnSpc>
-          <a:spcPct val="90000"/>
+          <a:spcPct val="120000"/>
         </a:lnSpc>
         <a:spcBef>
           <a:spcPts val="500"/>
         </a:spcBef>
+        <a:buClr>
+          <a:schemeClr val="tx1"/>
+        </a:buClr>
         <a:buFont typeface="Arial" panose="020B0604020202020204" pitchFamily="34" charset="0"/>
         <a:buChar char="•"/>
-        <a:defRPr sz="1800" kern="1200">
+        <a:defRPr sz="1400" kern="1200" cap="all" baseline="0">
           <a:solidFill>
             <a:schemeClr val="tx1"/>
           </a:solidFill>
+          <a:effectLst/>
           <a:latin typeface="+mn-lt"/>
           <a:ea typeface="+mn-ea"/>
           <a:cs typeface="+mn-cs"/>
@@ -3188,17 +6851,21 @@
       </a:lvl7pPr>
       <a:lvl8pPr marL="3429000" indent="-228600" algn="l" defTabSz="914400" rtl="0" eaLnBrk="1" latinLnBrk="0" hangingPunct="1">
         <a:lnSpc>
-          <a:spcPct val="90000"/>
+          <a:spcPct val="120000"/>
         </a:lnSpc>
         <a:spcBef>
           <a:spcPts val="500"/>
         </a:spcBef>
+        <a:buClr>
+          <a:schemeClr val="tx1"/>
+        </a:buClr>
         <a:buFont typeface="Arial" panose="020B0604020202020204" pitchFamily="34" charset="0"/>
         <a:buChar char="•"/>
-        <a:defRPr sz="1800" kern="1200">
+        <a:defRPr sz="1400" kern="1200" cap="all" baseline="0">
           <a:solidFill>
             <a:schemeClr val="tx1"/>
           </a:solidFill>
+          <a:effectLst/>
           <a:latin typeface="+mn-lt"/>
           <a:ea typeface="+mn-ea"/>
           <a:cs typeface="+mn-cs"/>
@@ -3206,17 +6873,21 @@
       </a:lvl8pPr>
       <a:lvl9pPr marL="3886200" indent="-228600" algn="l" defTabSz="914400" rtl="0" eaLnBrk="1" latinLnBrk="0" hangingPunct="1">
         <a:lnSpc>
-          <a:spcPct val="90000"/>
+          <a:spcPct val="120000"/>
         </a:lnSpc>
         <a:spcBef>
           <a:spcPts val="500"/>
         </a:spcBef>
+        <a:buClr>
+          <a:schemeClr val="tx1"/>
+        </a:buClr>
         <a:buFont typeface="Arial" panose="020B0604020202020204" pitchFamily="34" charset="0"/>
         <a:buChar char="•"/>
-        <a:defRPr sz="1800" kern="1200">
+        <a:defRPr sz="1400" kern="1200" cap="all" baseline="0">
           <a:solidFill>
             <a:schemeClr val="tx1"/>
           </a:solidFill>
+          <a:effectLst/>
           <a:latin typeface="+mn-lt"/>
           <a:ea typeface="+mn-ea"/>
           <a:cs typeface="+mn-cs"/>
@@ -3385,7 +7056,9 @@
         </p:nvSpPr>
         <p:spPr/>
         <p:txBody>
-          <a:bodyPr/>
+          <a:bodyPr>
+            <a:normAutofit fontScale="92500" lnSpcReduction="10000"/>
+          </a:bodyPr>
           <a:lstStyle/>
           <a:p>
             <a:r>
@@ -3442,7 +7115,7 @@
           <p:cNvPr id="2" name="Title 1">
             <a:extLst>
               <a:ext uri="{FF2B5EF4-FFF2-40B4-BE49-F238E27FC236}">
-                <a16:creationId xmlns:a16="http://schemas.microsoft.com/office/drawing/2014/main" id="{FC4F3D7B-552E-4A9B-81CA-C38556A1C88D}"/>
+                <a16:creationId xmlns:a16="http://schemas.microsoft.com/office/drawing/2014/main" id="{D9A762EE-9C82-4854-8334-6E90167270B4}"/>
               </a:ext>
             </a:extLst>
           </p:cNvPr>
@@ -3460,7 +7133,7 @@
           <a:p>
             <a:r>
               <a:rPr lang="en-US" dirty="0"/>
-              <a:t>Extractive Models</a:t>
+              <a:t>Abstractive Models</a:t>
             </a:r>
           </a:p>
         </p:txBody>
@@ -3470,7 +7143,7 @@
           <p:cNvPr id="3" name="Text Placeholder 2">
             <a:extLst>
               <a:ext uri="{FF2B5EF4-FFF2-40B4-BE49-F238E27FC236}">
-                <a16:creationId xmlns:a16="http://schemas.microsoft.com/office/drawing/2014/main" id="{8D4B2305-3495-48D8-9345-147AE6C09DC4}"/>
+                <a16:creationId xmlns:a16="http://schemas.microsoft.com/office/drawing/2014/main" id="{6C7966EA-E5D8-40FB-AE18-7E1C25A64AFF}"/>
               </a:ext>
             </a:extLst>
           </p:cNvPr>
@@ -3486,14 +7159,14 @@
           <a:bodyPr/>
           <a:lstStyle/>
           <a:p>
-            <a:endParaRPr lang="en-US" dirty="0"/>
+            <a:endParaRPr lang="en-US"/>
           </a:p>
         </p:txBody>
       </p:sp>
     </p:spTree>
     <p:extLst>
       <p:ext uri="{BB962C8B-B14F-4D97-AF65-F5344CB8AC3E}">
-        <p14:creationId xmlns:p14="http://schemas.microsoft.com/office/powerpoint/2010/main" val="2032518012"/>
+        <p14:creationId xmlns:p14="http://schemas.microsoft.com/office/powerpoint/2010/main" val="2480305071"/>
       </p:ext>
     </p:extLst>
   </p:cSld>
@@ -3525,7 +7198,7 @@
           <p:cNvPr id="2" name="Title 1">
             <a:extLst>
               <a:ext uri="{FF2B5EF4-FFF2-40B4-BE49-F238E27FC236}">
-                <a16:creationId xmlns:a16="http://schemas.microsoft.com/office/drawing/2014/main" id="{AAEEC537-2106-49DD-967A-35B1672B0621}"/>
+                <a16:creationId xmlns:a16="http://schemas.microsoft.com/office/drawing/2014/main" id="{620FA70D-CCFF-4019-99F3-66F507CBDCEE}"/>
               </a:ext>
             </a:extLst>
           </p:cNvPr>
@@ -3543,7 +7216,7 @@
           <a:p>
             <a:r>
               <a:rPr lang="en-US" dirty="0"/>
-              <a:t>Spacy</a:t>
+              <a:t>Encoder-Decoder Seq2Seq RNN (walkthrough)</a:t>
             </a:r>
           </a:p>
         </p:txBody>
@@ -3553,7 +7226,7 @@
           <p:cNvPr id="3" name="Content Placeholder 2">
             <a:extLst>
               <a:ext uri="{FF2B5EF4-FFF2-40B4-BE49-F238E27FC236}">
-                <a16:creationId xmlns:a16="http://schemas.microsoft.com/office/drawing/2014/main" id="{86CD833E-38EC-4A93-801A-BEEA5BE5A214}"/>
+                <a16:creationId xmlns:a16="http://schemas.microsoft.com/office/drawing/2014/main" id="{21442FDA-9177-42B3-B8CF-FBFB4D58747E}"/>
               </a:ext>
             </a:extLst>
           </p:cNvPr>
@@ -3566,17 +7239,63 @@
         </p:nvSpPr>
         <p:spPr/>
         <p:txBody>
-          <a:bodyPr/>
-          <a:lstStyle/>
-          <a:p>
-            <a:endParaRPr lang="en-US" dirty="0"/>
+          <a:bodyPr>
+            <a:normAutofit fontScale="85000" lnSpcReduction="20000"/>
+          </a:bodyPr>
+          <a:lstStyle/>
+          <a:p>
+            <a:r>
+              <a:rPr lang="en-US" u="sng" dirty="0"/>
+              <a:t>RNNs</a:t>
+            </a:r>
+            <a:r>
+              <a:rPr lang="en-US" dirty="0"/>
+              <a:t> usually have fixed size input and output vectors. This is obviously quite undesirable for machine translation. </a:t>
+            </a:r>
+          </a:p>
+          <a:p>
+            <a:r>
+              <a:rPr lang="en-US" u="sng" dirty="0"/>
+              <a:t>Seq2Seq</a:t>
+            </a:r>
+            <a:r>
+              <a:rPr lang="en-US" dirty="0"/>
+              <a:t> models can help us solve this problem. How? </a:t>
+            </a:r>
+          </a:p>
+          <a:p>
+            <a:pPr lvl="1"/>
+            <a:r>
+              <a:rPr lang="en-US" dirty="0"/>
+              <a:t>Because the fixed size output vector generated by the encoder need not be the same size as the input vector given to the decoder. </a:t>
+            </a:r>
+          </a:p>
+          <a:p>
+            <a:pPr lvl="1"/>
+            <a:r>
+              <a:rPr lang="en-US" dirty="0"/>
+              <a:t>It can be passed in whole or can be connected to the hidden units of the decoder unit at every time step.</a:t>
+            </a:r>
+          </a:p>
+          <a:p>
+            <a:r>
+              <a:rPr lang="en-US" dirty="0"/>
+              <a:t>our model has an encoder that accepts the pre-processed Plot and Overview, trains the model to create an encoded representation, and sends it to a decoder which decodes the encoded representation into a reliable summary. </a:t>
+            </a:r>
+          </a:p>
+          <a:p>
+            <a:pPr lvl="1"/>
+            <a:r>
+              <a:rPr lang="en-US" dirty="0"/>
+              <a:t>With more and more training, the model can be used to perform inference on new texts to generate new summaries.</a:t>
+            </a:r>
           </a:p>
         </p:txBody>
       </p:sp>
     </p:spTree>
     <p:extLst>
       <p:ext uri="{BB962C8B-B14F-4D97-AF65-F5344CB8AC3E}">
-        <p14:creationId xmlns:p14="http://schemas.microsoft.com/office/powerpoint/2010/main" val="2168984934"/>
+        <p14:creationId xmlns:p14="http://schemas.microsoft.com/office/powerpoint/2010/main" val="1830035468"/>
       </p:ext>
     </p:extLst>
   </p:cSld>
@@ -3608,7 +7327,7 @@
           <p:cNvPr id="2" name="Title 1">
             <a:extLst>
               <a:ext uri="{FF2B5EF4-FFF2-40B4-BE49-F238E27FC236}">
-                <a16:creationId xmlns:a16="http://schemas.microsoft.com/office/drawing/2014/main" id="{1AFE4ABF-3D17-4CE2-97B6-123BBC4D1CE5}"/>
+                <a16:creationId xmlns:a16="http://schemas.microsoft.com/office/drawing/2014/main" id="{A69C329A-4469-4897-84A2-A25A81396445}"/>
               </a:ext>
             </a:extLst>
           </p:cNvPr>
@@ -3626,7 +7345,7 @@
           <a:p>
             <a:r>
               <a:rPr lang="en-US" dirty="0"/>
-              <a:t>LSA</a:t>
+              <a:t>Transformers library (pre-trained)</a:t>
             </a:r>
           </a:p>
         </p:txBody>
@@ -3636,7 +7355,7 @@
           <p:cNvPr id="3" name="Content Placeholder 2">
             <a:extLst>
               <a:ext uri="{FF2B5EF4-FFF2-40B4-BE49-F238E27FC236}">
-                <a16:creationId xmlns:a16="http://schemas.microsoft.com/office/drawing/2014/main" id="{708ECF49-8E04-4E10-A303-EACC5A25C666}"/>
+                <a16:creationId xmlns:a16="http://schemas.microsoft.com/office/drawing/2014/main" id="{0615E290-9F6F-4922-BC13-AF4A2BA10E52}"/>
               </a:ext>
             </a:extLst>
           </p:cNvPr>
@@ -3649,17 +7368,87 @@
         </p:nvSpPr>
         <p:spPr/>
         <p:txBody>
-          <a:bodyPr/>
-          <a:lstStyle/>
-          <a:p>
-            <a:endParaRPr lang="en-US" dirty="0"/>
+          <a:bodyPr>
+            <a:normAutofit lnSpcReduction="10000"/>
+          </a:bodyPr>
+          <a:lstStyle/>
+          <a:p>
+            <a:r>
+              <a:rPr lang="en-US" dirty="0"/>
+              <a:t>Transformers represented a huge step up in text summarization</a:t>
+            </a:r>
+          </a:p>
+          <a:p>
+            <a:r>
+              <a:rPr lang="en-US" dirty="0"/>
+              <a:t>The biggest benefit comes from how the transformer lends itself to </a:t>
+            </a:r>
+            <a:r>
+              <a:rPr lang="en-US" u="sng" dirty="0"/>
+              <a:t>parallelization</a:t>
+            </a:r>
+            <a:r>
+              <a:rPr lang="en-US" dirty="0"/>
+              <a:t>. </a:t>
+            </a:r>
+          </a:p>
+          <a:p>
+            <a:pPr lvl="1"/>
+            <a:r>
+              <a:rPr lang="en-US" dirty="0"/>
+              <a:t>Unlike RNNs, transformers do not require the sequential data to be processed in order. </a:t>
+            </a:r>
+          </a:p>
+          <a:p>
+            <a:pPr lvl="1"/>
+            <a:r>
+              <a:rPr lang="en-US" dirty="0"/>
+              <a:t>This, among other things, drastically reduces training times.</a:t>
+            </a:r>
+          </a:p>
+          <a:p>
+            <a:r>
+              <a:rPr lang="en-US" dirty="0"/>
+              <a:t>We will look at 2 implementations of transformers from the </a:t>
+            </a:r>
+            <a:r>
+              <a:rPr lang="en-US" dirty="0" err="1"/>
+              <a:t>hugginngface's</a:t>
+            </a:r>
+            <a:r>
+              <a:rPr lang="en-US" dirty="0"/>
+              <a:t> transformers library, </a:t>
+            </a:r>
+            <a:r>
+              <a:rPr lang="en-US" u="sng" dirty="0"/>
+              <a:t>T5</a:t>
+            </a:r>
+            <a:r>
+              <a:rPr lang="en-US" dirty="0"/>
+              <a:t> and </a:t>
+            </a:r>
+            <a:r>
+              <a:rPr lang="en-US" u="sng" dirty="0"/>
+              <a:t>Bart</a:t>
+            </a:r>
+            <a:r>
+              <a:rPr lang="en-US" dirty="0"/>
+              <a:t>. </a:t>
+            </a:r>
+          </a:p>
+          <a:p>
+            <a:pPr lvl="1"/>
+            <a:r>
+              <a:rPr lang="en-US" dirty="0"/>
+              <a:t>Each is a pre-trained model with its own architecture and weights.</a:t>
+            </a:r>
           </a:p>
         </p:txBody>
       </p:sp>
     </p:spTree>
     <p:extLst>
       <p:ext uri="{BB962C8B-B14F-4D97-AF65-F5344CB8AC3E}">
-        <p14:creationId xmlns:p14="http://schemas.microsoft.com/office/powerpoint/2010/main" val="214737213"/>
+        <p14:creationId xmlns:p14="http://schemas.microsoft.com/office/powerpoint/2010/main" val="1317374768"/>
       </p:ext>
     </p:extLst>
   </p:cSld>
@@ -3691,7 +7480,7 @@
           <p:cNvPr id="2" name="Title 1">
             <a:extLst>
               <a:ext uri="{FF2B5EF4-FFF2-40B4-BE49-F238E27FC236}">
-                <a16:creationId xmlns:a16="http://schemas.microsoft.com/office/drawing/2014/main" id="{DE51A7DA-8EB4-40DF-B07B-8A643BB60CD7}"/>
+                <a16:creationId xmlns:a16="http://schemas.microsoft.com/office/drawing/2014/main" id="{DA378520-2FA5-47FD-AB22-B83D45D8B9D4}"/>
               </a:ext>
             </a:extLst>
           </p:cNvPr>
@@ -3708,10 +7497,9 @@
           <a:lstStyle/>
           <a:p>
             <a:r>
-              <a:rPr lang="en-US" dirty="0" err="1"/>
-              <a:t>Luhn</a:t>
-            </a:r>
-            <a:endParaRPr lang="en-US" dirty="0"/>
+              <a:rPr lang="en-US" dirty="0"/>
+              <a:t>Transformers library (pre-trained)</a:t>
+            </a:r>
           </a:p>
         </p:txBody>
       </p:sp>
@@ -3720,7 +7508,7 @@
           <p:cNvPr id="3" name="Content Placeholder 2">
             <a:extLst>
               <a:ext uri="{FF2B5EF4-FFF2-40B4-BE49-F238E27FC236}">
-                <a16:creationId xmlns:a16="http://schemas.microsoft.com/office/drawing/2014/main" id="{EDE8D370-F2F3-4D9D-BEA2-71FA98046D3E}"/>
+                <a16:creationId xmlns:a16="http://schemas.microsoft.com/office/drawing/2014/main" id="{B3A2EE77-FA9C-4B37-BBC5-8145F6AB00E1}"/>
               </a:ext>
             </a:extLst>
           </p:cNvPr>
@@ -3733,17 +7521,99 @@
         </p:nvSpPr>
         <p:spPr/>
         <p:txBody>
-          <a:bodyPr/>
-          <a:lstStyle/>
-          <a:p>
-            <a:endParaRPr lang="en-US" dirty="0"/>
+          <a:bodyPr>
+            <a:normAutofit fontScale="77500" lnSpcReduction="20000"/>
+          </a:bodyPr>
+          <a:lstStyle/>
+          <a:p>
+            <a:r>
+              <a:rPr lang="en-US" b="1" u="sng" dirty="0"/>
+              <a:t>T5</a:t>
+            </a:r>
+          </a:p>
+          <a:p>
+            <a:pPr lvl="1"/>
+            <a:r>
+              <a:rPr lang="en-US" dirty="0"/>
+              <a:t>T5 is pre-trained on a multi-task mixture of unsupervised and supervised tasks and for which each task is converted into a text-to-text format.</a:t>
+            </a:r>
+          </a:p>
+          <a:p>
+            <a:pPr lvl="1"/>
+            <a:r>
+              <a:rPr lang="en-US" dirty="0"/>
+              <a:t>It uses relative scalar embeddings and encoder input padding can be done on the left and the right.</a:t>
+            </a:r>
+          </a:p>
+          <a:p>
+            <a:r>
+              <a:rPr lang="en-US" b="1" u="sng" dirty="0"/>
+              <a:t>BART</a:t>
+            </a:r>
+          </a:p>
+          <a:p>
+            <a:pPr lvl="1"/>
+            <a:r>
+              <a:rPr lang="en-US" dirty="0"/>
+              <a:t>BART is a denoising autoencoder for pre-training seq2seq models.</a:t>
+            </a:r>
+          </a:p>
+          <a:p>
+            <a:pPr lvl="1"/>
+            <a:r>
+              <a:rPr lang="en-US" dirty="0"/>
+              <a:t>uses both BERT (bidirectional encoder) and GPT (left to the right decoder) architecture.</a:t>
+            </a:r>
+          </a:p>
+          <a:p>
+            <a:pPr lvl="1"/>
+            <a:r>
+              <a:rPr lang="en-US" dirty="0"/>
+              <a:t>As described by </a:t>
+            </a:r>
+            <a:r>
+              <a:rPr lang="en-US" dirty="0" err="1"/>
+              <a:t>huggingface</a:t>
+            </a:r>
+            <a:r>
+              <a:rPr lang="en-US" dirty="0"/>
+              <a:t>, BART is trained by:</a:t>
+            </a:r>
+          </a:p>
+          <a:p>
+            <a:pPr lvl="2"/>
+            <a:r>
+              <a:rPr lang="en-US" dirty="0"/>
+              <a:t>(1) corrupting text with an arbitrary noising function, and</a:t>
+            </a:r>
+          </a:p>
+          <a:p>
+            <a:pPr lvl="2"/>
+            <a:r>
+              <a:rPr lang="en-US" dirty="0"/>
+              <a:t>(2) learning a model to reconstruct the original text.</a:t>
+            </a:r>
+          </a:p>
+          <a:p>
+            <a:pPr lvl="1"/>
+            <a:r>
+              <a:rPr lang="en-US" dirty="0"/>
+              <a:t>BART does well on many tasks like abstractive dialogue, question answering and summarization.</a:t>
+            </a:r>
+          </a:p>
+          <a:p>
+            <a:pPr lvl="1"/>
+            <a:r>
+              <a:rPr lang="en-US" dirty="0"/>
+              <a:t>It is trained on the CNN/Daily Mail data set</a:t>
+            </a:r>
           </a:p>
         </p:txBody>
       </p:sp>
     </p:spTree>
     <p:extLst>
       <p:ext uri="{BB962C8B-B14F-4D97-AF65-F5344CB8AC3E}">
-        <p14:creationId xmlns:p14="http://schemas.microsoft.com/office/powerpoint/2010/main" val="2130964119"/>
+        <p14:creationId xmlns:p14="http://schemas.microsoft.com/office/powerpoint/2010/main" val="2863984067"/>
       </p:ext>
     </p:extLst>
   </p:cSld>
@@ -3775,7 +7645,7 @@
           <p:cNvPr id="2" name="Title 1">
             <a:extLst>
               <a:ext uri="{FF2B5EF4-FFF2-40B4-BE49-F238E27FC236}">
-                <a16:creationId xmlns:a16="http://schemas.microsoft.com/office/drawing/2014/main" id="{D9A762EE-9C82-4854-8334-6E90167270B4}"/>
+                <a16:creationId xmlns:a16="http://schemas.microsoft.com/office/drawing/2014/main" id="{F1487D7D-9167-49C1-BB62-AAE54AA1D34D}"/>
               </a:ext>
             </a:extLst>
           </p:cNvPr>
@@ -3793,7 +7663,7 @@
           <a:p>
             <a:r>
               <a:rPr lang="en-US" dirty="0"/>
-              <a:t>Abstractive Models</a:t>
+              <a:t>Results</a:t>
             </a:r>
           </a:p>
         </p:txBody>
@@ -3803,7 +7673,7 @@
           <p:cNvPr id="3" name="Text Placeholder 2">
             <a:extLst>
               <a:ext uri="{FF2B5EF4-FFF2-40B4-BE49-F238E27FC236}">
-                <a16:creationId xmlns:a16="http://schemas.microsoft.com/office/drawing/2014/main" id="{6C7966EA-E5D8-40FB-AE18-7E1C25A64AFF}"/>
+                <a16:creationId xmlns:a16="http://schemas.microsoft.com/office/drawing/2014/main" id="{1E974C7A-3509-4118-989C-9359C717CC9F}"/>
               </a:ext>
             </a:extLst>
           </p:cNvPr>
@@ -3819,14 +7689,14 @@
           <a:bodyPr/>
           <a:lstStyle/>
           <a:p>
-            <a:endParaRPr lang="en-US"/>
+            <a:endParaRPr lang="en-US" dirty="0"/>
           </a:p>
         </p:txBody>
       </p:sp>
     </p:spTree>
     <p:extLst>
       <p:ext uri="{BB962C8B-B14F-4D97-AF65-F5344CB8AC3E}">
-        <p14:creationId xmlns:p14="http://schemas.microsoft.com/office/powerpoint/2010/main" val="2480305071"/>
+        <p14:creationId xmlns:p14="http://schemas.microsoft.com/office/powerpoint/2010/main" val="91759949"/>
       </p:ext>
     </p:extLst>
   </p:cSld>
@@ -3858,7 +7728,7 @@
           <p:cNvPr id="2" name="Title 1">
             <a:extLst>
               <a:ext uri="{FF2B5EF4-FFF2-40B4-BE49-F238E27FC236}">
-                <a16:creationId xmlns:a16="http://schemas.microsoft.com/office/drawing/2014/main" id="{620FA70D-CCFF-4019-99F3-66F507CBDCEE}"/>
+                <a16:creationId xmlns:a16="http://schemas.microsoft.com/office/drawing/2014/main" id="{FC6A1667-4F5B-4DF9-A83B-6769C226629F}"/>
               </a:ext>
             </a:extLst>
           </p:cNvPr>
@@ -3876,40 +7746,45 @@
           <a:p>
             <a:r>
               <a:rPr lang="en-US" dirty="0"/>
-              <a:t>Encoder-Decoder Seq2Seq RNN walkthrough</a:t>
-            </a:r>
-          </a:p>
-        </p:txBody>
-      </p:sp>
-      <p:sp>
-        <p:nvSpPr>
-          <p:cNvPr id="3" name="Content Placeholder 2">
+              <a:t>Subjective analysis</a:t>
+            </a:r>
+          </a:p>
+        </p:txBody>
+      </p:sp>
+      <p:pic>
+        <p:nvPicPr>
+          <p:cNvPr id="9" name="Picture 8">
             <a:extLst>
               <a:ext uri="{FF2B5EF4-FFF2-40B4-BE49-F238E27FC236}">
-                <a16:creationId xmlns:a16="http://schemas.microsoft.com/office/drawing/2014/main" id="{21442FDA-9177-42B3-B8CF-FBFB4D58747E}"/>
+                <a16:creationId xmlns:a16="http://schemas.microsoft.com/office/drawing/2014/main" id="{561A35ED-95A1-4604-BD73-A0961A0DBA84}"/>
               </a:ext>
             </a:extLst>
           </p:cNvPr>
-          <p:cNvSpPr>
-            <a:spLocks noGrp="1"/>
-          </p:cNvSpPr>
-          <p:nvPr>
-            <p:ph idx="1"/>
-          </p:nvPr>
-        </p:nvSpPr>
-        <p:spPr/>
-        <p:txBody>
-          <a:bodyPr/>
-          <a:lstStyle/>
-          <a:p>
-            <a:endParaRPr lang="en-US" dirty="0"/>
-          </a:p>
-        </p:txBody>
-      </p:sp>
+          <p:cNvPicPr>
+            <a:picLocks noChangeAspect="1"/>
+          </p:cNvPicPr>
+          <p:nvPr/>
+        </p:nvPicPr>
+        <p:blipFill>
+          <a:blip r:embed="rId2"/>
+          <a:stretch>
+            <a:fillRect/>
+          </a:stretch>
+        </p:blipFill>
+        <p:spPr>
+          <a:xfrm>
+            <a:off x="1594496" y="2128540"/>
+            <a:ext cx="9002381" cy="4258269"/>
+          </a:xfrm>
+          <a:prstGeom prst="rect">
+            <a:avLst/>
+          </a:prstGeom>
+        </p:spPr>
+      </p:pic>
     </p:spTree>
     <p:extLst>
       <p:ext uri="{BB962C8B-B14F-4D97-AF65-F5344CB8AC3E}">
-        <p14:creationId xmlns:p14="http://schemas.microsoft.com/office/powerpoint/2010/main" val="1830035468"/>
+        <p14:creationId xmlns:p14="http://schemas.microsoft.com/office/powerpoint/2010/main" val="2422556948"/>
       </p:ext>
     </p:extLst>
   </p:cSld>
@@ -3941,7 +7816,7 @@
           <p:cNvPr id="2" name="Title 1">
             <a:extLst>
               <a:ext uri="{FF2B5EF4-FFF2-40B4-BE49-F238E27FC236}">
-                <a16:creationId xmlns:a16="http://schemas.microsoft.com/office/drawing/2014/main" id="{A69C329A-4469-4897-84A2-A25A81396445}"/>
+                <a16:creationId xmlns:a16="http://schemas.microsoft.com/office/drawing/2014/main" id="{1DC755E7-8390-4D4E-B574-735FB129B0B0}"/>
               </a:ext>
             </a:extLst>
           </p:cNvPr>
@@ -3959,40 +7834,44 @@
           <a:p>
             <a:r>
               <a:rPr lang="en-US" dirty="0"/>
-              <a:t>T5</a:t>
-            </a:r>
-          </a:p>
-        </p:txBody>
-      </p:sp>
-      <p:sp>
-        <p:nvSpPr>
-          <p:cNvPr id="3" name="Content Placeholder 2">
+              <a:t>Subjective analysis (cont’d)</a:t>
+            </a:r>
+          </a:p>
+        </p:txBody>
+      </p:sp>
+      <p:pic>
+        <p:nvPicPr>
+          <p:cNvPr id="9" name="Content Placeholder 8">
             <a:extLst>
               <a:ext uri="{FF2B5EF4-FFF2-40B4-BE49-F238E27FC236}">
-                <a16:creationId xmlns:a16="http://schemas.microsoft.com/office/drawing/2014/main" id="{0615E290-9F6F-4922-BC13-AF4A2BA10E52}"/>
+                <a16:creationId xmlns:a16="http://schemas.microsoft.com/office/drawing/2014/main" id="{BE12D995-B401-4B6F-97B3-509B6BC69D1F}"/>
               </a:ext>
             </a:extLst>
           </p:cNvPr>
-          <p:cNvSpPr>
-            <a:spLocks noGrp="1"/>
-          </p:cNvSpPr>
-          <p:nvPr>
-            <p:ph idx="1"/>
-          </p:nvPr>
-        </p:nvSpPr>
-        <p:spPr/>
-        <p:txBody>
-          <a:bodyPr/>
-          <a:lstStyle/>
-          <a:p>
-            <a:endParaRPr lang="en-US" dirty="0"/>
-          </a:p>
-        </p:txBody>
-      </p:sp>
+          <p:cNvPicPr>
+            <a:picLocks noGrp="1" noChangeAspect="1"/>
+          </p:cNvPicPr>
+          <p:nvPr>
+            <p:ph sz="quarter" idx="13"/>
+          </p:nvPr>
+        </p:nvPicPr>
+        <p:blipFill>
+          <a:blip r:embed="rId2"/>
+          <a:stretch>
+            <a:fillRect/>
+          </a:stretch>
+        </p:blipFill>
+        <p:spPr>
+          <a:xfrm>
+            <a:off x="1667980" y="2209801"/>
+            <a:ext cx="8856039" cy="4148006"/>
+          </a:xfrm>
+        </p:spPr>
+      </p:pic>
     </p:spTree>
     <p:extLst>
       <p:ext uri="{BB962C8B-B14F-4D97-AF65-F5344CB8AC3E}">
-        <p14:creationId xmlns:p14="http://schemas.microsoft.com/office/powerpoint/2010/main" val="1317374768"/>
+        <p14:creationId xmlns:p14="http://schemas.microsoft.com/office/powerpoint/2010/main" val="1950302735"/>
       </p:ext>
     </p:extLst>
   </p:cSld>
@@ -4024,7 +7903,7 @@
           <p:cNvPr id="2" name="Title 1">
             <a:extLst>
               <a:ext uri="{FF2B5EF4-FFF2-40B4-BE49-F238E27FC236}">
-                <a16:creationId xmlns:a16="http://schemas.microsoft.com/office/drawing/2014/main" id="{DA378520-2FA5-47FD-AB22-B83D45D8B9D4}"/>
+                <a16:creationId xmlns:a16="http://schemas.microsoft.com/office/drawing/2014/main" id="{38306071-AC8C-4436-A5F9-CCFC642F63BB}"/>
               </a:ext>
             </a:extLst>
           </p:cNvPr>
@@ -4042,40 +7921,50 @@
           <a:p>
             <a:r>
               <a:rPr lang="en-US" dirty="0"/>
-              <a:t>BART</a:t>
-            </a:r>
-          </a:p>
-        </p:txBody>
-      </p:sp>
-      <p:sp>
-        <p:nvSpPr>
-          <p:cNvPr id="3" name="Content Placeholder 2">
+              <a:t>Cosine similarity</a:t>
+            </a:r>
+          </a:p>
+        </p:txBody>
+      </p:sp>
+      <p:pic>
+        <p:nvPicPr>
+          <p:cNvPr id="5" name="Content Placeholder 4" descr="Chart, box and whisker chart&#10;&#10;Description automatically generated">
             <a:extLst>
               <a:ext uri="{FF2B5EF4-FFF2-40B4-BE49-F238E27FC236}">
-                <a16:creationId xmlns:a16="http://schemas.microsoft.com/office/drawing/2014/main" id="{B3A2EE77-FA9C-4B37-BBC5-8145F6AB00E1}"/>
+                <a16:creationId xmlns:a16="http://schemas.microsoft.com/office/drawing/2014/main" id="{E969EC04-4176-483F-A6F4-14325B71C457}"/>
               </a:ext>
             </a:extLst>
           </p:cNvPr>
-          <p:cNvSpPr>
-            <a:spLocks noGrp="1"/>
-          </p:cNvSpPr>
-          <p:nvPr>
-            <p:ph idx="1"/>
-          </p:nvPr>
-        </p:nvSpPr>
-        <p:spPr/>
-        <p:txBody>
-          <a:bodyPr/>
-          <a:lstStyle/>
-          <a:p>
-            <a:endParaRPr lang="en-US"/>
-          </a:p>
-        </p:txBody>
-      </p:sp>
+          <p:cNvPicPr>
+            <a:picLocks noGrp="1" noChangeAspect="1"/>
+          </p:cNvPicPr>
+          <p:nvPr>
+            <p:ph sz="quarter" idx="13"/>
+          </p:nvPr>
+        </p:nvPicPr>
+        <p:blipFill>
+          <a:blip r:embed="rId2">
+            <a:extLst>
+              <a:ext uri="{28A0092B-C50C-407E-A947-70E740481C1C}">
+                <a14:useLocalDpi xmlns:a14="http://schemas.microsoft.com/office/drawing/2010/main" val="0"/>
+              </a:ext>
+            </a:extLst>
+          </a:blip>
+          <a:stretch>
+            <a:fillRect/>
+          </a:stretch>
+        </p:blipFill>
+        <p:spPr>
+          <a:xfrm>
+            <a:off x="1733913" y="1843088"/>
+            <a:ext cx="8724173" cy="4491037"/>
+          </a:xfrm>
+        </p:spPr>
+      </p:pic>
     </p:spTree>
     <p:extLst>
       <p:ext uri="{BB962C8B-B14F-4D97-AF65-F5344CB8AC3E}">
-        <p14:creationId xmlns:p14="http://schemas.microsoft.com/office/powerpoint/2010/main" val="2863984067"/>
+        <p14:creationId xmlns:p14="http://schemas.microsoft.com/office/powerpoint/2010/main" val="48855542"/>
       </p:ext>
     </p:extLst>
   </p:cSld>
@@ -4107,7 +7996,7 @@
           <p:cNvPr id="2" name="Title 1">
             <a:extLst>
               <a:ext uri="{FF2B5EF4-FFF2-40B4-BE49-F238E27FC236}">
-                <a16:creationId xmlns:a16="http://schemas.microsoft.com/office/drawing/2014/main" id="{F7E946EF-36EF-4F74-A74D-C2C3A8F22210}"/>
+                <a16:creationId xmlns:a16="http://schemas.microsoft.com/office/drawing/2014/main" id="{90B3C444-22BF-480C-8E8F-5C327E99EB75}"/>
               </a:ext>
             </a:extLst>
           </p:cNvPr>
@@ -4125,40 +8014,50 @@
           <a:p>
             <a:r>
               <a:rPr lang="en-US" dirty="0"/>
-              <a:t>Results</a:t>
-            </a:r>
-          </a:p>
-        </p:txBody>
-      </p:sp>
-      <p:sp>
-        <p:nvSpPr>
-          <p:cNvPr id="3" name="Content Placeholder 2">
+              <a:t>Rouge scores</a:t>
+            </a:r>
+          </a:p>
+        </p:txBody>
+      </p:sp>
+      <p:pic>
+        <p:nvPicPr>
+          <p:cNvPr id="5" name="Content Placeholder 4" descr="Graphical user interface, chart, application&#10;&#10;Description automatically generated">
             <a:extLst>
               <a:ext uri="{FF2B5EF4-FFF2-40B4-BE49-F238E27FC236}">
-                <a16:creationId xmlns:a16="http://schemas.microsoft.com/office/drawing/2014/main" id="{F701A7A4-F599-440A-A8A1-BD0D0103C5B9}"/>
+                <a16:creationId xmlns:a16="http://schemas.microsoft.com/office/drawing/2014/main" id="{AEBEC87A-F831-44A0-A6C8-390D6252A8FB}"/>
               </a:ext>
             </a:extLst>
           </p:cNvPr>
-          <p:cNvSpPr>
-            <a:spLocks noGrp="1"/>
-          </p:cNvSpPr>
-          <p:nvPr>
-            <p:ph idx="1"/>
-          </p:nvPr>
-        </p:nvSpPr>
-        <p:spPr/>
-        <p:txBody>
-          <a:bodyPr/>
-          <a:lstStyle/>
-          <a:p>
-            <a:endParaRPr lang="en-US"/>
-          </a:p>
-        </p:txBody>
-      </p:sp>
+          <p:cNvPicPr>
+            <a:picLocks noGrp="1" noChangeAspect="1"/>
+          </p:cNvPicPr>
+          <p:nvPr>
+            <p:ph sz="quarter" idx="13"/>
+          </p:nvPr>
+        </p:nvPicPr>
+        <p:blipFill>
+          <a:blip r:embed="rId2">
+            <a:extLst>
+              <a:ext uri="{28A0092B-C50C-407E-A947-70E740481C1C}">
+                <a14:useLocalDpi xmlns:a14="http://schemas.microsoft.com/office/drawing/2010/main" val="0"/>
+              </a:ext>
+            </a:extLst>
+          </a:blip>
+          <a:stretch>
+            <a:fillRect/>
+          </a:stretch>
+        </p:blipFill>
+        <p:spPr>
+          <a:xfrm>
+            <a:off x="1209486" y="1862137"/>
+            <a:ext cx="9773028" cy="4831721"/>
+          </a:xfrm>
+        </p:spPr>
+      </p:pic>
     </p:spTree>
     <p:extLst>
       <p:ext uri="{BB962C8B-B14F-4D97-AF65-F5344CB8AC3E}">
-        <p14:creationId xmlns:p14="http://schemas.microsoft.com/office/powerpoint/2010/main" val="3361326903"/>
+        <p14:creationId xmlns:p14="http://schemas.microsoft.com/office/powerpoint/2010/main" val="978202860"/>
       </p:ext>
     </p:extLst>
   </p:cSld>
@@ -4229,12 +8128,97 @@
             <p:ph idx="1"/>
           </p:nvPr>
         </p:nvSpPr>
-        <p:spPr/>
-        <p:txBody>
-          <a:bodyPr/>
-          <a:lstStyle/>
-          <a:p>
-            <a:endParaRPr lang="en-US"/>
+        <p:spPr>
+          <a:xfrm>
+            <a:off x="913775" y="2367093"/>
+            <a:ext cx="10364452" cy="4209198"/>
+          </a:xfrm>
+        </p:spPr>
+        <p:txBody>
+          <a:bodyPr>
+            <a:normAutofit fontScale="77500" lnSpcReduction="20000"/>
+          </a:bodyPr>
+          <a:lstStyle/>
+          <a:p>
+            <a:r>
+              <a:rPr lang="en-US" dirty="0"/>
+              <a:t>the extractive approaches do similarly to the abstractive approaches with cosine similarity. </a:t>
+            </a:r>
+          </a:p>
+          <a:p>
+            <a:pPr lvl="1"/>
+            <a:r>
+              <a:rPr lang="en-US" dirty="0"/>
+              <a:t>This is likely because the extractive approach literally lifts full sentences from the original text. </a:t>
+            </a:r>
+          </a:p>
+          <a:p>
+            <a:r>
+              <a:rPr lang="en-US" dirty="0"/>
+              <a:t>With the ROUGE scores, the clear winner is the Bart model. </a:t>
+            </a:r>
+          </a:p>
+          <a:p>
+            <a:pPr lvl="1"/>
+            <a:r>
+              <a:rPr lang="en-US" dirty="0"/>
+              <a:t>It has by far the highest precision and f1 scores for all three ROUGE scores. </a:t>
+            </a:r>
+          </a:p>
+          <a:p>
+            <a:pPr lvl="1"/>
+            <a:r>
+              <a:rPr lang="en-US" dirty="0"/>
+              <a:t>Spacy does notably well with recall, but poorly in precision and f1.</a:t>
+            </a:r>
+          </a:p>
+          <a:p>
+            <a:r>
+              <a:rPr lang="en-US" dirty="0"/>
+              <a:t>the real test is the human subjective test. </a:t>
+            </a:r>
+          </a:p>
+          <a:p>
+            <a:pPr lvl="1"/>
+            <a:r>
+              <a:rPr lang="en-US" dirty="0"/>
+              <a:t>With the extractive approaches, it is pretty hit or miss if the generated summary is actually able to capture the essence of the original plot</a:t>
+            </a:r>
+          </a:p>
+          <a:p>
+            <a:pPr lvl="2"/>
+            <a:r>
+              <a:rPr lang="en-US" dirty="0"/>
+              <a:t>because they use fully lifted sentences, most of the sentences of the generated summaries do not flow into one another naturally. They all seem out of place. This is where the abstractive methods really shine. </a:t>
+            </a:r>
+          </a:p>
+          <a:p>
+            <a:pPr lvl="1"/>
+            <a:r>
+              <a:rPr lang="en-US" dirty="0"/>
+              <a:t>the abstractive models, although not perfect, do well to capture the essence of the plot in a concise manner and the sentences flow much more naturally into each other</a:t>
+            </a:r>
+          </a:p>
+          <a:p>
+            <a:r>
+              <a:rPr lang="en-US" dirty="0"/>
+              <a:t>Overall </a:t>
+            </a:r>
+            <a:r>
+              <a:rPr lang="en-US" u="sng" dirty="0"/>
+              <a:t>winner</a:t>
+            </a:r>
+            <a:r>
+              <a:rPr lang="en-US" dirty="0"/>
+              <a:t>: Bart</a:t>
+            </a:r>
+          </a:p>
+          <a:p>
+            <a:pPr lvl="1"/>
+            <a:r>
+              <a:rPr lang="en-US" dirty="0"/>
+              <a:t>It is perhaps hard to choose between T5 and Bart by comparing summaries alone, but along with the objective scores, it seems Bart is the clear winner here.</a:t>
+            </a:r>
           </a:p>
         </p:txBody>
       </p:sp>
@@ -4315,7 +8299,7 @@
         <p:spPr/>
         <p:txBody>
           <a:bodyPr>
-            <a:normAutofit/>
+            <a:normAutofit fontScale="92500" lnSpcReduction="10000"/>
           </a:bodyPr>
           <a:lstStyle/>
           <a:p>
@@ -4331,12 +8315,23 @@
             </a:r>
           </a:p>
           <a:p>
+            <a:pPr lvl="1"/>
             <a:r>
               <a:rPr lang="en-US" dirty="0"/>
               <a:t>It is typically grouped into two categories of methods: Extractive &amp; Abstractive</a:t>
             </a:r>
           </a:p>
           <a:p>
+            <a:r>
+              <a:rPr lang="en-US" b="0" i="0" u="sng" dirty="0">
+                <a:solidFill>
+                  <a:srgbClr val="000000"/>
+                </a:solidFill>
+                <a:effectLst/>
+                <a:latin typeface="Helvetica Neue"/>
+              </a:rPr>
+              <a:t>Extractive summarization </a:t>
+            </a:r>
             <a:r>
               <a:rPr lang="en-US" b="0" i="0" dirty="0">
                 <a:solidFill>
@@ -4345,7 +8340,7 @@
                 <a:effectLst/>
                 <a:latin typeface="Helvetica Neue"/>
               </a:rPr>
-              <a:t>Extractive summarization seeks to identify the most significant sentences of the text and use them to create a summary. </a:t>
+              <a:t>seeks to identify the most significant sentences of the text and use them to create a summary. </a:t>
             </a:r>
           </a:p>
           <a:p>
@@ -4363,6 +8358,16 @@
           </a:p>
           <a:p>
             <a:r>
+              <a:rPr lang="en-US" b="0" i="0" u="sng" dirty="0">
+                <a:solidFill>
+                  <a:srgbClr val="000000"/>
+                </a:solidFill>
+                <a:effectLst/>
+                <a:latin typeface="Helvetica Neue"/>
+              </a:rPr>
+              <a:t>Abstractive summarization </a:t>
+            </a:r>
+            <a:r>
               <a:rPr lang="en-US" b="0" i="0" dirty="0">
                 <a:solidFill>
                   <a:srgbClr val="000000"/>
@@ -4370,7 +8375,7 @@
                 <a:effectLst/>
                 <a:latin typeface="Helvetica Neue"/>
               </a:rPr>
-              <a:t>Abstractive summarization seeks to identify the important sections and interpret the context in order to generate sentences for the summary. </a:t>
+              <a:t>seeks to identify the important sections and interpret the context in order to generate sentences for the summary. </a:t>
             </a:r>
             <a:endParaRPr lang="en-US" dirty="0"/>
           </a:p>
@@ -4411,7 +8416,7 @@
           <p:cNvPr id="2" name="Title 1">
             <a:extLst>
               <a:ext uri="{FF2B5EF4-FFF2-40B4-BE49-F238E27FC236}">
-                <a16:creationId xmlns:a16="http://schemas.microsoft.com/office/drawing/2014/main" id="{C28483E5-A3DB-410E-815B-E01396ADF669}"/>
+                <a16:creationId xmlns:a16="http://schemas.microsoft.com/office/drawing/2014/main" id="{92B8A9EC-DDFE-4271-93FC-13C783CA9C6B}"/>
               </a:ext>
             </a:extLst>
           </p:cNvPr>
@@ -4429,7 +8434,7 @@
           <a:p>
             <a:r>
               <a:rPr lang="en-US" dirty="0"/>
-              <a:t>What is it used for? OR other noteworthy questions to explore</a:t>
+              <a:t>Our Goals</a:t>
             </a:r>
           </a:p>
         </p:txBody>
@@ -4439,7 +8444,7 @@
           <p:cNvPr id="3" name="Content Placeholder 2">
             <a:extLst>
               <a:ext uri="{FF2B5EF4-FFF2-40B4-BE49-F238E27FC236}">
-                <a16:creationId xmlns:a16="http://schemas.microsoft.com/office/drawing/2014/main" id="{76135E88-BAD1-4D15-8331-DDF2E44C209D}"/>
+                <a16:creationId xmlns:a16="http://schemas.microsoft.com/office/drawing/2014/main" id="{C163A630-5B6A-4F20-9E7B-08857D0EADD2}"/>
               </a:ext>
             </a:extLst>
           </p:cNvPr>
@@ -4455,14 +8460,29 @@
           <a:bodyPr/>
           <a:lstStyle/>
           <a:p>
-            <a:endParaRPr lang="en-US"/>
+            <a:r>
+              <a:rPr lang="en-US" dirty="0"/>
+              <a:t>To explore the current state of text summarization and compare different models and different approaches.</a:t>
+            </a:r>
+          </a:p>
+          <a:p>
+            <a:r>
+              <a:rPr lang="en-US" dirty="0"/>
+              <a:t>To give a guided walkthrough of building a text summarization model for both an extractive and abstractive approach, and to compare various pre-built and pre-trained models. </a:t>
+            </a:r>
+          </a:p>
+          <a:p>
+            <a:r>
+              <a:rPr lang="en-US" dirty="0"/>
+              <a:t>To give a brief introduction in how to compare text summarization models. </a:t>
+            </a:r>
           </a:p>
         </p:txBody>
       </p:sp>
     </p:spTree>
     <p:extLst>
       <p:ext uri="{BB962C8B-B14F-4D97-AF65-F5344CB8AC3E}">
-        <p14:creationId xmlns:p14="http://schemas.microsoft.com/office/powerpoint/2010/main" val="2401667566"/>
+        <p14:creationId xmlns:p14="http://schemas.microsoft.com/office/powerpoint/2010/main" val="1049962527"/>
       </p:ext>
     </p:extLst>
   </p:cSld>
@@ -4494,7 +8514,7 @@
           <p:cNvPr id="2" name="Title 1">
             <a:extLst>
               <a:ext uri="{FF2B5EF4-FFF2-40B4-BE49-F238E27FC236}">
-                <a16:creationId xmlns:a16="http://schemas.microsoft.com/office/drawing/2014/main" id="{92B8A9EC-DDFE-4271-93FC-13C783CA9C6B}"/>
+                <a16:creationId xmlns:a16="http://schemas.microsoft.com/office/drawing/2014/main" id="{A78DDEEC-FCA3-4D99-AADE-CEE6B4F83B37}"/>
               </a:ext>
             </a:extLst>
           </p:cNvPr>
@@ -4510,19 +8530,27 @@
           <a:bodyPr/>
           <a:lstStyle/>
           <a:p>
-            <a:r>
-              <a:rPr lang="en-US" dirty="0"/>
-              <a:t>Our Goals</a:t>
-            </a:r>
-          </a:p>
-        </p:txBody>
-      </p:sp>
-      <p:sp>
-        <p:nvSpPr>
-          <p:cNvPr id="3" name="Content Placeholder 2">
+            <a:pPr algn="ctr"/>
+            <a:r>
+              <a:rPr lang="en-US" dirty="0"/>
+              <a:t>The Data</a:t>
+            </a:r>
+            <a:br>
+              <a:rPr lang="en-US" dirty="0"/>
+            </a:br>
+            <a:r>
+              <a:rPr lang="en-US" sz="2000" dirty="0"/>
+              <a:t>from Kaggle website</a:t>
+            </a:r>
+          </a:p>
+        </p:txBody>
+      </p:sp>
+      <p:sp>
+        <p:nvSpPr>
+          <p:cNvPr id="3" name="Text Placeholder 2">
             <a:extLst>
               <a:ext uri="{FF2B5EF4-FFF2-40B4-BE49-F238E27FC236}">
-                <a16:creationId xmlns:a16="http://schemas.microsoft.com/office/drawing/2014/main" id="{C163A630-5B6A-4F20-9E7B-08857D0EADD2}"/>
+                <a16:creationId xmlns:a16="http://schemas.microsoft.com/office/drawing/2014/main" id="{8D7F3768-680F-409D-8F6B-1AE1084D58F5}"/>
               </a:ext>
             </a:extLst>
           </p:cNvPr>
@@ -4530,7 +8558,7 @@
             <a:spLocks noGrp="1"/>
           </p:cNvSpPr>
           <p:nvPr>
-            <p:ph idx="1"/>
+            <p:ph type="body" idx="1"/>
           </p:nvPr>
         </p:nvSpPr>
         <p:spPr/>
@@ -4540,27 +8568,248 @@
           <a:p>
             <a:r>
               <a:rPr lang="en-US" dirty="0"/>
-              <a:t>To explore the current state of text summarization and compare different models and different approaches.</a:t>
-            </a:r>
-          </a:p>
-          <a:p>
-            <a:r>
-              <a:rPr lang="en-US" dirty="0"/>
-              <a:t>To give a guided walkthrough of building a text summarization model for both an extractive and abstractive approach, and to compare various pre-build and pre-trained models. </a:t>
-            </a:r>
-          </a:p>
-          <a:p>
-            <a:r>
-              <a:rPr lang="en-US" dirty="0"/>
-              <a:t>To give a brief introduction in how to compare text summarization models. </a:t>
-            </a:r>
+              <a:t>Original data features</a:t>
+            </a:r>
+          </a:p>
+        </p:txBody>
+      </p:sp>
+      <p:sp>
+        <p:nvSpPr>
+          <p:cNvPr id="4" name="Content Placeholder 3">
+            <a:extLst>
+              <a:ext uri="{FF2B5EF4-FFF2-40B4-BE49-F238E27FC236}">
+                <a16:creationId xmlns:a16="http://schemas.microsoft.com/office/drawing/2014/main" id="{7561DF9B-2C33-40E7-B7AC-05C39F468688}"/>
+              </a:ext>
+            </a:extLst>
+          </p:cNvPr>
+          <p:cNvSpPr>
+            <a:spLocks noGrp="1"/>
+          </p:cNvSpPr>
+          <p:nvPr>
+            <p:ph sz="half" idx="2"/>
+          </p:nvPr>
+        </p:nvSpPr>
+        <p:spPr/>
+        <p:txBody>
+          <a:bodyPr>
+            <a:normAutofit fontScale="77500" lnSpcReduction="20000"/>
+          </a:bodyPr>
+          <a:lstStyle/>
+          <a:p>
+            <a:r>
+              <a:rPr lang="en-US" dirty="0"/>
+              <a:t>wiki_movie_plots_deduped.csv</a:t>
+            </a:r>
+          </a:p>
+          <a:p>
+            <a:pPr lvl="1"/>
+            <a:r>
+              <a:rPr lang="en-US" dirty="0"/>
+              <a:t>Release Year, Title, Origin/Ethnicity, Director, Cast, Genre, Wiki Page, Plot</a:t>
+            </a:r>
+          </a:p>
+          <a:p>
+            <a:pPr lvl="1"/>
+            <a:endParaRPr lang="en-US" dirty="0"/>
+          </a:p>
+          <a:p>
+            <a:r>
+              <a:rPr lang="en-US" dirty="0"/>
+              <a:t>movies_metadata.csv</a:t>
+            </a:r>
+          </a:p>
+          <a:p>
+            <a:pPr lvl="1"/>
+            <a:r>
+              <a:rPr lang="en-US" dirty="0"/>
+              <a:t>adult, </a:t>
+            </a:r>
+            <a:r>
+              <a:rPr lang="en-US" dirty="0" err="1"/>
+              <a:t>belongs_to_collection</a:t>
+            </a:r>
+            <a:r>
+              <a:rPr lang="en-US" dirty="0"/>
+              <a:t>, budget, genres, homepage, id, </a:t>
+            </a:r>
+            <a:r>
+              <a:rPr lang="en-US" dirty="0" err="1"/>
+              <a:t>imdb_id</a:t>
+            </a:r>
+            <a:r>
+              <a:rPr lang="en-US" dirty="0"/>
+              <a:t>, </a:t>
+            </a:r>
+            <a:r>
+              <a:rPr lang="en-US" dirty="0" err="1"/>
+              <a:t>original_language</a:t>
+            </a:r>
+            <a:r>
+              <a:rPr lang="en-US" dirty="0"/>
+              <a:t>, </a:t>
+            </a:r>
+            <a:r>
+              <a:rPr lang="en-US" dirty="0" err="1"/>
+              <a:t>original_title</a:t>
+            </a:r>
+            <a:r>
+              <a:rPr lang="en-US" dirty="0"/>
+              <a:t>, overview, popularity, </a:t>
+            </a:r>
+            <a:r>
+              <a:rPr lang="en-US" dirty="0" err="1"/>
+              <a:t>poster_path</a:t>
+            </a:r>
+            <a:r>
+              <a:rPr lang="en-US" dirty="0"/>
+              <a:t>, </a:t>
+            </a:r>
+            <a:r>
+              <a:rPr lang="en-US" dirty="0" err="1"/>
+              <a:t>production_companies</a:t>
+            </a:r>
+            <a:r>
+              <a:rPr lang="en-US" dirty="0"/>
+              <a:t>, </a:t>
+            </a:r>
+            <a:r>
+              <a:rPr lang="en-US" dirty="0" err="1"/>
+              <a:t>release_date</a:t>
+            </a:r>
+            <a:r>
+              <a:rPr lang="en-US" dirty="0"/>
+              <a:t>, revenue, runtime, </a:t>
+            </a:r>
+            <a:r>
+              <a:rPr lang="en-US" dirty="0" err="1"/>
+              <a:t>spoken_languages</a:t>
+            </a:r>
+            <a:r>
+              <a:rPr lang="en-US" dirty="0"/>
+              <a:t>, status, tagline, title, video, </a:t>
+            </a:r>
+            <a:r>
+              <a:rPr lang="en-US" dirty="0" err="1"/>
+              <a:t>vote_average</a:t>
+            </a:r>
+            <a:r>
+              <a:rPr lang="en-US" dirty="0"/>
+              <a:t>, </a:t>
+            </a:r>
+            <a:r>
+              <a:rPr lang="en-US" dirty="0" err="1"/>
+              <a:t>vote_count</a:t>
+            </a:r>
+            <a:endParaRPr lang="en-US" dirty="0"/>
+          </a:p>
+        </p:txBody>
+      </p:sp>
+      <p:sp>
+        <p:nvSpPr>
+          <p:cNvPr id="5" name="Text Placeholder 4">
+            <a:extLst>
+              <a:ext uri="{FF2B5EF4-FFF2-40B4-BE49-F238E27FC236}">
+                <a16:creationId xmlns:a16="http://schemas.microsoft.com/office/drawing/2014/main" id="{1775A78E-67F4-4E3F-B558-D670016157AA}"/>
+              </a:ext>
+            </a:extLst>
+          </p:cNvPr>
+          <p:cNvSpPr>
+            <a:spLocks noGrp="1"/>
+          </p:cNvSpPr>
+          <p:nvPr>
+            <p:ph type="body" sz="quarter" idx="3"/>
+          </p:nvPr>
+        </p:nvSpPr>
+        <p:spPr/>
+        <p:txBody>
+          <a:bodyPr/>
+          <a:lstStyle/>
+          <a:p>
+            <a:r>
+              <a:rPr lang="en-US" dirty="0"/>
+              <a:t>Pre-processed data features</a:t>
+            </a:r>
+          </a:p>
+        </p:txBody>
+      </p:sp>
+      <p:sp>
+        <p:nvSpPr>
+          <p:cNvPr id="6" name="Content Placeholder 5">
+            <a:extLst>
+              <a:ext uri="{FF2B5EF4-FFF2-40B4-BE49-F238E27FC236}">
+                <a16:creationId xmlns:a16="http://schemas.microsoft.com/office/drawing/2014/main" id="{8E3C5DEF-5832-4320-BD1C-B647660D9A7F}"/>
+              </a:ext>
+            </a:extLst>
+          </p:cNvPr>
+          <p:cNvSpPr>
+            <a:spLocks noGrp="1"/>
+          </p:cNvSpPr>
+          <p:nvPr>
+            <p:ph sz="quarter" idx="4"/>
+          </p:nvPr>
+        </p:nvSpPr>
+        <p:spPr/>
+        <p:txBody>
+          <a:bodyPr>
+            <a:normAutofit fontScale="77500" lnSpcReduction="20000"/>
+          </a:bodyPr>
+          <a:lstStyle/>
+          <a:p>
+            <a:r>
+              <a:rPr lang="en-US" dirty="0"/>
+              <a:t>df_final.csv</a:t>
+            </a:r>
+          </a:p>
+          <a:p>
+            <a:pPr lvl="1"/>
+            <a:r>
+              <a:rPr lang="en-US" dirty="0"/>
+              <a:t>Release Year</a:t>
+            </a:r>
+          </a:p>
+          <a:p>
+            <a:pPr lvl="1"/>
+            <a:r>
+              <a:rPr lang="en-US" dirty="0"/>
+              <a:t>Title</a:t>
+            </a:r>
+          </a:p>
+          <a:p>
+            <a:pPr lvl="1"/>
+            <a:r>
+              <a:rPr lang="en-US" dirty="0"/>
+              <a:t>Plot</a:t>
+            </a:r>
+          </a:p>
+          <a:p>
+            <a:pPr lvl="1"/>
+            <a:r>
+              <a:rPr lang="en-US" dirty="0"/>
+              <a:t>Overview</a:t>
+            </a:r>
+          </a:p>
+          <a:p>
+            <a:pPr lvl="1"/>
+            <a:r>
+              <a:rPr lang="en-US" dirty="0" err="1"/>
+              <a:t>cleaned_plot</a:t>
+            </a:r>
+            <a:endParaRPr lang="en-US" dirty="0"/>
+          </a:p>
+          <a:p>
+            <a:pPr lvl="1"/>
+            <a:r>
+              <a:rPr lang="en-US" dirty="0" err="1"/>
+              <a:t>cleaned_overview</a:t>
+            </a:r>
+            <a:endParaRPr lang="en-US" dirty="0"/>
           </a:p>
         </p:txBody>
       </p:sp>
     </p:spTree>
     <p:extLst>
       <p:ext uri="{BB962C8B-B14F-4D97-AF65-F5344CB8AC3E}">
-        <p14:creationId xmlns:p14="http://schemas.microsoft.com/office/powerpoint/2010/main" val="1049962527"/>
+        <p14:creationId xmlns:p14="http://schemas.microsoft.com/office/powerpoint/2010/main" val="1425781811"/>
       </p:ext>
     </p:extLst>
   </p:cSld>
@@ -4592,7 +8841,7 @@
           <p:cNvPr id="2" name="Title 1">
             <a:extLst>
               <a:ext uri="{FF2B5EF4-FFF2-40B4-BE49-F238E27FC236}">
-                <a16:creationId xmlns:a16="http://schemas.microsoft.com/office/drawing/2014/main" id="{A78DDEEC-FCA3-4D99-AADE-CEE6B4F83B37}"/>
+                <a16:creationId xmlns:a16="http://schemas.microsoft.com/office/drawing/2014/main" id="{44898B6D-C684-49BF-9BA0-61B4727EFD6B}"/>
               </a:ext>
             </a:extLst>
           </p:cNvPr>
@@ -4611,24 +8860,17 @@
             <a:pPr algn="ctr"/>
             <a:r>
               <a:rPr lang="en-US" dirty="0"/>
-              <a:t>The Data</a:t>
-            </a:r>
-            <a:br>
-              <a:rPr lang="en-US" dirty="0"/>
-            </a:br>
-            <a:r>
-              <a:rPr lang="en-US" sz="2000" dirty="0"/>
-              <a:t>from Kaggle website</a:t>
-            </a:r>
-          </a:p>
-        </p:txBody>
-      </p:sp>
-      <p:sp>
-        <p:nvSpPr>
-          <p:cNvPr id="3" name="Text Placeholder 2">
+              <a:t>Data preprocessing</a:t>
+            </a:r>
+          </a:p>
+        </p:txBody>
+      </p:sp>
+      <p:sp>
+        <p:nvSpPr>
+          <p:cNvPr id="3" name="Content Placeholder 2">
             <a:extLst>
               <a:ext uri="{FF2B5EF4-FFF2-40B4-BE49-F238E27FC236}">
-                <a16:creationId xmlns:a16="http://schemas.microsoft.com/office/drawing/2014/main" id="{8D7F3768-680F-409D-8F6B-1AE1084D58F5}"/>
+                <a16:creationId xmlns:a16="http://schemas.microsoft.com/office/drawing/2014/main" id="{5FFDB6FD-CC60-4503-8331-B53B0D80B6B9}"/>
               </a:ext>
             </a:extLst>
           </p:cNvPr>
@@ -4636,258 +8878,138 @@
             <a:spLocks noGrp="1"/>
           </p:cNvSpPr>
           <p:nvPr>
-            <p:ph type="body" idx="1"/>
+            <p:ph idx="1"/>
           </p:nvPr>
         </p:nvSpPr>
         <p:spPr/>
         <p:txBody>
-          <a:bodyPr/>
-          <a:lstStyle/>
-          <a:p>
-            <a:r>
-              <a:rPr lang="en-US" dirty="0"/>
-              <a:t>Original data features</a:t>
-            </a:r>
-          </a:p>
-        </p:txBody>
-      </p:sp>
-      <p:sp>
-        <p:nvSpPr>
-          <p:cNvPr id="4" name="Content Placeholder 3">
-            <a:extLst>
-              <a:ext uri="{FF2B5EF4-FFF2-40B4-BE49-F238E27FC236}">
-                <a16:creationId xmlns:a16="http://schemas.microsoft.com/office/drawing/2014/main" id="{7561DF9B-2C33-40E7-B7AC-05C39F468688}"/>
-              </a:ext>
-            </a:extLst>
-          </p:cNvPr>
-          <p:cNvSpPr>
-            <a:spLocks noGrp="1"/>
-          </p:cNvSpPr>
-          <p:nvPr>
-            <p:ph sz="half" idx="2"/>
-          </p:nvPr>
-        </p:nvSpPr>
-        <p:spPr/>
-        <p:txBody>
           <a:bodyPr>
-            <a:normAutofit fontScale="92500" lnSpcReduction="20000"/>
+            <a:normAutofit fontScale="70000" lnSpcReduction="20000"/>
           </a:bodyPr>
           <a:lstStyle/>
           <a:p>
             <a:r>
               <a:rPr lang="en-US" dirty="0"/>
-              <a:t>wiki_movie_plots_deduped.csv</a:t>
-            </a:r>
-          </a:p>
-          <a:p>
-            <a:pPr lvl="1"/>
-            <a:r>
-              <a:rPr lang="en-US" dirty="0"/>
-              <a:t>Release Year, Title, Origin/Ethnicity, Director, Cast, Genre, Wiki Page, Plot</a:t>
-            </a:r>
-          </a:p>
-          <a:p>
-            <a:pPr lvl="1"/>
-            <a:endParaRPr lang="en-US" dirty="0"/>
-          </a:p>
-          <a:p>
-            <a:r>
-              <a:rPr lang="en-US" dirty="0"/>
-              <a:t>movies_metadata.csv</a:t>
-            </a:r>
-          </a:p>
-          <a:p>
-            <a:pPr lvl="1"/>
-            <a:r>
-              <a:rPr lang="en-US" dirty="0"/>
-              <a:t>adult, </a:t>
+              <a:t>Loaded and merged the two csv files</a:t>
+            </a:r>
+          </a:p>
+          <a:p>
+            <a:r>
+              <a:rPr lang="en-US" dirty="0"/>
+              <a:t>Dropped all unnecessary columns</a:t>
+            </a:r>
+          </a:p>
+          <a:p>
+            <a:r>
+              <a:rPr lang="en-US" dirty="0"/>
+              <a:t>Created the </a:t>
             </a:r>
             <a:r>
               <a:rPr lang="en-US" dirty="0" err="1"/>
-              <a:t>belongs_to_collection</a:t>
-            </a:r>
-            <a:r>
-              <a:rPr lang="en-US" dirty="0"/>
-              <a:t>, budget, genres, homepage, id, </a:t>
-            </a:r>
-            <a:r>
-              <a:rPr lang="en-US" dirty="0" err="1"/>
-              <a:t>imdb_id</a:t>
-            </a:r>
-            <a:r>
-              <a:rPr lang="en-US" dirty="0"/>
-              <a:t>, </a:t>
-            </a:r>
-            <a:r>
-              <a:rPr lang="en-US" dirty="0" err="1"/>
-              <a:t>original_language</a:t>
-            </a:r>
-            <a:r>
-              <a:rPr lang="en-US" dirty="0"/>
-              <a:t>, </a:t>
-            </a:r>
-            <a:r>
-              <a:rPr lang="en-US" dirty="0" err="1"/>
-              <a:t>original_title</a:t>
-            </a:r>
-            <a:r>
-              <a:rPr lang="en-US" dirty="0"/>
-              <a:t>, overview, popularity, </a:t>
-            </a:r>
-            <a:r>
-              <a:rPr lang="en-US" dirty="0" err="1"/>
-              <a:t>poster_path</a:t>
-            </a:r>
-            <a:r>
-              <a:rPr lang="en-US" dirty="0"/>
-              <a:t>, </a:t>
-            </a:r>
-            <a:r>
-              <a:rPr lang="en-US" dirty="0" err="1"/>
-              <a:t>production_companies</a:t>
-            </a:r>
-            <a:r>
-              <a:rPr lang="en-US" dirty="0"/>
-              <a:t>, </a:t>
-            </a:r>
-            <a:r>
-              <a:rPr lang="en-US" dirty="0" err="1"/>
-              <a:t>release_date</a:t>
-            </a:r>
-            <a:r>
-              <a:rPr lang="en-US" dirty="0"/>
-              <a:t>, revenue, runtime, </a:t>
-            </a:r>
-            <a:r>
-              <a:rPr lang="en-US" dirty="0" err="1"/>
-              <a:t>spoken_languages</a:t>
-            </a:r>
-            <a:r>
-              <a:rPr lang="en-US" dirty="0"/>
-              <a:t>, status, tagline, title, video, </a:t>
-            </a:r>
-            <a:r>
-              <a:rPr lang="en-US" dirty="0" err="1"/>
-              <a:t>vote_average</a:t>
-            </a:r>
-            <a:r>
-              <a:rPr lang="en-US" dirty="0"/>
-              <a:t>, </a:t>
-            </a:r>
-            <a:r>
-              <a:rPr lang="en-US" dirty="0" err="1"/>
-              <a:t>vote_count</a:t>
-            </a:r>
-            <a:endParaRPr lang="en-US" dirty="0"/>
-          </a:p>
-        </p:txBody>
-      </p:sp>
-      <p:sp>
-        <p:nvSpPr>
-          <p:cNvPr id="5" name="Text Placeholder 4">
-            <a:extLst>
-              <a:ext uri="{FF2B5EF4-FFF2-40B4-BE49-F238E27FC236}">
-                <a16:creationId xmlns:a16="http://schemas.microsoft.com/office/drawing/2014/main" id="{1775A78E-67F4-4E3F-B558-D670016157AA}"/>
-              </a:ext>
-            </a:extLst>
-          </p:cNvPr>
-          <p:cNvSpPr>
-            <a:spLocks noGrp="1"/>
-          </p:cNvSpPr>
-          <p:nvPr>
-            <p:ph type="body" sz="quarter" idx="3"/>
-          </p:nvPr>
-        </p:nvSpPr>
-        <p:spPr/>
-        <p:txBody>
-          <a:bodyPr/>
-          <a:lstStyle/>
-          <a:p>
-            <a:r>
-              <a:rPr lang="en-US" dirty="0"/>
-              <a:t>Pre-processed data features</a:t>
-            </a:r>
-          </a:p>
-        </p:txBody>
-      </p:sp>
-      <p:sp>
-        <p:nvSpPr>
-          <p:cNvPr id="6" name="Content Placeholder 5">
-            <a:extLst>
-              <a:ext uri="{FF2B5EF4-FFF2-40B4-BE49-F238E27FC236}">
-                <a16:creationId xmlns:a16="http://schemas.microsoft.com/office/drawing/2014/main" id="{8E3C5DEF-5832-4320-BD1C-B647660D9A7F}"/>
-              </a:ext>
-            </a:extLst>
-          </p:cNvPr>
-          <p:cNvSpPr>
-            <a:spLocks noGrp="1"/>
-          </p:cNvSpPr>
-          <p:nvPr>
-            <p:ph sz="quarter" idx="4"/>
-          </p:nvPr>
-        </p:nvSpPr>
-        <p:spPr/>
-        <p:txBody>
-          <a:bodyPr>
-            <a:normAutofit fontScale="92500" lnSpcReduction="20000"/>
-          </a:bodyPr>
-          <a:lstStyle/>
-          <a:p>
-            <a:r>
-              <a:rPr lang="en-US" dirty="0"/>
-              <a:t>df_final.csv</a:t>
-            </a:r>
-          </a:p>
-          <a:p>
-            <a:pPr lvl="1"/>
-            <a:r>
-              <a:rPr lang="en-US" dirty="0"/>
-              <a:t>Release Year</a:t>
-            </a:r>
-          </a:p>
-          <a:p>
-            <a:pPr lvl="1"/>
-            <a:r>
-              <a:rPr lang="en-US" dirty="0"/>
-              <a:t>Title</a:t>
-            </a:r>
-          </a:p>
-          <a:p>
-            <a:pPr lvl="1"/>
-            <a:r>
-              <a:rPr lang="en-US" dirty="0"/>
-              <a:t>Plot</a:t>
-            </a:r>
-          </a:p>
-          <a:p>
-            <a:pPr lvl="1"/>
-            <a:r>
-              <a:rPr lang="en-US" dirty="0"/>
-              <a:t>Overview</a:t>
-            </a:r>
-          </a:p>
-          <a:p>
-            <a:pPr lvl="1"/>
+              <a:t>cleaned_overview</a:t>
+            </a:r>
+            <a:r>
+              <a:rPr lang="en-US" dirty="0"/>
+              <a:t> and </a:t>
+            </a:r>
             <a:r>
               <a:rPr lang="en-US" dirty="0" err="1"/>
               <a:t>cleaned_plot</a:t>
             </a:r>
+            <a:r>
+              <a:rPr lang="en-US" dirty="0"/>
+              <a:t> columns by:</a:t>
+            </a:r>
+          </a:p>
+          <a:p>
+            <a:pPr lvl="1"/>
+            <a:r>
+              <a:rPr lang="en-US" dirty="0"/>
+              <a:t>Convert everything to lowercase</a:t>
+            </a:r>
+          </a:p>
+          <a:p>
+            <a:pPr lvl="1"/>
+            <a:r>
+              <a:rPr lang="en-US" dirty="0"/>
+              <a:t>Remove HTML tags</a:t>
+            </a:r>
+          </a:p>
+          <a:p>
+            <a:pPr lvl="1"/>
+            <a:r>
+              <a:rPr lang="en-US" dirty="0"/>
+              <a:t>Contraction mapping (Don’t </a:t>
+            </a:r>
+            <a:r>
+              <a:rPr lang="en-US" dirty="0">
+                <a:sym typeface="Wingdings" panose="05000000000000000000" pitchFamily="2" charset="2"/>
+              </a:rPr>
+              <a:t> do not)</a:t>
+            </a:r>
+          </a:p>
+          <a:p>
+            <a:pPr lvl="1"/>
+            <a:r>
+              <a:rPr lang="en-US" dirty="0">
+                <a:sym typeface="Wingdings" panose="05000000000000000000" pitchFamily="2" charset="2"/>
+              </a:rPr>
+              <a:t>Remove possessives (-’s)</a:t>
+            </a:r>
+          </a:p>
+          <a:p>
+            <a:pPr lvl="1"/>
+            <a:r>
+              <a:rPr lang="en-US" dirty="0">
+                <a:sym typeface="Wingdings" panose="05000000000000000000" pitchFamily="2" charset="2"/>
+              </a:rPr>
+              <a:t>Remove text inside parenthesis </a:t>
+            </a:r>
+          </a:p>
+          <a:p>
+            <a:pPr lvl="1"/>
+            <a:r>
+              <a:rPr lang="en-US" dirty="0">
+                <a:sym typeface="Wingdings" panose="05000000000000000000" pitchFamily="2" charset="2"/>
+              </a:rPr>
+              <a:t>Eliminate punctuations and special characters</a:t>
+            </a:r>
+          </a:p>
+          <a:p>
+            <a:pPr lvl="1"/>
+            <a:r>
+              <a:rPr lang="en-US" dirty="0">
+                <a:sym typeface="Wingdings" panose="05000000000000000000" pitchFamily="2" charset="2"/>
+              </a:rPr>
+              <a:t>Remove </a:t>
+            </a:r>
+            <a:r>
+              <a:rPr lang="en-US" dirty="0" err="1">
+                <a:sym typeface="Wingdings" panose="05000000000000000000" pitchFamily="2" charset="2"/>
+              </a:rPr>
+              <a:t>stopwords</a:t>
+            </a:r>
             <a:endParaRPr lang="en-US" dirty="0"/>
           </a:p>
           <a:p>
+            <a:r>
+              <a:rPr lang="en-US" dirty="0"/>
+              <a:t>Why is it necessary to preprocess in NLP?</a:t>
+            </a:r>
+          </a:p>
+          <a:p>
             <a:pPr lvl="1"/>
             <a:r>
-              <a:rPr lang="en-US" dirty="0" err="1"/>
-              <a:t>cleaned_overview</a:t>
-            </a:r>
-            <a:endParaRPr lang="en-US" dirty="0"/>
+              <a:rPr lang="en-US" dirty="0"/>
+              <a:t>Machine learning algorithms perform better if the text is given in a more digestible form. </a:t>
+            </a:r>
           </a:p>
         </p:txBody>
       </p:sp>
     </p:spTree>
     <p:extLst>
       <p:ext uri="{BB962C8B-B14F-4D97-AF65-F5344CB8AC3E}">
-        <p14:creationId xmlns:p14="http://schemas.microsoft.com/office/powerpoint/2010/main" val="1425781811"/>
+        <p14:creationId xmlns:p14="http://schemas.microsoft.com/office/powerpoint/2010/main" val="2271807639"/>
       </p:ext>
     </p:extLst>
   </p:cSld>
@@ -4919,206 +9041,6 @@
           <p:cNvPr id="2" name="Title 1">
             <a:extLst>
               <a:ext uri="{FF2B5EF4-FFF2-40B4-BE49-F238E27FC236}">
-                <a16:creationId xmlns:a16="http://schemas.microsoft.com/office/drawing/2014/main" id="{44898B6D-C684-49BF-9BA0-61B4727EFD6B}"/>
-              </a:ext>
-            </a:extLst>
-          </p:cNvPr>
-          <p:cNvSpPr>
-            <a:spLocks noGrp="1"/>
-          </p:cNvSpPr>
-          <p:nvPr>
-            <p:ph type="title"/>
-          </p:nvPr>
-        </p:nvSpPr>
-        <p:spPr/>
-        <p:txBody>
-          <a:bodyPr/>
-          <a:lstStyle/>
-          <a:p>
-            <a:pPr algn="ctr"/>
-            <a:r>
-              <a:rPr lang="en-US" dirty="0"/>
-              <a:t>Data preprocessing</a:t>
-            </a:r>
-          </a:p>
-        </p:txBody>
-      </p:sp>
-      <p:sp>
-        <p:nvSpPr>
-          <p:cNvPr id="3" name="Content Placeholder 2">
-            <a:extLst>
-              <a:ext uri="{FF2B5EF4-FFF2-40B4-BE49-F238E27FC236}">
-                <a16:creationId xmlns:a16="http://schemas.microsoft.com/office/drawing/2014/main" id="{5FFDB6FD-CC60-4503-8331-B53B0D80B6B9}"/>
-              </a:ext>
-            </a:extLst>
-          </p:cNvPr>
-          <p:cNvSpPr>
-            <a:spLocks noGrp="1"/>
-          </p:cNvSpPr>
-          <p:nvPr>
-            <p:ph idx="1"/>
-          </p:nvPr>
-        </p:nvSpPr>
-        <p:spPr/>
-        <p:txBody>
-          <a:bodyPr>
-            <a:normAutofit fontScale="92500" lnSpcReduction="20000"/>
-          </a:bodyPr>
-          <a:lstStyle/>
-          <a:p>
-            <a:r>
-              <a:rPr lang="en-US" dirty="0"/>
-              <a:t>Loaded and merged the two csv files</a:t>
-            </a:r>
-          </a:p>
-          <a:p>
-            <a:r>
-              <a:rPr lang="en-US" dirty="0"/>
-              <a:t>Dropped all unnecessary columns</a:t>
-            </a:r>
-          </a:p>
-          <a:p>
-            <a:r>
-              <a:rPr lang="en-US" dirty="0"/>
-              <a:t>Created the </a:t>
-            </a:r>
-            <a:r>
-              <a:rPr lang="en-US" dirty="0" err="1"/>
-              <a:t>cleaned_overview</a:t>
-            </a:r>
-            <a:r>
-              <a:rPr lang="en-US" dirty="0"/>
-              <a:t> and </a:t>
-            </a:r>
-            <a:r>
-              <a:rPr lang="en-US" dirty="0" err="1"/>
-              <a:t>cleaned_plot</a:t>
-            </a:r>
-            <a:r>
-              <a:rPr lang="en-US" dirty="0"/>
-              <a:t> columns by:</a:t>
-            </a:r>
-          </a:p>
-          <a:p>
-            <a:pPr lvl="1"/>
-            <a:r>
-              <a:rPr lang="en-US" dirty="0"/>
-              <a:t>Convert everything to lowercase</a:t>
-            </a:r>
-          </a:p>
-          <a:p>
-            <a:pPr lvl="1"/>
-            <a:r>
-              <a:rPr lang="en-US" dirty="0"/>
-              <a:t>Remove HTML tags</a:t>
-            </a:r>
-          </a:p>
-          <a:p>
-            <a:pPr lvl="1"/>
-            <a:r>
-              <a:rPr lang="en-US" dirty="0"/>
-              <a:t>Contraction mapping (Don’t </a:t>
-            </a:r>
-            <a:r>
-              <a:rPr lang="en-US" dirty="0">
-                <a:sym typeface="Wingdings" panose="05000000000000000000" pitchFamily="2" charset="2"/>
-              </a:rPr>
-              <a:t> do not)</a:t>
-            </a:r>
-          </a:p>
-          <a:p>
-            <a:pPr lvl="1"/>
-            <a:r>
-              <a:rPr lang="en-US" dirty="0">
-                <a:sym typeface="Wingdings" panose="05000000000000000000" pitchFamily="2" charset="2"/>
-              </a:rPr>
-              <a:t>Remove possessives (-’s)</a:t>
-            </a:r>
-          </a:p>
-          <a:p>
-            <a:pPr lvl="1"/>
-            <a:r>
-              <a:rPr lang="en-US" dirty="0">
-                <a:sym typeface="Wingdings" panose="05000000000000000000" pitchFamily="2" charset="2"/>
-              </a:rPr>
-              <a:t>Remove text inside parenthesis </a:t>
-            </a:r>
-          </a:p>
-          <a:p>
-            <a:pPr lvl="1"/>
-            <a:r>
-              <a:rPr lang="en-US" dirty="0">
-                <a:sym typeface="Wingdings" panose="05000000000000000000" pitchFamily="2" charset="2"/>
-              </a:rPr>
-              <a:t>Eliminate punctuations and special characters</a:t>
-            </a:r>
-          </a:p>
-          <a:p>
-            <a:pPr lvl="1"/>
-            <a:r>
-              <a:rPr lang="en-US" dirty="0">
-                <a:sym typeface="Wingdings" panose="05000000000000000000" pitchFamily="2" charset="2"/>
-              </a:rPr>
-              <a:t>Remove </a:t>
-            </a:r>
-            <a:r>
-              <a:rPr lang="en-US" dirty="0" err="1">
-                <a:sym typeface="Wingdings" panose="05000000000000000000" pitchFamily="2" charset="2"/>
-              </a:rPr>
-              <a:t>stopwords</a:t>
-            </a:r>
-            <a:endParaRPr lang="en-US" dirty="0"/>
-          </a:p>
-          <a:p>
-            <a:r>
-              <a:rPr lang="en-US" dirty="0"/>
-              <a:t>Why is it necessary to preprocess in NLP?</a:t>
-            </a:r>
-          </a:p>
-          <a:p>
-            <a:pPr lvl="1"/>
-            <a:r>
-              <a:rPr lang="en-US" dirty="0"/>
-              <a:t>Machine learning algorithms perform better if the text is given in a more digestible form. </a:t>
-            </a:r>
-          </a:p>
-        </p:txBody>
-      </p:sp>
-    </p:spTree>
-    <p:extLst>
-      <p:ext uri="{BB962C8B-B14F-4D97-AF65-F5344CB8AC3E}">
-        <p14:creationId xmlns:p14="http://schemas.microsoft.com/office/powerpoint/2010/main" val="2271807639"/>
-      </p:ext>
-    </p:extLst>
-  </p:cSld>
-  <p:clrMapOvr>
-    <a:masterClrMapping/>
-  </p:clrMapOvr>
-</p:sld>
-</file>
-
-<file path=ppt/slides/slide7.xml><?xml version="1.0" encoding="utf-8"?>
-<p:sld xmlns:a="http://schemas.openxmlformats.org/drawingml/2006/main" xmlns:r="http://schemas.openxmlformats.org/officeDocument/2006/relationships" xmlns:p="http://schemas.openxmlformats.org/presentationml/2006/main">
-  <p:cSld>
-    <p:spTree>
-      <p:nvGrpSpPr>
-        <p:cNvPr id="1" name=""/>
-        <p:cNvGrpSpPr/>
-        <p:nvPr/>
-      </p:nvGrpSpPr>
-      <p:grpSpPr>
-        <a:xfrm>
-          <a:off x="0" y="0"/>
-          <a:ext cx="0" cy="0"/>
-          <a:chOff x="0" y="0"/>
-          <a:chExt cx="0" cy="0"/>
-        </a:xfrm>
-      </p:grpSpPr>
-      <p:sp>
-        <p:nvSpPr>
-          <p:cNvPr id="2" name="Title 1">
-            <a:extLst>
-              <a:ext uri="{FF2B5EF4-FFF2-40B4-BE49-F238E27FC236}">
                 <a16:creationId xmlns:a16="http://schemas.microsoft.com/office/drawing/2014/main" id="{B2E0D334-F664-44A7-BCC2-0D9108F0F6C5}"/>
               </a:ext>
             </a:extLst>
@@ -5130,7 +9052,12 @@
             <p:ph type="title"/>
           </p:nvPr>
         </p:nvSpPr>
-        <p:spPr/>
+        <p:spPr>
+          <a:xfrm>
+            <a:off x="913774" y="-145202"/>
+            <a:ext cx="10364451" cy="1596177"/>
+          </a:xfrm>
+        </p:spPr>
         <p:txBody>
           <a:bodyPr/>
           <a:lstStyle/>
@@ -5172,8 +9099,8 @@
         </p:blipFill>
         <p:spPr>
           <a:xfrm>
-            <a:off x="2701576" y="1585912"/>
-            <a:ext cx="6788848" cy="3024188"/>
+            <a:off x="2231166" y="1301749"/>
+            <a:ext cx="7729665" cy="3443288"/>
           </a:xfrm>
         </p:spPr>
       </p:pic>
@@ -5369,14 +9296,74 @@
             </a:lvl9pPr>
           </a:lstStyle>
           <a:p>
-            <a:r>
-              <a:rPr lang="en-US" dirty="0"/>
+            <a:pPr marL="228600" marR="0" lvl="0" indent="-228600" algn="l" defTabSz="914400" rtl="0" eaLnBrk="1" fontAlgn="auto" latinLnBrk="0" hangingPunct="1">
+              <a:lnSpc>
+                <a:spcPct val="90000"/>
+              </a:lnSpc>
+              <a:spcBef>
+                <a:spcPts val="1000"/>
+              </a:spcBef>
+              <a:spcAft>
+                <a:spcPts val="0"/>
+              </a:spcAft>
+              <a:buClrTx/>
+              <a:buSzTx/>
+              <a:buFont typeface="Arial" panose="020B0604020202020204" pitchFamily="34" charset="0"/>
+              <a:buChar char="•"/>
+              <a:tabLst/>
+              <a:defRPr/>
+            </a:pPr>
+            <a:r>
+              <a:rPr kumimoji="0" lang="en-US" sz="2800" b="0" i="0" u="none" strike="noStrike" kern="1200" cap="none" spc="0" normalizeH="0" baseline="0" noProof="0" dirty="0">
+                <a:ln>
+                  <a:noFill/>
+                </a:ln>
+                <a:solidFill>
+                  <a:prstClr val="black"/>
+                </a:solidFill>
+                <a:effectLst/>
+                <a:uLnTx/>
+                <a:uFillTx/>
+                <a:latin typeface="Tw Cen MT" panose="020B0602020104020603"/>
+                <a:ea typeface="+mn-ea"/>
+                <a:cs typeface="+mn-cs"/>
+              </a:rPr>
               <a:t>Plots greater than 600 words and overviews greater than 125 words were cut. </a:t>
             </a:r>
           </a:p>
           <a:p>
-            <a:r>
-              <a:rPr lang="en-US" dirty="0"/>
+            <a:pPr marL="228600" marR="0" lvl="0" indent="-228600" algn="l" defTabSz="914400" rtl="0" eaLnBrk="1" fontAlgn="auto" latinLnBrk="0" hangingPunct="1">
+              <a:lnSpc>
+                <a:spcPct val="90000"/>
+              </a:lnSpc>
+              <a:spcBef>
+                <a:spcPts val="1000"/>
+              </a:spcBef>
+              <a:spcAft>
+                <a:spcPts val="0"/>
+              </a:spcAft>
+              <a:buClrTx/>
+              <a:buSzTx/>
+              <a:buFont typeface="Arial" panose="020B0604020202020204" pitchFamily="34" charset="0"/>
+              <a:buChar char="•"/>
+              <a:tabLst/>
+              <a:defRPr/>
+            </a:pPr>
+            <a:r>
+              <a:rPr kumimoji="0" lang="en-US" sz="2800" b="0" i="0" u="none" strike="noStrike" kern="1200" cap="none" spc="0" normalizeH="0" baseline="0" noProof="0" dirty="0">
+                <a:ln>
+                  <a:noFill/>
+                </a:ln>
+                <a:solidFill>
+                  <a:prstClr val="black"/>
+                </a:solidFill>
+                <a:effectLst/>
+                <a:uLnTx/>
+                <a:uFillTx/>
+                <a:latin typeface="Tw Cen MT" panose="020B0602020104020603"/>
+                <a:ea typeface="+mn-ea"/>
+                <a:cs typeface="+mn-cs"/>
+              </a:rPr>
               <a:t>The extreme outliers would have been cut anyway to help the models learn better, but most importantly we needed to trim to ease the computational burden on the computer.  </a:t>
             </a:r>
           </a:p>
@@ -5386,6 +9373,141 @@
     <p:extLst>
       <p:ext uri="{BB962C8B-B14F-4D97-AF65-F5344CB8AC3E}">
         <p14:creationId xmlns:p14="http://schemas.microsoft.com/office/powerpoint/2010/main" val="2145747104"/>
+      </p:ext>
+    </p:extLst>
+  </p:cSld>
+  <p:clrMapOvr>
+    <a:masterClrMapping/>
+  </p:clrMapOvr>
+</p:sld>
+</file>
+
+<file path=ppt/slides/slide7.xml><?xml version="1.0" encoding="utf-8"?>
+<p:sld xmlns:a="http://schemas.openxmlformats.org/drawingml/2006/main" xmlns:r="http://schemas.openxmlformats.org/officeDocument/2006/relationships" xmlns:p="http://schemas.openxmlformats.org/presentationml/2006/main">
+  <p:cSld>
+    <p:spTree>
+      <p:nvGrpSpPr>
+        <p:cNvPr id="1" name=""/>
+        <p:cNvGrpSpPr/>
+        <p:nvPr/>
+      </p:nvGrpSpPr>
+      <p:grpSpPr>
+        <a:xfrm>
+          <a:off x="0" y="0"/>
+          <a:ext cx="0" cy="0"/>
+          <a:chOff x="0" y="0"/>
+          <a:chExt cx="0" cy="0"/>
+        </a:xfrm>
+      </p:grpSpPr>
+      <p:sp>
+        <p:nvSpPr>
+          <p:cNvPr id="2" name="Title 1">
+            <a:extLst>
+              <a:ext uri="{FF2B5EF4-FFF2-40B4-BE49-F238E27FC236}">
+                <a16:creationId xmlns:a16="http://schemas.microsoft.com/office/drawing/2014/main" id="{1501081F-EC58-44A8-9B0D-4D3F2DFD0E11}"/>
+              </a:ext>
+            </a:extLst>
+          </p:cNvPr>
+          <p:cNvSpPr>
+            <a:spLocks noGrp="1"/>
+          </p:cNvSpPr>
+          <p:nvPr>
+            <p:ph type="title"/>
+          </p:nvPr>
+        </p:nvSpPr>
+        <p:spPr/>
+        <p:txBody>
+          <a:bodyPr/>
+          <a:lstStyle/>
+          <a:p>
+            <a:r>
+              <a:rPr lang="en-US" dirty="0"/>
+              <a:t>Evaluation Metrics</a:t>
+            </a:r>
+          </a:p>
+        </p:txBody>
+      </p:sp>
+      <p:sp>
+        <p:nvSpPr>
+          <p:cNvPr id="3" name="Content Placeholder 2">
+            <a:extLst>
+              <a:ext uri="{FF2B5EF4-FFF2-40B4-BE49-F238E27FC236}">
+                <a16:creationId xmlns:a16="http://schemas.microsoft.com/office/drawing/2014/main" id="{9416ED2D-9609-40E2-9715-748602C9F8D1}"/>
+              </a:ext>
+            </a:extLst>
+          </p:cNvPr>
+          <p:cNvSpPr>
+            <a:spLocks noGrp="1"/>
+          </p:cNvSpPr>
+          <p:nvPr>
+            <p:ph idx="1"/>
+          </p:nvPr>
+        </p:nvSpPr>
+        <p:spPr/>
+        <p:txBody>
+          <a:bodyPr>
+            <a:normAutofit lnSpcReduction="10000"/>
+          </a:bodyPr>
+          <a:lstStyle/>
+          <a:p>
+            <a:r>
+              <a:rPr lang="en-US" dirty="0"/>
+              <a:t>Human Subjective evaluation</a:t>
+            </a:r>
+          </a:p>
+          <a:p>
+            <a:r>
+              <a:rPr lang="en-US" u="sng" dirty="0"/>
+              <a:t>Cosine similarity</a:t>
+            </a:r>
+          </a:p>
+          <a:p>
+            <a:pPr lvl="1"/>
+            <a:r>
+              <a:rPr lang="en-US" b="0" i="0" dirty="0">
+                <a:solidFill>
+                  <a:srgbClr val="000000"/>
+                </a:solidFill>
+                <a:effectLst/>
+                <a:latin typeface="Georgia" panose="02040502050405020303" pitchFamily="18" charset="0"/>
+              </a:rPr>
+              <a:t>measures how similar two documents are regardless of their size by using the cosine of the angle between two vectors projected in a multi-dimensional space. </a:t>
+            </a:r>
+          </a:p>
+          <a:p>
+            <a:pPr lvl="1"/>
+            <a:r>
+              <a:rPr lang="en-US" b="0" i="0" dirty="0">
+                <a:solidFill>
+                  <a:srgbClr val="000000"/>
+                </a:solidFill>
+                <a:effectLst/>
+                <a:latin typeface="Georgia" panose="02040502050405020303" pitchFamily="18" charset="0"/>
+              </a:rPr>
+              <a:t>advantageous because even if the two documents are far apart in their Euclidean distance (because of the difference in document sizes), they may still be oriented close together. </a:t>
+            </a:r>
+          </a:p>
+          <a:p>
+            <a:r>
+              <a:rPr lang="en-US" u="sng" dirty="0">
+                <a:solidFill>
+                  <a:srgbClr val="000000"/>
+                </a:solidFill>
+                <a:latin typeface="Georgia" panose="02040502050405020303" pitchFamily="18" charset="0"/>
+              </a:rPr>
+              <a:t>ROUGE scores</a:t>
+            </a:r>
+            <a:endParaRPr lang="en-US" u="sng" dirty="0"/>
+          </a:p>
+          <a:p>
+            <a:endParaRPr lang="en-US" dirty="0"/>
+          </a:p>
+        </p:txBody>
+      </p:sp>
+    </p:spTree>
+    <p:extLst>
+      <p:ext uri="{BB962C8B-B14F-4D97-AF65-F5344CB8AC3E}">
+        <p14:creationId xmlns:p14="http://schemas.microsoft.com/office/powerpoint/2010/main" val="3294990256"/>
       </p:ext>
     </p:extLst>
   </p:cSld>
@@ -5417,7 +9539,7 @@
           <p:cNvPr id="2" name="Title 1">
             <a:extLst>
               <a:ext uri="{FF2B5EF4-FFF2-40B4-BE49-F238E27FC236}">
-                <a16:creationId xmlns:a16="http://schemas.microsoft.com/office/drawing/2014/main" id="{173C84B0-FCF9-4232-B60B-CC3813F22082}"/>
+                <a16:creationId xmlns:a16="http://schemas.microsoft.com/office/drawing/2014/main" id="{2B0C9EAB-01D6-47CD-8DDF-9DDEDE015C8D}"/>
               </a:ext>
             </a:extLst>
           </p:cNvPr>
@@ -5428,14 +9550,23 @@
             <p:ph type="title"/>
           </p:nvPr>
         </p:nvSpPr>
-        <p:spPr/>
+        <p:spPr>
+          <a:xfrm>
+            <a:off x="913149" y="119753"/>
+            <a:ext cx="10364451" cy="1596177"/>
+          </a:xfrm>
+        </p:spPr>
         <p:txBody>
           <a:bodyPr/>
           <a:lstStyle/>
           <a:p>
             <a:r>
-              <a:rPr lang="en-US" dirty="0"/>
-              <a:t>Problems</a:t>
+              <a:rPr lang="en-US" dirty="0" err="1"/>
+              <a:t>ROUge</a:t>
+            </a:r>
+            <a:r>
+              <a:rPr lang="en-US" dirty="0"/>
+              <a:t> scores</a:t>
             </a:r>
           </a:p>
         </p:txBody>
@@ -5445,7 +9576,7 @@
           <p:cNvPr id="3" name="Content Placeholder 2">
             <a:extLst>
               <a:ext uri="{FF2B5EF4-FFF2-40B4-BE49-F238E27FC236}">
-                <a16:creationId xmlns:a16="http://schemas.microsoft.com/office/drawing/2014/main" id="{94E39E93-A8AC-498E-BEF7-E7380C5F40DC}"/>
+                <a16:creationId xmlns:a16="http://schemas.microsoft.com/office/drawing/2014/main" id="{144E37D7-FC5C-47D0-AF72-CF32E992C64E}"/>
               </a:ext>
             </a:extLst>
           </p:cNvPr>
@@ -5453,17 +9584,109 @@
             <a:spLocks noGrp="1"/>
           </p:cNvSpPr>
           <p:nvPr>
-            <p:ph idx="1"/>
-          </p:nvPr>
-        </p:nvSpPr>
-        <p:spPr/>
-        <p:txBody>
-          <a:bodyPr/>
-          <a:lstStyle/>
-          <a:p>
-            <a:r>
-              <a:rPr lang="en-US" dirty="0"/>
-              <a:t>CUDA </a:t>
+            <p:ph sz="quarter" idx="13"/>
+          </p:nvPr>
+        </p:nvSpPr>
+        <p:spPr>
+          <a:xfrm>
+            <a:off x="913774" y="1468582"/>
+            <a:ext cx="10363826" cy="5467928"/>
+          </a:xfrm>
+        </p:spPr>
+        <p:txBody>
+          <a:bodyPr>
+            <a:normAutofit fontScale="77500" lnSpcReduction="20000"/>
+          </a:bodyPr>
+          <a:lstStyle/>
+          <a:p>
+            <a:r>
+              <a:rPr lang="en-US" dirty="0"/>
+              <a:t>ROUGE is a set of metrics comprised of a ROUGE-N (ROUGE-1, ROUGE-2, etc.) and ROUGE-L, both of which have a recall, precision and F1 score.</a:t>
+            </a:r>
+          </a:p>
+          <a:p>
+            <a:r>
+              <a:rPr lang="en-US" b="1" u="sng" dirty="0"/>
+              <a:t>ROUGE-N</a:t>
+            </a:r>
+            <a:r>
+              <a:rPr lang="en-US" dirty="0"/>
+              <a:t>: Measures the number of matching 'n-grams' between generated text and the reference text. </a:t>
+            </a:r>
+          </a:p>
+          <a:p>
+            <a:pPr lvl="1"/>
+            <a:r>
+              <a:rPr lang="en-US" dirty="0"/>
+              <a:t>ROUGE-1 measures the matching number of unigrams (1 token/word). ROUGE-2 measures the matching number of bigrams (2 consecutive tokens/words).</a:t>
+            </a:r>
+          </a:p>
+          <a:p>
+            <a:r>
+              <a:rPr lang="en-US" b="1" u="sng" dirty="0"/>
+              <a:t>Recall</a:t>
+            </a:r>
+            <a:r>
+              <a:rPr lang="en-US" dirty="0"/>
+              <a:t>: counts the number of overlapping n-grams found in both the model output and reference divided by the total number of n-grams in the reference. </a:t>
+            </a:r>
+          </a:p>
+          <a:p>
+            <a:pPr lvl="1"/>
+            <a:r>
+              <a:rPr lang="en-US" dirty="0"/>
+              <a:t>This ensures our model is getting all the information in the reference, but does NOT ensure our model isn't just producing a large number of words to improve the recall score.</a:t>
+            </a:r>
+          </a:p>
+          <a:p>
+            <a:r>
+              <a:rPr lang="en-US" b="1" u="sng" dirty="0"/>
+              <a:t>Precision</a:t>
+            </a:r>
+            <a:r>
+              <a:rPr lang="en-US" dirty="0"/>
+              <a:t>: counts the number of overlapping n-grams found in the model output and reference, and then divides this by the model n-gram count (rather than the reference n-gram count). </a:t>
+            </a:r>
+          </a:p>
+          <a:p>
+            <a:pPr lvl="1"/>
+            <a:r>
+              <a:rPr lang="en-US" dirty="0"/>
+              <a:t>essentially measures how much of the output of the machine generated summary was in fact relevant or needed. This helps us to avoid the problem with recall mentioned above. Thus, precision is crucial when you are trying to generate summaries that are concise rather than verbose.</a:t>
+            </a:r>
+          </a:p>
+          <a:p>
+            <a:r>
+              <a:rPr lang="en-US" b="1" u="sng" dirty="0"/>
+              <a:t>F1</a:t>
+            </a:r>
+            <a:r>
+              <a:rPr lang="en-US" dirty="0"/>
+              <a:t>: The best of both worlds, F1 is 2 * ((precision * recall) / (precision + recall)). </a:t>
+            </a:r>
+          </a:p>
+          <a:p>
+            <a:r>
+              <a:rPr lang="en-US" b="1" u="sng" dirty="0"/>
+              <a:t>ROUGE-L</a:t>
+            </a:r>
+            <a:r>
+              <a:rPr lang="en-US" dirty="0"/>
+              <a:t>: measures the LCS (longest common sequence) of tokens between the model output and the reference. </a:t>
+            </a:r>
+          </a:p>
+          <a:p>
+            <a:pPr lvl="1"/>
+            <a:r>
+              <a:rPr lang="en-US" dirty="0"/>
+              <a:t>the idea is that a longer shared sequence indicates more similarity. </a:t>
+            </a:r>
+          </a:p>
+          <a:p>
+            <a:pPr lvl="1"/>
+            <a:r>
+              <a:rPr lang="en-US" dirty="0"/>
+              <a:t>Recall, Precision and F1 are used just as before but instead of matched n-grams we use LCS as the numerator.</a:t>
             </a:r>
           </a:p>
         </p:txBody>
@@ -5471,7 +9694,7 @@
     </p:spTree>
     <p:extLst>
       <p:ext uri="{BB962C8B-B14F-4D97-AF65-F5344CB8AC3E}">
-        <p14:creationId xmlns:p14="http://schemas.microsoft.com/office/powerpoint/2010/main" val="778679977"/>
+        <p14:creationId xmlns:p14="http://schemas.microsoft.com/office/powerpoint/2010/main" val="1851218892"/>
       </p:ext>
     </p:extLst>
   </p:cSld>
@@ -5503,7 +9726,7 @@
           <p:cNvPr id="2" name="Title 1">
             <a:extLst>
               <a:ext uri="{FF2B5EF4-FFF2-40B4-BE49-F238E27FC236}">
-                <a16:creationId xmlns:a16="http://schemas.microsoft.com/office/drawing/2014/main" id="{1501081F-EC58-44A8-9B0D-4D3F2DFD0E11}"/>
+                <a16:creationId xmlns:a16="http://schemas.microsoft.com/office/drawing/2014/main" id="{AAEEC537-2106-49DD-967A-35B1672B0621}"/>
               </a:ext>
             </a:extLst>
           </p:cNvPr>
@@ -5521,7 +9744,7 @@
           <a:p>
             <a:r>
               <a:rPr lang="en-US" dirty="0"/>
-              <a:t>Evaluation Metrics</a:t>
+              <a:t>Extractive models</a:t>
             </a:r>
           </a:p>
         </p:txBody>
@@ -5531,7 +9754,7 @@
           <p:cNvPr id="3" name="Content Placeholder 2">
             <a:extLst>
               <a:ext uri="{FF2B5EF4-FFF2-40B4-BE49-F238E27FC236}">
-                <a16:creationId xmlns:a16="http://schemas.microsoft.com/office/drawing/2014/main" id="{9416ED2D-9609-40E2-9715-748602C9F8D1}"/>
+                <a16:creationId xmlns:a16="http://schemas.microsoft.com/office/drawing/2014/main" id="{86CD833E-38EC-4A93-801A-BEEA5BE5A214}"/>
               </a:ext>
             </a:extLst>
           </p:cNvPr>
@@ -5542,19 +9765,132 @@
             <p:ph idx="1"/>
           </p:nvPr>
         </p:nvSpPr>
-        <p:spPr/>
-        <p:txBody>
-          <a:bodyPr/>
-          <a:lstStyle/>
-          <a:p>
-            <a:endParaRPr lang="en-US"/>
+        <p:spPr>
+          <a:xfrm>
+            <a:off x="913775" y="2214694"/>
+            <a:ext cx="10364452" cy="4537087"/>
+          </a:xfrm>
+        </p:spPr>
+        <p:txBody>
+          <a:bodyPr>
+            <a:normAutofit fontScale="85000" lnSpcReduction="10000"/>
+          </a:bodyPr>
+          <a:lstStyle/>
+          <a:p>
+            <a:r>
+              <a:rPr lang="en-US" b="1" u="sng" dirty="0"/>
+              <a:t>Spacy</a:t>
+            </a:r>
+            <a:r>
+              <a:rPr lang="en-US" dirty="0"/>
+              <a:t>: </a:t>
+            </a:r>
+          </a:p>
+          <a:p>
+            <a:pPr lvl="1"/>
+            <a:r>
+              <a:rPr lang="en-US" dirty="0"/>
+              <a:t>Utilizes TF-IDF (Term-Frequency-Inverse Data Frequency) to weigh the importance of each sentence</a:t>
+            </a:r>
+          </a:p>
+          <a:p>
+            <a:pPr lvl="1"/>
+            <a:r>
+              <a:rPr lang="en-US" dirty="0"/>
+              <a:t>TF: measures how frequently a term occurs in a document (divided by document length)</a:t>
+            </a:r>
+          </a:p>
+          <a:p>
+            <a:pPr lvl="1"/>
+            <a:r>
+              <a:rPr lang="en-US" dirty="0"/>
+              <a:t>IDF: measures how important the term is.</a:t>
+            </a:r>
+          </a:p>
+          <a:p>
+            <a:pPr lvl="1"/>
+            <a:r>
+              <a:rPr lang="en-US" dirty="0"/>
+              <a:t>Each sentence will be weighed based on the frequency of the token present in each sentence.</a:t>
+            </a:r>
+          </a:p>
+          <a:p>
+            <a:r>
+              <a:rPr lang="en-US" b="1" u="sng" dirty="0"/>
+              <a:t>LSA</a:t>
+            </a:r>
+            <a:r>
+              <a:rPr lang="en-US" dirty="0"/>
+              <a:t> (latent semantic analysis): From the </a:t>
+            </a:r>
+            <a:r>
+              <a:rPr lang="en-US" dirty="0" err="1"/>
+              <a:t>sumy</a:t>
+            </a:r>
+            <a:r>
+              <a:rPr lang="en-US" dirty="0"/>
+              <a:t> library</a:t>
+            </a:r>
+          </a:p>
+          <a:p>
+            <a:pPr lvl="1"/>
+            <a:r>
+              <a:rPr lang="en-US" dirty="0"/>
+              <a:t>An unsupervised method that combines term frequency techniques with SVD (singular value decomposition).</a:t>
+            </a:r>
+          </a:p>
+          <a:p>
+            <a:pPr lvl="2"/>
+            <a:r>
+              <a:rPr lang="en-US" dirty="0"/>
+              <a:t>SVD can identify the patterns of relationships between the terms</a:t>
+            </a:r>
+          </a:p>
+          <a:p>
+            <a:pPr lvl="2"/>
+            <a:r>
+              <a:rPr lang="en-US" dirty="0"/>
+              <a:t>Based on the principle that words which occur in the same contexts tend to have similar meanings</a:t>
+            </a:r>
+          </a:p>
+          <a:p>
+            <a:pPr lvl="2"/>
+            <a:r>
+              <a:rPr lang="en-US" dirty="0"/>
+              <a:t>Computes a set of matrices which give the similarity between the documents</a:t>
+            </a:r>
+          </a:p>
+          <a:p>
+            <a:r>
+              <a:rPr lang="en-US" b="1" u="sng" dirty="0" err="1"/>
+              <a:t>Luhn</a:t>
+            </a:r>
+            <a:r>
+              <a:rPr lang="en-US" dirty="0"/>
+              <a:t>: from the </a:t>
+            </a:r>
+            <a:r>
+              <a:rPr lang="en-US" dirty="0" err="1"/>
+              <a:t>sumy</a:t>
+            </a:r>
+            <a:r>
+              <a:rPr lang="en-US" dirty="0"/>
+              <a:t> library</a:t>
+            </a:r>
+          </a:p>
+          <a:p>
+            <a:pPr lvl="1"/>
+            <a:r>
+              <a:rPr lang="en-US" dirty="0"/>
+              <a:t>Also utilizes TF-IDF, but it assigns higher weights to sentences occurring near the beginning of a document.</a:t>
+            </a:r>
           </a:p>
         </p:txBody>
       </p:sp>
     </p:spTree>
     <p:extLst>
       <p:ext uri="{BB962C8B-B14F-4D97-AF65-F5344CB8AC3E}">
-        <p14:creationId xmlns:p14="http://schemas.microsoft.com/office/powerpoint/2010/main" val="3294990256"/>
+        <p14:creationId xmlns:p14="http://schemas.microsoft.com/office/powerpoint/2010/main" val="2168984934"/>
       </p:ext>
     </p:extLst>
   </p:cSld>
@@ -5565,9 +9901,9 @@
 </file>
 
 <file path=ppt/theme/theme1.xml><?xml version="1.0" encoding="utf-8"?>
-<a:theme xmlns:a="http://schemas.openxmlformats.org/drawingml/2006/main" name="Office Theme">
+<a:theme xmlns:a="http://schemas.openxmlformats.org/drawingml/2006/main" name="Droplet">
   <a:themeElements>
-    <a:clrScheme name="Office">
+    <a:clrScheme name="Droplet">
       <a:dk1>
         <a:sysClr val="windowText" lastClr="000000"/>
       </a:dk1>
@@ -5575,44 +9911,44 @@
         <a:sysClr val="window" lastClr="FFFFFF"/>
       </a:lt1>
       <a:dk2>
-        <a:srgbClr val="44546A"/>
+        <a:srgbClr val="355071"/>
       </a:dk2>
       <a:lt2>
-        <a:srgbClr val="E7E6E6"/>
+        <a:srgbClr val="AABED7"/>
       </a:lt2>
       <a:accent1>
-        <a:srgbClr val="4472C4"/>
+        <a:srgbClr val="2FA3EE"/>
       </a:accent1>
       <a:accent2>
-        <a:srgbClr val="ED7D31"/>
+        <a:srgbClr val="4BCAAD"/>
       </a:accent2>
       <a:accent3>
-        <a:srgbClr val="A5A5A5"/>
+        <a:srgbClr val="86C157"/>
       </a:accent3>
       <a:accent4>
-        <a:srgbClr val="FFC000"/>
+        <a:srgbClr val="D99C3F"/>
       </a:accent4>
       <a:accent5>
-        <a:srgbClr val="5B9BD5"/>
+        <a:srgbClr val="CE6633"/>
       </a:accent5>
       <a:accent6>
-        <a:srgbClr val="70AD47"/>
+        <a:srgbClr val="A35DD1"/>
       </a:accent6>
       <a:hlink>
-        <a:srgbClr val="0563C1"/>
+        <a:srgbClr val="56BCFE"/>
       </a:hlink>
       <a:folHlink>
-        <a:srgbClr val="954F72"/>
+        <a:srgbClr val="97C5E3"/>
       </a:folHlink>
     </a:clrScheme>
-    <a:fontScheme name="Office">
+    <a:fontScheme name="Droplet">
       <a:majorFont>
-        <a:latin typeface="Calibri Light" panose="020F0302020204030204"/>
+        <a:latin typeface="Tw Cen MT" panose="020B0602020104020603"/>
         <a:ea typeface=""/>
         <a:cs typeface=""/>
-        <a:font script="Jpan" typeface="游ゴシック Light"/>
+        <a:font script="Jpan" typeface="ＭＳ Ｐゴシック"/>
         <a:font script="Hang" typeface="맑은 고딕"/>
-        <a:font script="Hans" typeface="等线 Light"/>
+        <a:font script="Hans" typeface="宋体"/>
         <a:font script="Hant" typeface="新細明體"/>
         <a:font script="Arab" typeface="Times New Roman"/>
         <a:font script="Hebr" typeface="Times New Roman"/>
@@ -5640,31 +9976,14 @@
         <a:font script="Viet" typeface="Times New Roman"/>
         <a:font script="Uigh" typeface="Microsoft Uighur"/>
         <a:font script="Geor" typeface="Sylfaen"/>
-        <a:font script="Armn" typeface="Arial"/>
-        <a:font script="Bugi" typeface="Leelawadee UI"/>
-        <a:font script="Bopo" typeface="Microsoft JhengHei"/>
-        <a:font script="Java" typeface="Javanese Text"/>
-        <a:font script="Lisu" typeface="Segoe UI"/>
-        <a:font script="Mymr" typeface="Myanmar Text"/>
-        <a:font script="Nkoo" typeface="Ebrima"/>
-        <a:font script="Olck" typeface="Nirmala UI"/>
-        <a:font script="Osma" typeface="Ebrima"/>
-        <a:font script="Phag" typeface="Phagspa"/>
-        <a:font script="Syrn" typeface="Estrangelo Edessa"/>
-        <a:font script="Syrj" typeface="Estrangelo Edessa"/>
-        <a:font script="Syre" typeface="Estrangelo Edessa"/>
-        <a:font script="Sora" typeface="Nirmala UI"/>
-        <a:font script="Tale" typeface="Microsoft Tai Le"/>
-        <a:font script="Talu" typeface="Microsoft New Tai Lue"/>
-        <a:font script="Tfng" typeface="Ebrima"/>
       </a:majorFont>
       <a:minorFont>
-        <a:latin typeface="Calibri" panose="020F0502020204030204"/>
+        <a:latin typeface="Tw Cen MT" panose="020B0602020104020603"/>
         <a:ea typeface=""/>
         <a:cs typeface=""/>
-        <a:font script="Jpan" typeface="游ゴシック"/>
+        <a:font script="Jpan" typeface="ＭＳ Ｐゴシック"/>
         <a:font script="Hang" typeface="맑은 고딕"/>
-        <a:font script="Hans" typeface="等线"/>
+        <a:font script="Hans" typeface="宋体"/>
         <a:font script="Hant" typeface="新細明體"/>
         <a:font script="Arab" typeface="Arial"/>
         <a:font script="Hebr" typeface="Arial"/>
@@ -5692,27 +10011,105 @@
         <a:font script="Viet" typeface="Arial"/>
         <a:font script="Uigh" typeface="Microsoft Uighur"/>
         <a:font script="Geor" typeface="Sylfaen"/>
-        <a:font script="Armn" typeface="Arial"/>
-        <a:font script="Bugi" typeface="Leelawadee UI"/>
-        <a:font script="Bopo" typeface="Microsoft JhengHei"/>
-        <a:font script="Java" typeface="Javanese Text"/>
-        <a:font script="Lisu" typeface="Segoe UI"/>
-        <a:font script="Mymr" typeface="Myanmar Text"/>
-        <a:font script="Nkoo" typeface="Ebrima"/>
-        <a:font script="Olck" typeface="Nirmala UI"/>
-        <a:font script="Osma" typeface="Ebrima"/>
-        <a:font script="Phag" typeface="Phagspa"/>
-        <a:font script="Syrn" typeface="Estrangelo Edessa"/>
-        <a:font script="Syrj" typeface="Estrangelo Edessa"/>
-        <a:font script="Syre" typeface="Estrangelo Edessa"/>
-        <a:font script="Sora" typeface="Nirmala UI"/>
-        <a:font script="Tale" typeface="Microsoft Tai Le"/>
-        <a:font script="Talu" typeface="Microsoft New Tai Lue"/>
-        <a:font script="Tfng" typeface="Ebrima"/>
       </a:minorFont>
     </a:fontScheme>
-    <a:fmtScheme name="Office">
+    <a:fmtScheme name="Droplet">
       <a:fillStyleLst>
+        <a:solidFill>
+          <a:schemeClr val="phClr"/>
+        </a:solidFill>
+        <a:solidFill>
+          <a:schemeClr val="phClr">
+            <a:tint val="69000"/>
+            <a:satMod val="105000"/>
+            <a:lumMod val="110000"/>
+          </a:schemeClr>
+        </a:solidFill>
+        <a:gradFill rotWithShape="1">
+          <a:gsLst>
+            <a:gs pos="0">
+              <a:schemeClr val="phClr">
+                <a:tint val="94000"/>
+                <a:satMod val="100000"/>
+                <a:lumMod val="108000"/>
+              </a:schemeClr>
+            </a:gs>
+            <a:gs pos="50000">
+              <a:schemeClr val="phClr">
+                <a:tint val="98000"/>
+                <a:shade val="100000"/>
+                <a:satMod val="100000"/>
+                <a:lumMod val="100000"/>
+              </a:schemeClr>
+            </a:gs>
+            <a:gs pos="100000">
+              <a:schemeClr val="phClr">
+                <a:shade val="72000"/>
+                <a:satMod val="120000"/>
+                <a:lumMod val="100000"/>
+              </a:schemeClr>
+            </a:gs>
+          </a:gsLst>
+          <a:lin ang="5400000" scaled="0"/>
+        </a:gradFill>
+      </a:fillStyleLst>
+      <a:lnStyleLst>
+        <a:ln w="9525" cap="flat" cmpd="sng" algn="ctr">
+          <a:solidFill>
+            <a:schemeClr val="phClr">
+              <a:shade val="60000"/>
+            </a:schemeClr>
+          </a:solidFill>
+          <a:prstDash val="solid"/>
+        </a:ln>
+        <a:ln w="15875" cap="flat" cmpd="sng" algn="ctr">
+          <a:solidFill>
+            <a:schemeClr val="phClr"/>
+          </a:solidFill>
+          <a:prstDash val="solid"/>
+        </a:ln>
+        <a:ln w="22225" cap="flat" cmpd="sng" algn="ctr">
+          <a:solidFill>
+            <a:schemeClr val="phClr"/>
+          </a:solidFill>
+          <a:prstDash val="solid"/>
+        </a:ln>
+      </a:lnStyleLst>
+      <a:effectStyleLst>
+        <a:effectStyle>
+          <a:effectLst/>
+        </a:effectStyle>
+        <a:effectStyle>
+          <a:effectLst>
+            <a:outerShdw blurRad="50800" dist="25400" dir="5400000" rotWithShape="0">
+              <a:srgbClr val="000000">
+                <a:alpha val="28000"/>
+              </a:srgbClr>
+            </a:outerShdw>
+          </a:effectLst>
+        </a:effectStyle>
+        <a:effectStyle>
+          <a:effectLst>
+            <a:outerShdw blurRad="63500" dist="25400" dir="5400000" algn="ctr" rotWithShape="0">
+              <a:srgbClr val="000000">
+                <a:alpha val="69000"/>
+              </a:srgbClr>
+            </a:outerShdw>
+          </a:effectLst>
+          <a:scene3d>
+            <a:camera prst="orthographicFront">
+              <a:rot lat="0" lon="0" rev="0"/>
+            </a:camera>
+            <a:lightRig rig="balanced" dir="t">
+              <a:rot lat="0" lon="0" rev="1200000"/>
+            </a:lightRig>
+          </a:scene3d>
+          <a:sp3d prstMaterial="plastic">
+            <a:bevelT w="25400" h="25400"/>
+          </a:sp3d>
+        </a:effectStyle>
+      </a:effectStyleLst>
+      <a:bgFillStyleLst>
         <a:solidFill>
           <a:schemeClr val="phClr"/>
         </a:solidFill>
@@ -5720,23 +10117,14 @@
           <a:gsLst>
             <a:gs pos="0">
               <a:schemeClr val="phClr">
+                <a:tint val="90000"/>
                 <a:lumMod val="110000"/>
-                <a:satMod val="105000"/>
-                <a:tint val="67000"/>
-              </a:schemeClr>
-            </a:gs>
-            <a:gs pos="50000">
-              <a:schemeClr val="phClr">
-                <a:lumMod val="105000"/>
-                <a:satMod val="103000"/>
-                <a:tint val="73000"/>
               </a:schemeClr>
             </a:gs>
             <a:gs pos="100000">
               <a:schemeClr val="phClr">
-                <a:lumMod val="105000"/>
-                <a:satMod val="109000"/>
-                <a:tint val="81000"/>
+                <a:shade val="64000"/>
+                <a:lumMod val="88000"/>
               </a:schemeClr>
             </a:gs>
           </a:gsLst>
@@ -5746,101 +10134,18 @@
           <a:gsLst>
             <a:gs pos="0">
               <a:schemeClr val="phClr">
-                <a:satMod val="103000"/>
-                <a:lumMod val="102000"/>
-                <a:tint val="94000"/>
-              </a:schemeClr>
-            </a:gs>
-            <a:gs pos="50000">
-              <a:schemeClr val="phClr">
-                <a:satMod val="110000"/>
-                <a:lumMod val="100000"/>
+                <a:tint val="84000"/>
                 <a:shade val="100000"/>
+                <a:hueMod val="130000"/>
+                <a:satMod val="150000"/>
+                <a:lumMod val="112000"/>
               </a:schemeClr>
             </a:gs>
             <a:gs pos="100000">
               <a:schemeClr val="phClr">
-                <a:lumMod val="99000"/>
-                <a:satMod val="120000"/>
-                <a:shade val="78000"/>
-              </a:schemeClr>
-            </a:gs>
-          </a:gsLst>
-          <a:lin ang="5400000" scaled="0"/>
-        </a:gradFill>
-      </a:fillStyleLst>
-      <a:lnStyleLst>
-        <a:ln w="6350" cap="flat" cmpd="sng" algn="ctr">
-          <a:solidFill>
-            <a:schemeClr val="phClr"/>
-          </a:solidFill>
-          <a:prstDash val="solid"/>
-          <a:miter lim="800000"/>
-        </a:ln>
-        <a:ln w="12700" cap="flat" cmpd="sng" algn="ctr">
-          <a:solidFill>
-            <a:schemeClr val="phClr"/>
-          </a:solidFill>
-          <a:prstDash val="solid"/>
-          <a:miter lim="800000"/>
-        </a:ln>
-        <a:ln w="19050" cap="flat" cmpd="sng" algn="ctr">
-          <a:solidFill>
-            <a:schemeClr val="phClr"/>
-          </a:solidFill>
-          <a:prstDash val="solid"/>
-          <a:miter lim="800000"/>
-        </a:ln>
-      </a:lnStyleLst>
-      <a:effectStyleLst>
-        <a:effectStyle>
-          <a:effectLst/>
-        </a:effectStyle>
-        <a:effectStyle>
-          <a:effectLst/>
-        </a:effectStyle>
-        <a:effectStyle>
-          <a:effectLst>
-            <a:outerShdw blurRad="57150" dist="19050" dir="5400000" algn="ctr" rotWithShape="0">
-              <a:srgbClr val="000000">
-                <a:alpha val="63000"/>
-              </a:srgbClr>
-            </a:outerShdw>
-          </a:effectLst>
-        </a:effectStyle>
-      </a:effectStyleLst>
-      <a:bgFillStyleLst>
-        <a:solidFill>
-          <a:schemeClr val="phClr"/>
-        </a:solidFill>
-        <a:solidFill>
-          <a:schemeClr val="phClr">
-            <a:tint val="95000"/>
-            <a:satMod val="170000"/>
-          </a:schemeClr>
-        </a:solidFill>
-        <a:gradFill rotWithShape="1">
-          <a:gsLst>
-            <a:gs pos="0">
-              <a:schemeClr val="phClr">
-                <a:tint val="93000"/>
-                <a:satMod val="150000"/>
-                <a:shade val="98000"/>
-                <a:lumMod val="102000"/>
-              </a:schemeClr>
-            </a:gs>
-            <a:gs pos="50000">
-              <a:schemeClr val="phClr">
-                <a:tint val="98000"/>
-                <a:satMod val="130000"/>
-                <a:shade val="90000"/>
-                <a:lumMod val="103000"/>
-              </a:schemeClr>
-            </a:gs>
-            <a:gs pos="100000">
-              <a:schemeClr val="phClr">
-                <a:shade val="63000"/>
-                <a:satMod val="120000"/>
+                <a:shade val="92000"/>
+                <a:satMod val="140000"/>
+                <a:lumMod val="110000"/>
               </a:schemeClr>
             </a:gs>
           </a:gsLst>
@@ -5853,7 +10158,7 @@
   <a:extraClrSchemeLst/>
   <a:extLst>
     <a:ext uri="{05A4C25C-085E-4340-85A3-A5531E510DB2}">
-      <thm15:themeFamily xmlns:thm15="http://schemas.microsoft.com/office/thememl/2012/main" name="Office Theme" id="{62F939B6-93AF-4DB8-9C6B-D6C7DFDC589F}" vid="{4A3C46E8-61CC-4603-A589-7422A47A8E4A}"/>
+      <thm15:themeFamily xmlns:thm15="http://schemas.microsoft.com/office/thememl/2012/main" name="Droplet" id="{8984A317-299A-4E50-B45D-BFC9EDE2337A}" vid="{A633B6A3-9E7F-4C10-9C98-2517A3134361}"/>
     </a:ext>
   </a:extLst>
 </a:theme>
